--- a/dr/Защита- дипломен проект.pptx
+++ b/dr/Защита- дипломен проект.pptx
@@ -10,13 +10,13 @@
   <p:sldIdLst>
     <p:sldId id="256" r:id="rId2"/>
     <p:sldId id="259" r:id="rId3"/>
-    <p:sldId id="261" r:id="rId4"/>
-    <p:sldId id="262" r:id="rId5"/>
-    <p:sldId id="260" r:id="rId6"/>
-    <p:sldId id="258" r:id="rId7"/>
+    <p:sldId id="267" r:id="rId4"/>
+    <p:sldId id="266" r:id="rId5"/>
+    <p:sldId id="261" r:id="rId6"/>
+    <p:sldId id="268" r:id="rId7"/>
     <p:sldId id="263" r:id="rId8"/>
-    <p:sldId id="264" r:id="rId9"/>
-    <p:sldId id="265" r:id="rId10"/>
+    <p:sldId id="269" r:id="rId9"/>
+    <p:sldId id="270" r:id="rId10"/>
     <p:sldId id="257" r:id="rId11"/>
   </p:sldIdLst>
   <p:sldSz cx="9144000" cy="6858000" type="screen4x3"/>
@@ -217,7 +217,7 @@
           <a:p>
             <a:fld id="{51B6C609-93FD-47BB-A870-51E213CD9463}" type="datetimeFigureOut">
               <a:rPr lang="bg-BG" smtClean="0"/>
-              <a:t>9.5.2025 г.</a:t>
+              <a:t>13.5.2025 г.</a:t>
             </a:fld>
             <a:endParaRPr lang="bg-BG"/>
           </a:p>
@@ -529,7 +529,31 @@
           <a:bodyPr/>
           <a:lstStyle/>
           <a:p>
-            <a:endParaRPr lang="bg-BG" dirty="0"/>
+            <a:r>
+              <a:rPr lang="ru-RU" dirty="0" smtClean="0"/>
+              <a:t>Уважаема г-</a:t>
+            </a:r>
+            <a:r>
+              <a:rPr lang="bg-BG" dirty="0" smtClean="0"/>
+              <a:t>ж</a:t>
+            </a:r>
+            <a:r>
+              <a:rPr lang="ru-RU" dirty="0" smtClean="0"/>
+              <a:t>о Директор, Уважаема комисия, уважаеми гости (ако има такива / или поименно –ако е само един конкретен гост).</a:t>
+            </a:r>
+          </a:p>
+          <a:p>
+            <a:r>
+              <a:rPr lang="ru-RU" dirty="0" smtClean="0"/>
+              <a:t>Аз съм Сейхан Молла</a:t>
+            </a:r>
+          </a:p>
+          <a:p>
+            <a:r>
+              <a:rPr lang="ru-RU" dirty="0" smtClean="0"/>
+              <a:t>Темата на моя дипломен проект е : „Използване на REST API от страна на клиента “.</a:t>
+            </a:r>
+            <a:endParaRPr lang="ru-RU" dirty="0"/>
           </a:p>
         </p:txBody>
       </p:sp>
@@ -560,6 +584,1118 @@
     <p:extLst>
       <p:ext uri="{BB962C8B-B14F-4D97-AF65-F5344CB8AC3E}">
         <p14:creationId xmlns:p14="http://schemas.microsoft.com/office/powerpoint/2010/main" val="331488120"/>
+      </p:ext>
+    </p:extLst>
+  </p:cSld>
+  <p:clrMapOvr>
+    <a:masterClrMapping/>
+  </p:clrMapOvr>
+</p:notes>
+</file>
+
+<file path=ppt/notesSlides/notesSlide10.xml><?xml version="1.0" encoding="utf-8"?>
+<p:notes xmlns:a="http://schemas.openxmlformats.org/drawingml/2006/main" xmlns:r="http://schemas.openxmlformats.org/officeDocument/2006/relationships" xmlns:p="http://schemas.openxmlformats.org/presentationml/2006/main">
+  <p:cSld>
+    <p:spTree>
+      <p:nvGrpSpPr>
+        <p:cNvPr id="1" name=""/>
+        <p:cNvGrpSpPr/>
+        <p:nvPr/>
+      </p:nvGrpSpPr>
+      <p:grpSpPr>
+        <a:xfrm>
+          <a:off x="0" y="0"/>
+          <a:ext cx="0" cy="0"/>
+          <a:chOff x="0" y="0"/>
+          <a:chExt cx="0" cy="0"/>
+        </a:xfrm>
+      </p:grpSpPr>
+      <p:sp>
+        <p:nvSpPr>
+          <p:cNvPr id="2" name="Контейнер за изображение на слайда 1"/>
+          <p:cNvSpPr>
+            <a:spLocks noGrp="1" noRot="1" noChangeAspect="1"/>
+          </p:cNvSpPr>
+          <p:nvPr>
+            <p:ph type="sldImg"/>
+          </p:nvPr>
+        </p:nvSpPr>
+        <p:spPr/>
+      </p:sp>
+      <p:sp>
+        <p:nvSpPr>
+          <p:cNvPr id="3" name="Контейнер за бележки 2"/>
+          <p:cNvSpPr>
+            <a:spLocks noGrp="1"/>
+          </p:cNvSpPr>
+          <p:nvPr>
+            <p:ph type="body" idx="1"/>
+          </p:nvPr>
+        </p:nvSpPr>
+        <p:spPr/>
+        <p:txBody>
+          <a:bodyPr/>
+          <a:lstStyle/>
+          <a:p>
+            <a:r>
+              <a:rPr lang="ru-RU" dirty="0" smtClean="0"/>
+              <a:t>Благодаря за вниманието!</a:t>
+            </a:r>
+          </a:p>
+          <a:p>
+            <a:r>
+              <a:rPr lang="ru-RU" dirty="0" smtClean="0"/>
+              <a:t>Ако имате въпроси съм готов да отговоря.</a:t>
+            </a:r>
+            <a:endParaRPr lang="ru-RU" dirty="0"/>
+          </a:p>
+        </p:txBody>
+      </p:sp>
+      <p:sp>
+        <p:nvSpPr>
+          <p:cNvPr id="4" name="Контейнер за номер на слайда 3"/>
+          <p:cNvSpPr>
+            <a:spLocks noGrp="1"/>
+          </p:cNvSpPr>
+          <p:nvPr>
+            <p:ph type="sldNum" sz="quarter" idx="10"/>
+          </p:nvPr>
+        </p:nvSpPr>
+        <p:spPr/>
+        <p:txBody>
+          <a:bodyPr/>
+          <a:lstStyle/>
+          <a:p>
+            <a:fld id="{B10DF358-3D44-4ABE-AE94-6C87BE2FD2E3}" type="slidenum">
+              <a:rPr lang="bg-BG" smtClean="0"/>
+              <a:t>10</a:t>
+            </a:fld>
+            <a:endParaRPr lang="bg-BG"/>
+          </a:p>
+        </p:txBody>
+      </p:sp>
+    </p:spTree>
+    <p:extLst>
+      <p:ext uri="{BB962C8B-B14F-4D97-AF65-F5344CB8AC3E}">
+        <p14:creationId xmlns:p14="http://schemas.microsoft.com/office/powerpoint/2010/main" val="944953533"/>
+      </p:ext>
+    </p:extLst>
+  </p:cSld>
+  <p:clrMapOvr>
+    <a:masterClrMapping/>
+  </p:clrMapOvr>
+</p:notes>
+</file>
+
+<file path=ppt/notesSlides/notesSlide2.xml><?xml version="1.0" encoding="utf-8"?>
+<p:notes xmlns:a="http://schemas.openxmlformats.org/drawingml/2006/main" xmlns:r="http://schemas.openxmlformats.org/officeDocument/2006/relationships" xmlns:p="http://schemas.openxmlformats.org/presentationml/2006/main">
+  <p:cSld>
+    <p:spTree>
+      <p:nvGrpSpPr>
+        <p:cNvPr id="1" name=""/>
+        <p:cNvGrpSpPr/>
+        <p:nvPr/>
+      </p:nvGrpSpPr>
+      <p:grpSpPr>
+        <a:xfrm>
+          <a:off x="0" y="0"/>
+          <a:ext cx="0" cy="0"/>
+          <a:chOff x="0" y="0"/>
+          <a:chExt cx="0" cy="0"/>
+        </a:xfrm>
+      </p:grpSpPr>
+      <p:sp>
+        <p:nvSpPr>
+          <p:cNvPr id="2" name="Контейнер за изображение на слайда 1"/>
+          <p:cNvSpPr>
+            <a:spLocks noGrp="1" noRot="1" noChangeAspect="1"/>
+          </p:cNvSpPr>
+          <p:nvPr>
+            <p:ph type="sldImg"/>
+          </p:nvPr>
+        </p:nvSpPr>
+        <p:spPr/>
+      </p:sp>
+      <p:sp>
+        <p:nvSpPr>
+          <p:cNvPr id="3" name="Контейнер за бележки 2"/>
+          <p:cNvSpPr>
+            <a:spLocks noGrp="1"/>
+          </p:cNvSpPr>
+          <p:nvPr>
+            <p:ph type="body" idx="1"/>
+          </p:nvPr>
+        </p:nvSpPr>
+        <p:spPr/>
+        <p:txBody>
+          <a:bodyPr/>
+          <a:lstStyle/>
+          <a:p>
+            <a:pPr>
+              <a:lnSpc>
+                <a:spcPct val="107000"/>
+              </a:lnSpc>
+              <a:spcAft>
+                <a:spcPts val="800"/>
+              </a:spcAft>
+            </a:pPr>
+            <a:r>
+              <a:rPr lang="bg-BG" sz="1200" kern="100" dirty="0" smtClean="0">
+                <a:effectLst/>
+                <a:latin typeface="Times New Roman" panose="02020603050405020304" pitchFamily="18" charset="0"/>
+                <a:ea typeface="Aptos"/>
+                <a:cs typeface="Times New Roman" panose="02020603050405020304" pitchFamily="18" charset="0"/>
+              </a:rPr>
+              <a:t>Динамичните уеб приложения са изключително важни в днешния свят, тъй като позволяват бързо и в реално време обмен на информация с потребителите. Въвеждането на нови технологии, които дават възможност на клиентите да взаимодействат с данни по лесен и гъвкав начин, е основен етап в развитието на софтуерната индустрия. Този дипломен проект се съсредоточава върху използването на REST API от страна на клиента, което е ключов аспект от тези иновации.</a:t>
+            </a:r>
+            <a:endParaRPr lang="bg-BG" sz="1100" kern="100" dirty="0">
+              <a:effectLst/>
+              <a:latin typeface="Aptos"/>
+              <a:ea typeface="Aptos"/>
+              <a:cs typeface="Times New Roman" panose="02020603050405020304" pitchFamily="18" charset="0"/>
+            </a:endParaRPr>
+          </a:p>
+        </p:txBody>
+      </p:sp>
+      <p:sp>
+        <p:nvSpPr>
+          <p:cNvPr id="4" name="Контейнер за номер на слайда 3"/>
+          <p:cNvSpPr>
+            <a:spLocks noGrp="1"/>
+          </p:cNvSpPr>
+          <p:nvPr>
+            <p:ph type="sldNum" sz="quarter" idx="10"/>
+          </p:nvPr>
+        </p:nvSpPr>
+        <p:spPr/>
+        <p:txBody>
+          <a:bodyPr/>
+          <a:lstStyle/>
+          <a:p>
+            <a:fld id="{B10DF358-3D44-4ABE-AE94-6C87BE2FD2E3}" type="slidenum">
+              <a:rPr lang="bg-BG" smtClean="0"/>
+              <a:t>2</a:t>
+            </a:fld>
+            <a:endParaRPr lang="bg-BG"/>
+          </a:p>
+        </p:txBody>
+      </p:sp>
+    </p:spTree>
+    <p:extLst>
+      <p:ext uri="{BB962C8B-B14F-4D97-AF65-F5344CB8AC3E}">
+        <p14:creationId xmlns:p14="http://schemas.microsoft.com/office/powerpoint/2010/main" val="2636146116"/>
+      </p:ext>
+    </p:extLst>
+  </p:cSld>
+  <p:clrMapOvr>
+    <a:masterClrMapping/>
+  </p:clrMapOvr>
+</p:notes>
+</file>
+
+<file path=ppt/notesSlides/notesSlide3.xml><?xml version="1.0" encoding="utf-8"?>
+<p:notes xmlns:a="http://schemas.openxmlformats.org/drawingml/2006/main" xmlns:r="http://schemas.openxmlformats.org/officeDocument/2006/relationships" xmlns:p="http://schemas.openxmlformats.org/presentationml/2006/main">
+  <p:cSld>
+    <p:spTree>
+      <p:nvGrpSpPr>
+        <p:cNvPr id="1" name=""/>
+        <p:cNvGrpSpPr/>
+        <p:nvPr/>
+      </p:nvGrpSpPr>
+      <p:grpSpPr>
+        <a:xfrm>
+          <a:off x="0" y="0"/>
+          <a:ext cx="0" cy="0"/>
+          <a:chOff x="0" y="0"/>
+          <a:chExt cx="0" cy="0"/>
+        </a:xfrm>
+      </p:grpSpPr>
+      <p:sp>
+        <p:nvSpPr>
+          <p:cNvPr id="2" name="Контейнер за изображение на слайда 1"/>
+          <p:cNvSpPr>
+            <a:spLocks noGrp="1" noRot="1" noChangeAspect="1"/>
+          </p:cNvSpPr>
+          <p:nvPr>
+            <p:ph type="sldImg"/>
+          </p:nvPr>
+        </p:nvSpPr>
+        <p:spPr/>
+      </p:sp>
+      <p:sp>
+        <p:nvSpPr>
+          <p:cNvPr id="3" name="Контейнер за бележки 2"/>
+          <p:cNvSpPr>
+            <a:spLocks noGrp="1"/>
+          </p:cNvSpPr>
+          <p:nvPr>
+            <p:ph type="body" idx="1"/>
+          </p:nvPr>
+        </p:nvSpPr>
+        <p:spPr/>
+        <p:txBody>
+          <a:bodyPr/>
+          <a:lstStyle/>
+          <a:p>
+            <a:pPr>
+              <a:lnSpc>
+                <a:spcPct val="107000"/>
+              </a:lnSpc>
+              <a:spcAft>
+                <a:spcPts val="800"/>
+              </a:spcAft>
+            </a:pPr>
+            <a:r>
+              <a:rPr lang="bg-BG" sz="1200" kern="100" dirty="0" smtClean="0">
+                <a:solidFill>
+                  <a:srgbClr val="000000"/>
+                </a:solidFill>
+                <a:effectLst/>
+                <a:latin typeface="Times New Roman" panose="02020603050405020304" pitchFamily="18" charset="0"/>
+                <a:ea typeface="Aptos"/>
+                <a:cs typeface="Times New Roman" panose="02020603050405020304" pitchFamily="18" charset="0"/>
+              </a:rPr>
+              <a:t>Още в началото на работата си по проекта анализирах възможните подходи за реализиране на връзката между клиента и външния REST API. След като се запознах с изискванията на заданието и спецификата на предоставения API, взех решение да разделя приложението на две основни части – backend и frontend, като за backend частта се спрях на Django, а за frontend – на Vue.js и Axios.</a:t>
+            </a:r>
+            <a:endParaRPr lang="bg-BG" sz="1100" kern="100" dirty="0" smtClean="0">
+              <a:effectLst/>
+              <a:latin typeface="Aptos"/>
+              <a:ea typeface="Aptos"/>
+              <a:cs typeface="Times New Roman" panose="02020603050405020304" pitchFamily="18" charset="0"/>
+            </a:endParaRPr>
+          </a:p>
+          <a:p>
+            <a:endParaRPr lang="bg-BG" dirty="0"/>
+          </a:p>
+        </p:txBody>
+      </p:sp>
+      <p:sp>
+        <p:nvSpPr>
+          <p:cNvPr id="4" name="Контейнер за номер на слайда 3"/>
+          <p:cNvSpPr>
+            <a:spLocks noGrp="1"/>
+          </p:cNvSpPr>
+          <p:nvPr>
+            <p:ph type="sldNum" sz="quarter" idx="10"/>
+          </p:nvPr>
+        </p:nvSpPr>
+        <p:spPr/>
+        <p:txBody>
+          <a:bodyPr/>
+          <a:lstStyle/>
+          <a:p>
+            <a:fld id="{B10DF358-3D44-4ABE-AE94-6C87BE2FD2E3}" type="slidenum">
+              <a:rPr lang="bg-BG" smtClean="0"/>
+              <a:t>3</a:t>
+            </a:fld>
+            <a:endParaRPr lang="bg-BG"/>
+          </a:p>
+        </p:txBody>
+      </p:sp>
+    </p:spTree>
+    <p:extLst>
+      <p:ext uri="{BB962C8B-B14F-4D97-AF65-F5344CB8AC3E}">
+        <p14:creationId xmlns:p14="http://schemas.microsoft.com/office/powerpoint/2010/main" val="2730808485"/>
+      </p:ext>
+    </p:extLst>
+  </p:cSld>
+  <p:clrMapOvr>
+    <a:masterClrMapping/>
+  </p:clrMapOvr>
+</p:notes>
+</file>
+
+<file path=ppt/notesSlides/notesSlide4.xml><?xml version="1.0" encoding="utf-8"?>
+<p:notes xmlns:a="http://schemas.openxmlformats.org/drawingml/2006/main" xmlns:r="http://schemas.openxmlformats.org/officeDocument/2006/relationships" xmlns:p="http://schemas.openxmlformats.org/presentationml/2006/main">
+  <p:cSld>
+    <p:spTree>
+      <p:nvGrpSpPr>
+        <p:cNvPr id="1" name=""/>
+        <p:cNvGrpSpPr/>
+        <p:nvPr/>
+      </p:nvGrpSpPr>
+      <p:grpSpPr>
+        <a:xfrm>
+          <a:off x="0" y="0"/>
+          <a:ext cx="0" cy="0"/>
+          <a:chOff x="0" y="0"/>
+          <a:chExt cx="0" cy="0"/>
+        </a:xfrm>
+      </p:grpSpPr>
+      <p:sp>
+        <p:nvSpPr>
+          <p:cNvPr id="2" name="Контейнер за изображение на слайда 1"/>
+          <p:cNvSpPr>
+            <a:spLocks noGrp="1" noRot="1" noChangeAspect="1"/>
+          </p:cNvSpPr>
+          <p:nvPr>
+            <p:ph type="sldImg"/>
+          </p:nvPr>
+        </p:nvSpPr>
+        <p:spPr/>
+      </p:sp>
+      <p:sp>
+        <p:nvSpPr>
+          <p:cNvPr id="3" name="Контейнер за бележки 2"/>
+          <p:cNvSpPr>
+            <a:spLocks noGrp="1"/>
+          </p:cNvSpPr>
+          <p:nvPr>
+            <p:ph type="body" idx="1"/>
+          </p:nvPr>
+        </p:nvSpPr>
+        <p:spPr/>
+        <p:txBody>
+          <a:bodyPr/>
+          <a:lstStyle/>
+          <a:p>
+            <a:pPr>
+              <a:lnSpc>
+                <a:spcPct val="107000"/>
+              </a:lnSpc>
+              <a:spcAft>
+                <a:spcPts val="800"/>
+              </a:spcAft>
+            </a:pPr>
+            <a:r>
+              <a:rPr lang="bg-BG" sz="1200" kern="100" dirty="0" smtClean="0">
+                <a:solidFill>
+                  <a:srgbClr val="000000"/>
+                </a:solidFill>
+                <a:effectLst/>
+                <a:latin typeface="Times New Roman" panose="02020603050405020304" pitchFamily="18" charset="0"/>
+                <a:ea typeface="Aptos"/>
+                <a:cs typeface="Times New Roman" panose="02020603050405020304" pitchFamily="18" charset="0"/>
+              </a:rPr>
+              <a:t>След като анализирах структурата и възможностите на външното REST API на ПГЕЕ – гр. Банско, взех решението да реализирам отделни изгледи във Django backend-а за трите основни типа данни, които са достъпни чрез този API.</a:t>
+            </a:r>
+            <a:r>
+              <a:rPr lang="bg-BG" sz="1100" kern="100" dirty="0" smtClean="0">
+                <a:effectLst/>
+                <a:latin typeface="Aptos"/>
+                <a:ea typeface="Aptos"/>
+                <a:cs typeface="Times New Roman" panose="02020603050405020304" pitchFamily="18" charset="0"/>
+              </a:rPr>
+              <a:t> </a:t>
+            </a:r>
+            <a:r>
+              <a:rPr lang="bg-BG" sz="1200" kern="100" dirty="0" smtClean="0">
+                <a:solidFill>
+                  <a:srgbClr val="000000"/>
+                </a:solidFill>
+                <a:effectLst/>
+                <a:latin typeface="Times New Roman" panose="02020603050405020304" pitchFamily="18" charset="0"/>
+                <a:ea typeface="Aptos"/>
+                <a:cs typeface="Times New Roman" panose="02020603050405020304" pitchFamily="18" charset="0"/>
+              </a:rPr>
+              <a:t>Всяка от тези функции обработва заявката, изпраща необходимата HTTP заявка към сървъра на ПГЕЕ и връща получения отговор във вид, подходящ за фронтенда.</a:t>
+            </a:r>
+            <a:endParaRPr lang="bg-BG" sz="1100" kern="100" dirty="0" smtClean="0">
+              <a:effectLst/>
+              <a:latin typeface="Aptos"/>
+              <a:ea typeface="Aptos"/>
+              <a:cs typeface="Times New Roman" panose="02020603050405020304" pitchFamily="18" charset="0"/>
+            </a:endParaRPr>
+          </a:p>
+          <a:p>
+            <a:pPr>
+              <a:lnSpc>
+                <a:spcPct val="107000"/>
+              </a:lnSpc>
+              <a:spcAft>
+                <a:spcPts val="800"/>
+              </a:spcAft>
+            </a:pPr>
+            <a:r>
+              <a:rPr lang="ru-RU" sz="1200" kern="100" dirty="0" smtClean="0">
+                <a:solidFill>
+                  <a:srgbClr val="4C94D8"/>
+                </a:solidFill>
+                <a:effectLst/>
+                <a:latin typeface="Times New Roman" panose="02020603050405020304" pitchFamily="18" charset="0"/>
+                <a:ea typeface="Aptos"/>
+                <a:cs typeface="Times New Roman" panose="02020603050405020304" pitchFamily="18" charset="0"/>
+              </a:rPr>
+              <a:t> </a:t>
+            </a:r>
+            <a:endParaRPr lang="bg-BG" sz="1100" kern="100" dirty="0">
+              <a:effectLst/>
+              <a:latin typeface="Aptos"/>
+              <a:ea typeface="Aptos"/>
+              <a:cs typeface="Times New Roman" panose="02020603050405020304" pitchFamily="18" charset="0"/>
+            </a:endParaRPr>
+          </a:p>
+        </p:txBody>
+      </p:sp>
+      <p:sp>
+        <p:nvSpPr>
+          <p:cNvPr id="4" name="Контейнер за номер на слайда 3"/>
+          <p:cNvSpPr>
+            <a:spLocks noGrp="1"/>
+          </p:cNvSpPr>
+          <p:nvPr>
+            <p:ph type="sldNum" sz="quarter" idx="10"/>
+          </p:nvPr>
+        </p:nvSpPr>
+        <p:spPr/>
+        <p:txBody>
+          <a:bodyPr/>
+          <a:lstStyle/>
+          <a:p>
+            <a:fld id="{B10DF358-3D44-4ABE-AE94-6C87BE2FD2E3}" type="slidenum">
+              <a:rPr lang="bg-BG" smtClean="0"/>
+              <a:t>4</a:t>
+            </a:fld>
+            <a:endParaRPr lang="bg-BG"/>
+          </a:p>
+        </p:txBody>
+      </p:sp>
+    </p:spTree>
+    <p:extLst>
+      <p:ext uri="{BB962C8B-B14F-4D97-AF65-F5344CB8AC3E}">
+        <p14:creationId xmlns:p14="http://schemas.microsoft.com/office/powerpoint/2010/main" val="852596182"/>
+      </p:ext>
+    </p:extLst>
+  </p:cSld>
+  <p:clrMapOvr>
+    <a:masterClrMapping/>
+  </p:clrMapOvr>
+</p:notes>
+</file>
+
+<file path=ppt/notesSlides/notesSlide5.xml><?xml version="1.0" encoding="utf-8"?>
+<p:notes xmlns:a="http://schemas.openxmlformats.org/drawingml/2006/main" xmlns:r="http://schemas.openxmlformats.org/officeDocument/2006/relationships" xmlns:p="http://schemas.openxmlformats.org/presentationml/2006/main">
+  <p:cSld>
+    <p:spTree>
+      <p:nvGrpSpPr>
+        <p:cNvPr id="1" name=""/>
+        <p:cNvGrpSpPr/>
+        <p:nvPr/>
+      </p:nvGrpSpPr>
+      <p:grpSpPr>
+        <a:xfrm>
+          <a:off x="0" y="0"/>
+          <a:ext cx="0" cy="0"/>
+          <a:chOff x="0" y="0"/>
+          <a:chExt cx="0" cy="0"/>
+        </a:xfrm>
+      </p:grpSpPr>
+      <p:sp>
+        <p:nvSpPr>
+          <p:cNvPr id="2" name="Контейнер за изображение на слайда 1"/>
+          <p:cNvSpPr>
+            <a:spLocks noGrp="1" noRot="1" noChangeAspect="1"/>
+          </p:cNvSpPr>
+          <p:nvPr>
+            <p:ph type="sldImg"/>
+          </p:nvPr>
+        </p:nvSpPr>
+        <p:spPr/>
+      </p:sp>
+      <p:sp>
+        <p:nvSpPr>
+          <p:cNvPr id="3" name="Контейнер за бележки 2"/>
+          <p:cNvSpPr>
+            <a:spLocks noGrp="1"/>
+          </p:cNvSpPr>
+          <p:nvPr>
+            <p:ph type="body" idx="1"/>
+          </p:nvPr>
+        </p:nvSpPr>
+        <p:spPr/>
+        <p:txBody>
+          <a:bodyPr/>
+          <a:lstStyle/>
+          <a:p>
+            <a:pPr>
+              <a:lnSpc>
+                <a:spcPct val="107000"/>
+              </a:lnSpc>
+              <a:spcAft>
+                <a:spcPts val="800"/>
+              </a:spcAft>
+            </a:pPr>
+            <a:r>
+              <a:rPr lang="bg-BG" sz="1200" kern="100" dirty="0" smtClean="0">
+                <a:solidFill>
+                  <a:srgbClr val="000000"/>
+                </a:solidFill>
+                <a:effectLst/>
+                <a:latin typeface="Times New Roman" panose="02020603050405020304" pitchFamily="18" charset="0"/>
+                <a:ea typeface="Aptos"/>
+                <a:cs typeface="Times New Roman" panose="02020603050405020304" pitchFamily="18" charset="0"/>
+              </a:rPr>
+              <a:t>След като backend-ът беше готов и можеше успешно да препраща заявки към външния REST API, се заех с изграждането на потребителския интерфейс. За целта създадох HTML шаблон (info_main.txt), в който дефинирах основната структура на приложението. В този шаблон включих всички необходими елементи за визуализация на разписанието, както и специални контейнери за анимирания часовник, който беше част от изискванията за динамичен интерфейс</a:t>
+            </a:r>
+            <a:r>
+              <a:rPr lang="bg-BG" sz="1100" kern="100" dirty="0" smtClean="0">
+                <a:effectLst/>
+                <a:latin typeface="Aptos"/>
+                <a:ea typeface="Aptos"/>
+                <a:cs typeface="Times New Roman" panose="02020603050405020304" pitchFamily="18" charset="0"/>
+              </a:rPr>
+              <a:t>. в</a:t>
+            </a:r>
+            <a:r>
+              <a:rPr lang="bg-BG" sz="1200" kern="100" dirty="0" smtClean="0">
+                <a:solidFill>
+                  <a:srgbClr val="000000"/>
+                </a:solidFill>
+                <a:effectLst/>
+                <a:latin typeface="Times New Roman" panose="02020603050405020304" pitchFamily="18" charset="0"/>
+                <a:ea typeface="Aptos"/>
+                <a:cs typeface="Times New Roman" panose="02020603050405020304" pitchFamily="18" charset="0"/>
+              </a:rPr>
+              <a:t>ъв файла info_main.js реализирах основната логика на Vue компонента. Там дефинирах всички необходими данни и методи, които управляват състоянието на приложението и обработват получените от backend-а данни. Използвах Axios за изпращане на заявки към локалния сървър, като по този начин осигурих асинхронно извличане на информацията за разписанието.</a:t>
+            </a:r>
+            <a:endParaRPr lang="bg-BG" sz="1100" kern="100" dirty="0">
+              <a:effectLst/>
+              <a:latin typeface="Aptos"/>
+              <a:ea typeface="Aptos"/>
+              <a:cs typeface="Times New Roman" panose="02020603050405020304" pitchFamily="18" charset="0"/>
+            </a:endParaRPr>
+          </a:p>
+        </p:txBody>
+      </p:sp>
+      <p:sp>
+        <p:nvSpPr>
+          <p:cNvPr id="4" name="Контейнер за номер на слайда 3"/>
+          <p:cNvSpPr>
+            <a:spLocks noGrp="1"/>
+          </p:cNvSpPr>
+          <p:nvPr>
+            <p:ph type="sldNum" sz="quarter" idx="10"/>
+          </p:nvPr>
+        </p:nvSpPr>
+        <p:spPr/>
+        <p:txBody>
+          <a:bodyPr/>
+          <a:lstStyle/>
+          <a:p>
+            <a:fld id="{B10DF358-3D44-4ABE-AE94-6C87BE2FD2E3}" type="slidenum">
+              <a:rPr lang="bg-BG" smtClean="0"/>
+              <a:t>5</a:t>
+            </a:fld>
+            <a:endParaRPr lang="bg-BG"/>
+          </a:p>
+        </p:txBody>
+      </p:sp>
+    </p:spTree>
+    <p:extLst>
+      <p:ext uri="{BB962C8B-B14F-4D97-AF65-F5344CB8AC3E}">
+        <p14:creationId xmlns:p14="http://schemas.microsoft.com/office/powerpoint/2010/main" val="36090721"/>
+      </p:ext>
+    </p:extLst>
+  </p:cSld>
+  <p:clrMapOvr>
+    <a:masterClrMapping/>
+  </p:clrMapOvr>
+</p:notes>
+</file>
+
+<file path=ppt/notesSlides/notesSlide6.xml><?xml version="1.0" encoding="utf-8"?>
+<p:notes xmlns:a="http://schemas.openxmlformats.org/drawingml/2006/main" xmlns:r="http://schemas.openxmlformats.org/officeDocument/2006/relationships" xmlns:p="http://schemas.openxmlformats.org/presentationml/2006/main">
+  <p:cSld>
+    <p:spTree>
+      <p:nvGrpSpPr>
+        <p:cNvPr id="1" name=""/>
+        <p:cNvGrpSpPr/>
+        <p:nvPr/>
+      </p:nvGrpSpPr>
+      <p:grpSpPr>
+        <a:xfrm>
+          <a:off x="0" y="0"/>
+          <a:ext cx="0" cy="0"/>
+          <a:chOff x="0" y="0"/>
+          <a:chExt cx="0" cy="0"/>
+        </a:xfrm>
+      </p:grpSpPr>
+      <p:sp>
+        <p:nvSpPr>
+          <p:cNvPr id="2" name="Контейнер за изображение на слайда 1"/>
+          <p:cNvSpPr>
+            <a:spLocks noGrp="1" noRot="1" noChangeAspect="1"/>
+          </p:cNvSpPr>
+          <p:nvPr>
+            <p:ph type="sldImg"/>
+          </p:nvPr>
+        </p:nvSpPr>
+        <p:spPr/>
+      </p:sp>
+      <p:sp>
+        <p:nvSpPr>
+          <p:cNvPr id="3" name="Контейнер за бележки 2"/>
+          <p:cNvSpPr>
+            <a:spLocks noGrp="1"/>
+          </p:cNvSpPr>
+          <p:nvPr>
+            <p:ph type="body" idx="1"/>
+          </p:nvPr>
+        </p:nvSpPr>
+        <p:spPr/>
+        <p:txBody>
+          <a:bodyPr/>
+          <a:lstStyle/>
+          <a:p>
+            <a:pPr>
+              <a:lnSpc>
+                <a:spcPct val="107000"/>
+              </a:lnSpc>
+              <a:spcAft>
+                <a:spcPts val="800"/>
+              </a:spcAft>
+            </a:pPr>
+            <a:r>
+              <a:rPr lang="bg-BG" sz="1200" kern="100" dirty="0" smtClean="0">
+                <a:solidFill>
+                  <a:srgbClr val="000000"/>
+                </a:solidFill>
+                <a:effectLst/>
+                <a:latin typeface="Times New Roman" panose="02020603050405020304" pitchFamily="18" charset="0"/>
+                <a:ea typeface="Aptos"/>
+                <a:cs typeface="Times New Roman" panose="02020603050405020304" pitchFamily="18" charset="0"/>
+              </a:rPr>
+              <a:t>След проучване на възможните подходи, реших да реализирам така наречения "прокси" слой в backend-а. Това означава, че вместо frontend-ът да се опитва директно да комуникира с външния API, той изпраща заявките си към локалния сървър (Django), който от своя страна препраща тези заявки към външния REST API, получава отговора и го връща обратно към клиента. По този начин всички заявки към външния сървър се изпълняват от backend-а, където CORS ограниченията не важат, а frontend-ът комуникира само с локалния сървър, което е напълно разрешено от браузъра.</a:t>
+            </a:r>
+            <a:endParaRPr lang="bg-BG" sz="1100" kern="100" dirty="0">
+              <a:effectLst/>
+              <a:latin typeface="Aptos"/>
+              <a:ea typeface="Aptos"/>
+              <a:cs typeface="Times New Roman" panose="02020603050405020304" pitchFamily="18" charset="0"/>
+            </a:endParaRPr>
+          </a:p>
+        </p:txBody>
+      </p:sp>
+      <p:sp>
+        <p:nvSpPr>
+          <p:cNvPr id="4" name="Контейнер за номер на слайда 3"/>
+          <p:cNvSpPr>
+            <a:spLocks noGrp="1"/>
+          </p:cNvSpPr>
+          <p:nvPr>
+            <p:ph type="sldNum" sz="quarter" idx="10"/>
+          </p:nvPr>
+        </p:nvSpPr>
+        <p:spPr/>
+        <p:txBody>
+          <a:bodyPr/>
+          <a:lstStyle/>
+          <a:p>
+            <a:fld id="{B10DF358-3D44-4ABE-AE94-6C87BE2FD2E3}" type="slidenum">
+              <a:rPr lang="bg-BG" smtClean="0"/>
+              <a:t>6</a:t>
+            </a:fld>
+            <a:endParaRPr lang="bg-BG"/>
+          </a:p>
+        </p:txBody>
+      </p:sp>
+    </p:spTree>
+    <p:extLst>
+      <p:ext uri="{BB962C8B-B14F-4D97-AF65-F5344CB8AC3E}">
+        <p14:creationId xmlns:p14="http://schemas.microsoft.com/office/powerpoint/2010/main" val="82636576"/>
+      </p:ext>
+    </p:extLst>
+  </p:cSld>
+  <p:clrMapOvr>
+    <a:masterClrMapping/>
+  </p:clrMapOvr>
+</p:notes>
+</file>
+
+<file path=ppt/notesSlides/notesSlide7.xml><?xml version="1.0" encoding="utf-8"?>
+<p:notes xmlns:a="http://schemas.openxmlformats.org/drawingml/2006/main" xmlns:r="http://schemas.openxmlformats.org/officeDocument/2006/relationships" xmlns:p="http://schemas.openxmlformats.org/presentationml/2006/main">
+  <p:cSld>
+    <p:spTree>
+      <p:nvGrpSpPr>
+        <p:cNvPr id="1" name=""/>
+        <p:cNvGrpSpPr/>
+        <p:nvPr/>
+      </p:nvGrpSpPr>
+      <p:grpSpPr>
+        <a:xfrm>
+          <a:off x="0" y="0"/>
+          <a:ext cx="0" cy="0"/>
+          <a:chOff x="0" y="0"/>
+          <a:chExt cx="0" cy="0"/>
+        </a:xfrm>
+      </p:grpSpPr>
+      <p:sp>
+        <p:nvSpPr>
+          <p:cNvPr id="2" name="Контейнер за изображение на слайда 1"/>
+          <p:cNvSpPr>
+            <a:spLocks noGrp="1" noRot="1" noChangeAspect="1"/>
+          </p:cNvSpPr>
+          <p:nvPr>
+            <p:ph type="sldImg"/>
+          </p:nvPr>
+        </p:nvSpPr>
+        <p:spPr/>
+      </p:sp>
+      <p:sp>
+        <p:nvSpPr>
+          <p:cNvPr id="3" name="Контейнер за бележки 2"/>
+          <p:cNvSpPr>
+            <a:spLocks noGrp="1"/>
+          </p:cNvSpPr>
+          <p:nvPr>
+            <p:ph type="body" idx="1"/>
+          </p:nvPr>
+        </p:nvSpPr>
+        <p:spPr/>
+        <p:txBody>
+          <a:bodyPr/>
+          <a:lstStyle/>
+          <a:p>
+            <a:pPr>
+              <a:lnSpc>
+                <a:spcPct val="107000"/>
+              </a:lnSpc>
+              <a:spcAft>
+                <a:spcPts val="800"/>
+              </a:spcAft>
+            </a:pPr>
+            <a:r>
+              <a:rPr lang="bg-BG" sz="1200" kern="100" dirty="0" smtClean="0">
+                <a:solidFill>
+                  <a:srgbClr val="000000"/>
+                </a:solidFill>
+                <a:effectLst/>
+                <a:latin typeface="Times New Roman" panose="02020603050405020304" pitchFamily="18" charset="0"/>
+                <a:ea typeface="Aptos"/>
+                <a:cs typeface="Times New Roman" panose="02020603050405020304" pitchFamily="18" charset="0"/>
+              </a:rPr>
+              <a:t>Клиентската част на приложението е изградена с помощта на модерна JavaScript библиотека Vue.js.</a:t>
+            </a:r>
+            <a:endParaRPr lang="bg-BG" sz="1100" kern="100" dirty="0" smtClean="0">
+              <a:effectLst/>
+              <a:latin typeface="Aptos"/>
+              <a:ea typeface="Aptos"/>
+              <a:cs typeface="Times New Roman" panose="02020603050405020304" pitchFamily="18" charset="0"/>
+            </a:endParaRPr>
+          </a:p>
+          <a:p>
+            <a:pPr>
+              <a:lnSpc>
+                <a:spcPct val="107000"/>
+              </a:lnSpc>
+              <a:spcAft>
+                <a:spcPts val="800"/>
+              </a:spcAft>
+            </a:pPr>
+            <a:r>
+              <a:rPr lang="bg-BG" sz="1200" kern="100" dirty="0" smtClean="0">
+                <a:solidFill>
+                  <a:srgbClr val="000000"/>
+                </a:solidFill>
+                <a:effectLst/>
+                <a:latin typeface="Times New Roman" panose="02020603050405020304" pitchFamily="18" charset="0"/>
+                <a:ea typeface="Aptos"/>
+                <a:cs typeface="Times New Roman" panose="02020603050405020304" pitchFamily="18" charset="0"/>
+              </a:rPr>
+              <a:t> Избрах Vue.js. защото:</a:t>
+            </a:r>
+            <a:endParaRPr lang="bg-BG" sz="1100" kern="100" dirty="0" smtClean="0">
+              <a:effectLst/>
+              <a:latin typeface="Aptos"/>
+              <a:ea typeface="Aptos"/>
+              <a:cs typeface="Times New Roman" panose="02020603050405020304" pitchFamily="18" charset="0"/>
+            </a:endParaRPr>
+          </a:p>
+          <a:p>
+            <a:pPr>
+              <a:lnSpc>
+                <a:spcPct val="107000"/>
+              </a:lnSpc>
+              <a:spcAft>
+                <a:spcPts val="800"/>
+              </a:spcAft>
+            </a:pPr>
+            <a:r>
+              <a:rPr lang="bg-BG" sz="1200" kern="100" dirty="0" smtClean="0">
+                <a:solidFill>
+                  <a:srgbClr val="000000"/>
+                </a:solidFill>
+                <a:effectLst/>
+                <a:latin typeface="Times New Roman" panose="02020603050405020304" pitchFamily="18" charset="0"/>
+                <a:ea typeface="Aptos"/>
+                <a:cs typeface="Times New Roman" panose="02020603050405020304" pitchFamily="18" charset="0"/>
+              </a:rPr>
+              <a:t>Има добра документация и е лесна за интеграция в съществуващи проекти.</a:t>
+            </a:r>
+            <a:endParaRPr lang="bg-BG" sz="1100" kern="100" dirty="0" smtClean="0">
+              <a:effectLst/>
+              <a:latin typeface="Aptos"/>
+              <a:ea typeface="Aptos"/>
+              <a:cs typeface="Times New Roman" panose="02020603050405020304" pitchFamily="18" charset="0"/>
+            </a:endParaRPr>
+          </a:p>
+          <a:p>
+            <a:pPr>
+              <a:lnSpc>
+                <a:spcPct val="107000"/>
+              </a:lnSpc>
+              <a:spcAft>
+                <a:spcPts val="800"/>
+              </a:spcAft>
+            </a:pPr>
+            <a:r>
+              <a:rPr lang="bg-BG" sz="1200" kern="100" dirty="0" smtClean="0">
+                <a:solidFill>
+                  <a:srgbClr val="000000"/>
+                </a:solidFill>
+                <a:effectLst/>
+                <a:latin typeface="Times New Roman" panose="02020603050405020304" pitchFamily="18" charset="0"/>
+                <a:ea typeface="Aptos"/>
+                <a:cs typeface="Times New Roman" panose="02020603050405020304" pitchFamily="18" charset="0"/>
+              </a:rPr>
+              <a:t>Предлага двупосочна свързаност на данните, което улеснява управлението на взаимодействията с потребителския интерфейс.</a:t>
+            </a:r>
+            <a:endParaRPr lang="bg-BG" sz="1100" kern="100" dirty="0" smtClean="0">
+              <a:effectLst/>
+              <a:latin typeface="Aptos"/>
+              <a:ea typeface="Aptos"/>
+              <a:cs typeface="Times New Roman" panose="02020603050405020304" pitchFamily="18" charset="0"/>
+            </a:endParaRPr>
+          </a:p>
+          <a:p>
+            <a:endParaRPr lang="bg-BG" dirty="0"/>
+          </a:p>
+        </p:txBody>
+      </p:sp>
+      <p:sp>
+        <p:nvSpPr>
+          <p:cNvPr id="4" name="Контейнер за номер на слайда 3"/>
+          <p:cNvSpPr>
+            <a:spLocks noGrp="1"/>
+          </p:cNvSpPr>
+          <p:nvPr>
+            <p:ph type="sldNum" sz="quarter" idx="10"/>
+          </p:nvPr>
+        </p:nvSpPr>
+        <p:spPr/>
+        <p:txBody>
+          <a:bodyPr/>
+          <a:lstStyle/>
+          <a:p>
+            <a:fld id="{B10DF358-3D44-4ABE-AE94-6C87BE2FD2E3}" type="slidenum">
+              <a:rPr lang="bg-BG" smtClean="0"/>
+              <a:t>7</a:t>
+            </a:fld>
+            <a:endParaRPr lang="bg-BG"/>
+          </a:p>
+        </p:txBody>
+      </p:sp>
+    </p:spTree>
+    <p:extLst>
+      <p:ext uri="{BB962C8B-B14F-4D97-AF65-F5344CB8AC3E}">
+        <p14:creationId xmlns:p14="http://schemas.microsoft.com/office/powerpoint/2010/main" val="4155153879"/>
+      </p:ext>
+    </p:extLst>
+  </p:cSld>
+  <p:clrMapOvr>
+    <a:masterClrMapping/>
+  </p:clrMapOvr>
+</p:notes>
+</file>
+
+<file path=ppt/notesSlides/notesSlide8.xml><?xml version="1.0" encoding="utf-8"?>
+<p:notes xmlns:a="http://schemas.openxmlformats.org/drawingml/2006/main" xmlns:r="http://schemas.openxmlformats.org/officeDocument/2006/relationships" xmlns:p="http://schemas.openxmlformats.org/presentationml/2006/main">
+  <p:cSld>
+    <p:spTree>
+      <p:nvGrpSpPr>
+        <p:cNvPr id="1" name=""/>
+        <p:cNvGrpSpPr/>
+        <p:nvPr/>
+      </p:nvGrpSpPr>
+      <p:grpSpPr>
+        <a:xfrm>
+          <a:off x="0" y="0"/>
+          <a:ext cx="0" cy="0"/>
+          <a:chOff x="0" y="0"/>
+          <a:chExt cx="0" cy="0"/>
+        </a:xfrm>
+      </p:grpSpPr>
+      <p:sp>
+        <p:nvSpPr>
+          <p:cNvPr id="2" name="Контейнер за изображение на слайда 1"/>
+          <p:cNvSpPr>
+            <a:spLocks noGrp="1" noRot="1" noChangeAspect="1"/>
+          </p:cNvSpPr>
+          <p:nvPr>
+            <p:ph type="sldImg"/>
+          </p:nvPr>
+        </p:nvSpPr>
+        <p:spPr/>
+      </p:sp>
+      <p:sp>
+        <p:nvSpPr>
+          <p:cNvPr id="3" name="Контейнер за бележки 2"/>
+          <p:cNvSpPr>
+            <a:spLocks noGrp="1"/>
+          </p:cNvSpPr>
+          <p:nvPr>
+            <p:ph type="body" idx="1"/>
+          </p:nvPr>
+        </p:nvSpPr>
+        <p:spPr/>
+        <p:txBody>
+          <a:bodyPr/>
+          <a:lstStyle/>
+          <a:p>
+            <a:r>
+              <a:rPr lang="bg-BG" sz="1200" dirty="0" smtClean="0">
+                <a:solidFill>
+                  <a:srgbClr val="000000"/>
+                </a:solidFill>
+                <a:effectLst/>
+                <a:latin typeface="Times New Roman" panose="02020603050405020304" pitchFamily="18" charset="0"/>
+                <a:ea typeface="Aptos"/>
+              </a:rPr>
+              <a:t>Разработването на фронтенд приложение с JavaScript, заедно с технологии като JSON и AJAX, показа как можем да извлечем данни по асинхронен начин и да актуализираме потребителския интерфейс без необходимост от презареждане на страницата. Този подход увеличава динамиката и интерактивността на приложенията.</a:t>
+            </a:r>
+            <a:endParaRPr lang="bg-BG" dirty="0"/>
+          </a:p>
+        </p:txBody>
+      </p:sp>
+      <p:sp>
+        <p:nvSpPr>
+          <p:cNvPr id="4" name="Контейнер за номер на слайда 3"/>
+          <p:cNvSpPr>
+            <a:spLocks noGrp="1"/>
+          </p:cNvSpPr>
+          <p:nvPr>
+            <p:ph type="sldNum" sz="quarter" idx="10"/>
+          </p:nvPr>
+        </p:nvSpPr>
+        <p:spPr/>
+        <p:txBody>
+          <a:bodyPr/>
+          <a:lstStyle/>
+          <a:p>
+            <a:fld id="{B10DF358-3D44-4ABE-AE94-6C87BE2FD2E3}" type="slidenum">
+              <a:rPr lang="bg-BG" smtClean="0"/>
+              <a:t>8</a:t>
+            </a:fld>
+            <a:endParaRPr lang="bg-BG"/>
+          </a:p>
+        </p:txBody>
+      </p:sp>
+    </p:spTree>
+    <p:extLst>
+      <p:ext uri="{BB962C8B-B14F-4D97-AF65-F5344CB8AC3E}">
+        <p14:creationId xmlns:p14="http://schemas.microsoft.com/office/powerpoint/2010/main" val="3444128930"/>
+      </p:ext>
+    </p:extLst>
+  </p:cSld>
+  <p:clrMapOvr>
+    <a:masterClrMapping/>
+  </p:clrMapOvr>
+</p:notes>
+</file>
+
+<file path=ppt/notesSlides/notesSlide9.xml><?xml version="1.0" encoding="utf-8"?>
+<p:notes xmlns:a="http://schemas.openxmlformats.org/drawingml/2006/main" xmlns:r="http://schemas.openxmlformats.org/officeDocument/2006/relationships" xmlns:p="http://schemas.openxmlformats.org/presentationml/2006/main">
+  <p:cSld>
+    <p:spTree>
+      <p:nvGrpSpPr>
+        <p:cNvPr id="1" name=""/>
+        <p:cNvGrpSpPr/>
+        <p:nvPr/>
+      </p:nvGrpSpPr>
+      <p:grpSpPr>
+        <a:xfrm>
+          <a:off x="0" y="0"/>
+          <a:ext cx="0" cy="0"/>
+          <a:chOff x="0" y="0"/>
+          <a:chExt cx="0" cy="0"/>
+        </a:xfrm>
+      </p:grpSpPr>
+      <p:sp>
+        <p:nvSpPr>
+          <p:cNvPr id="2" name="Контейнер за изображение на слайда 1"/>
+          <p:cNvSpPr>
+            <a:spLocks noGrp="1" noRot="1" noChangeAspect="1"/>
+          </p:cNvSpPr>
+          <p:nvPr>
+            <p:ph type="sldImg"/>
+          </p:nvPr>
+        </p:nvSpPr>
+        <p:spPr/>
+      </p:sp>
+      <p:sp>
+        <p:nvSpPr>
+          <p:cNvPr id="3" name="Контейнер за бележки 2"/>
+          <p:cNvSpPr>
+            <a:spLocks noGrp="1"/>
+          </p:cNvSpPr>
+          <p:nvPr>
+            <p:ph type="body" idx="1"/>
+          </p:nvPr>
+        </p:nvSpPr>
+        <p:spPr/>
+        <p:txBody>
+          <a:bodyPr/>
+          <a:lstStyle/>
+          <a:p>
+            <a:pPr>
+              <a:lnSpc>
+                <a:spcPct val="107000"/>
+              </a:lnSpc>
+              <a:spcAft>
+                <a:spcPts val="800"/>
+              </a:spcAft>
+            </a:pPr>
+            <a:r>
+              <a:rPr lang="bg-BG" sz="1200" kern="100" dirty="0" smtClean="0">
+                <a:solidFill>
+                  <a:srgbClr val="000000"/>
+                </a:solidFill>
+                <a:effectLst/>
+                <a:latin typeface="Times New Roman" panose="02020603050405020304" pitchFamily="18" charset="0"/>
+                <a:ea typeface="Aptos"/>
+                <a:cs typeface="Times New Roman" panose="02020603050405020304" pitchFamily="18" charset="0"/>
+              </a:rPr>
+              <a:t>В резултат на всички тези стъпки успях да реализирам уеб приложение, което динамично извлича и визуализира данни от външния REST API на ПГЕЕ – гр. Банско. Приложението работи бързо и надеждно, като предоставя на потребителите актуална информация за дневното и седмичното разписание, представена в модерен и анимиран уеб интерфейс. Чрез използването на прокси слой в backend-а успешно преодолях ограниченията, наложени от CORS политиката на браузъра, а интеграцията на Vue.js и Axios направи възможно създаването на динамичен и лесен за поддръжка frontend.</a:t>
+            </a:r>
+            <a:endParaRPr lang="bg-BG" sz="1100" kern="100" dirty="0" smtClean="0">
+              <a:effectLst/>
+              <a:latin typeface="Aptos"/>
+              <a:ea typeface="Aptos"/>
+              <a:cs typeface="Times New Roman" panose="02020603050405020304" pitchFamily="18" charset="0"/>
+            </a:endParaRPr>
+          </a:p>
+          <a:p>
+            <a:endParaRPr lang="bg-BG" dirty="0"/>
+          </a:p>
+        </p:txBody>
+      </p:sp>
+      <p:sp>
+        <p:nvSpPr>
+          <p:cNvPr id="4" name="Контейнер за номер на слайда 3"/>
+          <p:cNvSpPr>
+            <a:spLocks noGrp="1"/>
+          </p:cNvSpPr>
+          <p:nvPr>
+            <p:ph type="sldNum" sz="quarter" idx="10"/>
+          </p:nvPr>
+        </p:nvSpPr>
+        <p:spPr/>
+        <p:txBody>
+          <a:bodyPr/>
+          <a:lstStyle/>
+          <a:p>
+            <a:fld id="{B10DF358-3D44-4ABE-AE94-6C87BE2FD2E3}" type="slidenum">
+              <a:rPr lang="bg-BG" smtClean="0"/>
+              <a:t>9</a:t>
+            </a:fld>
+            <a:endParaRPr lang="bg-BG"/>
+          </a:p>
+        </p:txBody>
+      </p:sp>
+    </p:spTree>
+    <p:extLst>
+      <p:ext uri="{BB962C8B-B14F-4D97-AF65-F5344CB8AC3E}">
+        <p14:creationId xmlns:p14="http://schemas.microsoft.com/office/powerpoint/2010/main" val="650789012"/>
       </p:ext>
     </p:extLst>
   </p:cSld>
@@ -767,7 +1903,7 @@
             <a:fld id="{1D8BD707-D9CF-40AE-B4C6-C98DA3205C09}" type="datetimeFigureOut">
               <a:rPr lang="en-US" smtClean="0"/>
               <a:pPr/>
-              <a:t>5/9/2025</a:t>
+              <a:t>5/13/2025</a:t>
             </a:fld>
             <a:endParaRPr lang="en-US"/>
           </a:p>
@@ -990,7 +2126,7 @@
             <a:fld id="{1D8BD707-D9CF-40AE-B4C6-C98DA3205C09}" type="datetimeFigureOut">
               <a:rPr lang="en-US" smtClean="0"/>
               <a:pPr/>
-              <a:t>5/9/2025</a:t>
+              <a:t>5/13/2025</a:t>
             </a:fld>
             <a:endParaRPr lang="en-US"/>
           </a:p>
@@ -1172,7 +2308,7 @@
             <a:fld id="{1D8BD707-D9CF-40AE-B4C6-C98DA3205C09}" type="datetimeFigureOut">
               <a:rPr lang="en-US" smtClean="0"/>
               <a:pPr/>
-              <a:t>5/9/2025</a:t>
+              <a:t>5/13/2025</a:t>
             </a:fld>
             <a:endParaRPr lang="en-US"/>
           </a:p>
@@ -1351,7 +2487,7 @@
             <a:fld id="{1D8BD707-D9CF-40AE-B4C6-C98DA3205C09}" type="datetimeFigureOut">
               <a:rPr lang="en-US" smtClean="0"/>
               <a:pPr/>
-              <a:t>5/9/2025</a:t>
+              <a:t>5/13/2025</a:t>
             </a:fld>
             <a:endParaRPr lang="en-US"/>
           </a:p>
@@ -1604,7 +2740,7 @@
             <a:fld id="{1D8BD707-D9CF-40AE-B4C6-C98DA3205C09}" type="datetimeFigureOut">
               <a:rPr lang="en-US" smtClean="0"/>
               <a:pPr/>
-              <a:t>5/9/2025</a:t>
+              <a:t>5/13/2025</a:t>
             </a:fld>
             <a:endParaRPr lang="en-US"/>
           </a:p>
@@ -1929,7 +3065,7 @@
             <a:fld id="{1D8BD707-D9CF-40AE-B4C6-C98DA3205C09}" type="datetimeFigureOut">
               <a:rPr lang="en-US" smtClean="0"/>
               <a:pPr/>
-              <a:t>5/9/2025</a:t>
+              <a:t>5/13/2025</a:t>
             </a:fld>
             <a:endParaRPr lang="en-US"/>
           </a:p>
@@ -2355,7 +3491,7 @@
             <a:fld id="{1D8BD707-D9CF-40AE-B4C6-C98DA3205C09}" type="datetimeFigureOut">
               <a:rPr lang="en-US" smtClean="0"/>
               <a:pPr/>
-              <a:t>5/9/2025</a:t>
+              <a:t>5/13/2025</a:t>
             </a:fld>
             <a:endParaRPr lang="en-US"/>
           </a:p>
@@ -2475,7 +3611,7 @@
             <a:fld id="{1D8BD707-D9CF-40AE-B4C6-C98DA3205C09}" type="datetimeFigureOut">
               <a:rPr lang="en-US" smtClean="0"/>
               <a:pPr/>
-              <a:t>5/9/2025</a:t>
+              <a:t>5/13/2025</a:t>
             </a:fld>
             <a:endParaRPr lang="en-US"/>
           </a:p>
@@ -2572,7 +3708,7 @@
             <a:fld id="{1D8BD707-D9CF-40AE-B4C6-C98DA3205C09}" type="datetimeFigureOut">
               <a:rPr lang="en-US" smtClean="0"/>
               <a:pPr/>
-              <a:t>5/9/2025</a:t>
+              <a:t>5/13/2025</a:t>
             </a:fld>
             <a:endParaRPr lang="en-US"/>
           </a:p>
@@ -2864,7 +4000,7 @@
             <a:fld id="{1D8BD707-D9CF-40AE-B4C6-C98DA3205C09}" type="datetimeFigureOut">
               <a:rPr lang="en-US" smtClean="0"/>
               <a:pPr/>
-              <a:t>5/9/2025</a:t>
+              <a:t>5/13/2025</a:t>
             </a:fld>
             <a:endParaRPr lang="en-US"/>
           </a:p>
@@ -3138,7 +4274,7 @@
             <a:fld id="{1D8BD707-D9CF-40AE-B4C6-C98DA3205C09}" type="datetimeFigureOut">
               <a:rPr lang="en-US" smtClean="0"/>
               <a:pPr/>
-              <a:t>5/9/2025</a:t>
+              <a:t>5/13/2025</a:t>
             </a:fld>
             <a:endParaRPr lang="en-US"/>
           </a:p>
@@ -3392,7 +4528,7 @@
             <a:fld id="{1D8BD707-D9CF-40AE-B4C6-C98DA3205C09}" type="datetimeFigureOut">
               <a:rPr lang="en-US" smtClean="0"/>
               <a:pPr/>
-              <a:t>5/9/2025</a:t>
+              <a:t>5/13/2025</a:t>
             </a:fld>
             <a:endParaRPr lang="en-US"/>
           </a:p>
@@ -4002,7 +5138,7 @@
         <p:spPr>
           <a:xfrm>
             <a:off x="1066800" y="340008"/>
-            <a:ext cx="7772400" cy="1569660"/>
+            <a:ext cx="7772400" cy="1323439"/>
           </a:xfrm>
           <a:prstGeom prst="rect">
             <a:avLst/>
@@ -4016,6 +5152,23 @@
           <a:lstStyle/>
           <a:p>
             <a:pPr algn="ctr"/>
+            <a:r>
+              <a:rPr lang="ru-RU" sz="1600" dirty="0" smtClean="0">
+                <a:solidFill>
+                  <a:schemeClr val="bg1"/>
+                </a:solidFill>
+                <a:effectLst>
+                  <a:outerShdw blurRad="38100" dist="38100" dir="2700000" algn="tl">
+                    <a:srgbClr val="000000">
+                      <a:alpha val="43137"/>
+                    </a:srgbClr>
+                  </a:outerShdw>
+                </a:effectLst>
+                <a:latin typeface="Times New Roman" panose="02020603050405020304" pitchFamily="18" charset="0"/>
+                <a:cs typeface="Times New Roman" panose="02020603050405020304" pitchFamily="18" charset="0"/>
+              </a:rPr>
+              <a:t>ДЪРЖАВЕН </a:t>
+            </a:r>
             <a:r>
               <a:rPr lang="ru-RU" sz="1600" dirty="0">
                 <a:solidFill>
@@ -4031,27 +5184,7 @@
                 <a:latin typeface="Times New Roman" panose="02020603050405020304" pitchFamily="18" charset="0"/>
                 <a:cs typeface="Times New Roman" panose="02020603050405020304" pitchFamily="18" charset="0"/>
               </a:rPr>
-              <a:t>ЗАДАНИЕ ЗА ДИПЛОМЕН ПРОЕКТ</a:t>
-            </a:r>
-          </a:p>
-          <a:p>
-            <a:pPr algn="ctr"/>
-            <a:r>
-              <a:rPr lang="ru-RU" sz="1600" dirty="0">
-                <a:solidFill>
-                  <a:schemeClr val="bg1"/>
-                </a:solidFill>
-                <a:effectLst>
-                  <a:outerShdw blurRad="38100" dist="38100" dir="2700000" algn="tl">
-                    <a:srgbClr val="000000">
-                      <a:alpha val="43137"/>
-                    </a:srgbClr>
-                  </a:outerShdw>
-                </a:effectLst>
-                <a:latin typeface="Times New Roman" panose="02020603050405020304" pitchFamily="18" charset="0"/>
-                <a:cs typeface="Times New Roman" panose="02020603050405020304" pitchFamily="18" charset="0"/>
-              </a:rPr>
-              <a:t>ДЪРЖАВЕН ИЗПИТ ЗА ПРИДОБИВАНЕ НА ТРЕТА СТЕПЕН НА ПРОФЕСИОНАЛНА КВАЛИФИКАЦИЯ – ЧАСТ ПО ТЕОРИЯ НА ПРОФЕСИЯТА</a:t>
+              <a:t>ИЗПИТ ЗА ПРИДОБИВАНЕ НА ТРЕТА СТЕПЕН НА ПРОФЕСИОНАЛНА КВАЛИФИКАЦИЯ – ЧАСТ ПО ТЕОРИЯ НА ПРОФЕСИЯТА</a:t>
             </a:r>
           </a:p>
           <a:p>
@@ -4108,41 +5241,7 @@
                 <a:latin typeface="Times New Roman" panose="02020603050405020304" pitchFamily="18" charset="0"/>
                 <a:cs typeface="Times New Roman" panose="02020603050405020304" pitchFamily="18" charset="0"/>
               </a:rPr>
-              <a:t>специалност код </a:t>
-            </a:r>
-            <a:r>
-              <a:rPr lang="ru-RU" sz="1600" dirty="0">
-                <a:solidFill>
-                  <a:schemeClr val="bg1"/>
-                </a:solidFill>
-                <a:effectLst>
-                  <a:outerShdw blurRad="38100" dist="38100" dir="2700000" algn="tl">
-                    <a:srgbClr val="000000">
-                      <a:alpha val="43137"/>
-                    </a:srgbClr>
-                  </a:outerShdw>
-                </a:effectLst>
-                <a:latin typeface="Times New Roman" panose="02020603050405020304" pitchFamily="18" charset="0"/>
-                <a:cs typeface="Times New Roman" panose="02020603050405020304" pitchFamily="18" charset="0"/>
-              </a:rPr>
-              <a:t>код</a:t>
-            </a:r>
-            <a:r>
-              <a:rPr lang="ru-RU" sz="1600" dirty="0">
-                <a:solidFill>
-                  <a:schemeClr val="bg1"/>
-                </a:solidFill>
-                <a:effectLst>
-                  <a:outerShdw blurRad="38100" dist="38100" dir="2700000" algn="tl">
-                    <a:srgbClr val="000000">
-                      <a:alpha val="43137"/>
-                    </a:srgbClr>
-                  </a:outerShdw>
-                </a:effectLst>
-                <a:latin typeface="Times New Roman" panose="02020603050405020304" pitchFamily="18" charset="0"/>
-                <a:cs typeface="Times New Roman" panose="02020603050405020304" pitchFamily="18" charset="0"/>
-              </a:rPr>
-              <a:t> 4810301  „Приоложно програмиране“</a:t>
+              <a:t>специалност код код 4810301  „Приоложно програмиране“</a:t>
             </a:r>
           </a:p>
         </p:txBody>
@@ -4283,22 +5382,22 @@
       </p:grpSpPr>
       <p:pic>
         <p:nvPicPr>
-          <p:cNvPr id="6" name="Картина 5"/>
+          <p:cNvPr id="2" name="Картина 1"/>
           <p:cNvPicPr>
             <a:picLocks noChangeAspect="1"/>
           </p:cNvPicPr>
           <p:nvPr/>
         </p:nvPicPr>
         <p:blipFill>
-          <a:blip r:embed="rId2"/>
+          <a:blip r:embed="rId3"/>
           <a:stretch>
             <a:fillRect/>
           </a:stretch>
         </p:blipFill>
         <p:spPr>
           <a:xfrm>
-            <a:off x="216326" y="609600"/>
-            <a:ext cx="8711352" cy="5486400"/>
+            <a:off x="304800" y="1066800"/>
+            <a:ext cx="8505843" cy="4448556"/>
           </a:xfrm>
           <a:prstGeom prst="rect">
             <a:avLst/>
@@ -4344,24 +5443,22 @@
       </p:grpSpPr>
       <p:pic>
         <p:nvPicPr>
-          <p:cNvPr id="4" name="Контейнер за съдържание 3"/>
+          <p:cNvPr id="4" name="Картина 3"/>
           <p:cNvPicPr>
-            <a:picLocks noGrp="1" noChangeAspect="1"/>
+            <a:picLocks noChangeAspect="1"/>
           </p:cNvPicPr>
-          <p:nvPr>
-            <p:ph idx="1"/>
-          </p:nvPr>
+          <p:nvPr/>
         </p:nvPicPr>
         <p:blipFill>
-          <a:blip r:embed="rId2"/>
+          <a:blip r:embed="rId3"/>
           <a:stretch>
             <a:fillRect/>
           </a:stretch>
         </p:blipFill>
         <p:spPr>
           <a:xfrm>
-            <a:off x="76200" y="762000"/>
-            <a:ext cx="8928000" cy="5022000"/>
+            <a:off x="304800" y="1905000"/>
+            <a:ext cx="8229600" cy="2939143"/>
           </a:xfrm>
           <a:prstGeom prst="rect">
             <a:avLst/>
@@ -4371,7 +5468,7 @@
     </p:spTree>
     <p:extLst>
       <p:ext uri="{BB962C8B-B14F-4D97-AF65-F5344CB8AC3E}">
-        <p14:creationId xmlns:p14="http://schemas.microsoft.com/office/powerpoint/2010/main" val="209417510"/>
+        <p14:creationId xmlns:p14="http://schemas.microsoft.com/office/powerpoint/2010/main" val="1071294908"/>
       </p:ext>
     </p:extLst>
   </p:cSld>
@@ -4407,22 +5504,23 @@
       </p:grpSpPr>
       <p:pic>
         <p:nvPicPr>
-          <p:cNvPr id="4" name="Картина 3"/>
+          <p:cNvPr id="4" name="Контейнер за съдържание 3"/>
           <p:cNvPicPr>
-            <a:picLocks noChangeAspect="1"/>
+            <a:picLocks noGrp="1" noChangeAspect="1"/>
           </p:cNvPicPr>
-          <p:nvPr/>
+          <p:nvPr>
+            <p:ph idx="1"/>
+          </p:nvPr>
         </p:nvPicPr>
-        <p:blipFill>
-          <a:blip r:embed="rId2"/>
-          <a:stretch>
-            <a:fillRect/>
-          </a:stretch>
+        <p:blipFill rotWithShape="1">
+          <a:blip r:embed="rId3"/>
+          <a:srcRect l="-12593" r="12593" b="4478"/>
+          <a:stretch/>
         </p:blipFill>
         <p:spPr>
           <a:xfrm>
-            <a:off x="0" y="858505"/>
-            <a:ext cx="9144000" cy="5140990"/>
+            <a:off x="-990600" y="685800"/>
+            <a:ext cx="9882716" cy="5310117"/>
           </a:xfrm>
           <a:prstGeom prst="rect">
             <a:avLst/>
@@ -4432,7 +5530,7 @@
     </p:spTree>
     <p:extLst>
       <p:ext uri="{BB962C8B-B14F-4D97-AF65-F5344CB8AC3E}">
-        <p14:creationId xmlns:p14="http://schemas.microsoft.com/office/powerpoint/2010/main" val="2728660908"/>
+        <p14:creationId xmlns:p14="http://schemas.microsoft.com/office/powerpoint/2010/main" val="3581815933"/>
       </p:ext>
     </p:extLst>
   </p:cSld>
@@ -4468,22 +5566,24 @@
       </p:grpSpPr>
       <p:pic>
         <p:nvPicPr>
-          <p:cNvPr id="5" name="Картина 4"/>
+          <p:cNvPr id="4" name="Контейнер за съдържание 3"/>
           <p:cNvPicPr>
-            <a:picLocks noChangeAspect="1"/>
+            <a:picLocks noGrp="1" noChangeAspect="1"/>
           </p:cNvPicPr>
-          <p:nvPr/>
+          <p:nvPr>
+            <p:ph idx="1"/>
+          </p:nvPr>
         </p:nvPicPr>
         <p:blipFill>
-          <a:blip r:embed="rId2"/>
+          <a:blip r:embed="rId3"/>
           <a:stretch>
             <a:fillRect/>
           </a:stretch>
         </p:blipFill>
         <p:spPr>
           <a:xfrm>
-            <a:off x="381000" y="838200"/>
-            <a:ext cx="8382000" cy="5140523"/>
+            <a:off x="76200" y="762000"/>
+            <a:ext cx="8928000" cy="5022000"/>
           </a:xfrm>
           <a:prstGeom prst="rect">
             <a:avLst/>
@@ -4493,7 +5593,7 @@
     </p:spTree>
     <p:extLst>
       <p:ext uri="{BB962C8B-B14F-4D97-AF65-F5344CB8AC3E}">
-        <p14:creationId xmlns:p14="http://schemas.microsoft.com/office/powerpoint/2010/main" val="2248359052"/>
+        <p14:creationId xmlns:p14="http://schemas.microsoft.com/office/powerpoint/2010/main" val="209417510"/>
       </p:ext>
     </p:extLst>
   </p:cSld>
@@ -4535,15 +5635,16 @@
           </p:cNvPicPr>
           <p:nvPr/>
         </p:nvPicPr>
-        <p:blipFill rotWithShape="1">
-          <a:blip r:embed="rId2"/>
-          <a:srcRect r="-118" b="11689"/>
-          <a:stretch/>
+        <p:blipFill>
+          <a:blip r:embed="rId3"/>
+          <a:stretch>
+            <a:fillRect/>
+          </a:stretch>
         </p:blipFill>
         <p:spPr>
           <a:xfrm>
-            <a:off x="533400" y="609600"/>
-            <a:ext cx="8382000" cy="5181600"/>
+            <a:off x="304800" y="1066800"/>
+            <a:ext cx="8403747" cy="4419600"/>
           </a:xfrm>
           <a:prstGeom prst="rect">
             <a:avLst/>
@@ -4553,20 +5654,13 @@
     </p:spTree>
     <p:extLst>
       <p:ext uri="{BB962C8B-B14F-4D97-AF65-F5344CB8AC3E}">
-        <p14:creationId xmlns:p14="http://schemas.microsoft.com/office/powerpoint/2010/main" val="4038100329"/>
+        <p14:creationId xmlns:p14="http://schemas.microsoft.com/office/powerpoint/2010/main" val="1467373412"/>
       </p:ext>
     </p:extLst>
   </p:cSld>
   <p:clrMapOvr>
     <a:masterClrMapping/>
   </p:clrMapOvr>
-  <p:timing>
-    <p:tnLst>
-      <p:par>
-        <p:cTn id="1" dur="indefinite" restart="never" nodeType="tmRoot"/>
-      </p:par>
-    </p:tnLst>
-  </p:timing>
 </p:sld>
 </file>
 
@@ -4596,7 +5690,7 @@
           <p:nvPr/>
         </p:nvPicPr>
         <p:blipFill>
-          <a:blip r:embed="rId2"/>
+          <a:blip r:embed="rId3"/>
           <a:stretch>
             <a:fillRect/>
           </a:stretch>
@@ -4657,15 +5751,15 @@
           <p:nvPr/>
         </p:nvPicPr>
         <p:blipFill>
-          <a:blip r:embed="rId2"/>
+          <a:blip r:embed="rId3"/>
           <a:stretch>
             <a:fillRect/>
           </a:stretch>
         </p:blipFill>
         <p:spPr>
           <a:xfrm>
-            <a:off x="1600200" y="1143000"/>
-            <a:ext cx="6229865" cy="4191000"/>
+            <a:off x="914400" y="1295400"/>
+            <a:ext cx="7391399" cy="3695700"/>
           </a:xfrm>
           <a:prstGeom prst="rect">
             <a:avLst/>
@@ -4675,20 +5769,13 @@
     </p:spTree>
     <p:extLst>
       <p:ext uri="{BB962C8B-B14F-4D97-AF65-F5344CB8AC3E}">
-        <p14:creationId xmlns:p14="http://schemas.microsoft.com/office/powerpoint/2010/main" val="18009208"/>
+        <p14:creationId xmlns:p14="http://schemas.microsoft.com/office/powerpoint/2010/main" val="4230404550"/>
       </p:ext>
     </p:extLst>
   </p:cSld>
   <p:clrMapOvr>
     <a:masterClrMapping/>
   </p:clrMapOvr>
-  <p:timing>
-    <p:tnLst>
-      <p:par>
-        <p:cTn id="1" dur="indefinite" restart="never" nodeType="tmRoot"/>
-      </p:par>
-    </p:tnLst>
-  </p:timing>
 </p:sld>
 </file>
 
@@ -4718,15 +5805,15 @@
           <p:nvPr/>
         </p:nvPicPr>
         <p:blipFill>
-          <a:blip r:embed="rId2"/>
+          <a:blip r:embed="rId3"/>
           <a:stretch>
             <a:fillRect/>
           </a:stretch>
         </p:blipFill>
         <p:spPr>
           <a:xfrm>
-            <a:off x="304800" y="1371600"/>
-            <a:ext cx="8569593" cy="4167634"/>
+            <a:off x="109341" y="917230"/>
+            <a:ext cx="8925318" cy="5023539"/>
           </a:xfrm>
           <a:prstGeom prst="rect">
             <a:avLst/>
@@ -4736,20 +5823,13 @@
     </p:spTree>
     <p:extLst>
       <p:ext uri="{BB962C8B-B14F-4D97-AF65-F5344CB8AC3E}">
-        <p14:creationId xmlns:p14="http://schemas.microsoft.com/office/powerpoint/2010/main" val="2701860483"/>
+        <p14:creationId xmlns:p14="http://schemas.microsoft.com/office/powerpoint/2010/main" val="2532272641"/>
       </p:ext>
     </p:extLst>
   </p:cSld>
   <p:clrMapOvr>
     <a:masterClrMapping/>
   </p:clrMapOvr>
-  <p:timing>
-    <p:tnLst>
-      <p:par>
-        <p:cTn id="1" dur="indefinite" restart="never" nodeType="tmRoot"/>
-      </p:par>
-    </p:tnLst>
-  </p:timing>
 </p:sld>
 </file>
 

--- a/dr/Защита- дипломен проект.pptx
+++ b/dr/Защита- дипломен проект.pptx
@@ -2,7 +2,7 @@
 <file path=ppt/presentation.xml><?xml version="1.0" encoding="utf-8"?>
 <p:presentation xmlns:a="http://schemas.openxmlformats.org/drawingml/2006/main" xmlns:r="http://schemas.openxmlformats.org/officeDocument/2006/relationships" xmlns:p="http://schemas.openxmlformats.org/presentationml/2006/main" saveSubsetFonts="1">
   <p:sldMasterIdLst>
-    <p:sldMasterId id="2147483861" r:id="rId1"/>
+    <p:sldMasterId id="2147483873" r:id="rId1"/>
   </p:sldMasterIdLst>
   <p:notesMasterIdLst>
     <p:notesMasterId r:id="rId12"/>
@@ -10,7 +10,7 @@
   <p:sldIdLst>
     <p:sldId id="256" r:id="rId2"/>
     <p:sldId id="259" r:id="rId3"/>
-    <p:sldId id="267" r:id="rId4"/>
+    <p:sldId id="271" r:id="rId4"/>
     <p:sldId id="266" r:id="rId5"/>
     <p:sldId id="261" r:id="rId6"/>
     <p:sldId id="268" r:id="rId7"/>
@@ -19,7 +19,7 @@
     <p:sldId id="270" r:id="rId10"/>
     <p:sldId id="257" r:id="rId11"/>
   </p:sldIdLst>
-  <p:sldSz cx="9144000" cy="6858000" type="screen4x3"/>
+  <p:sldSz cx="12192000" cy="6858000"/>
   <p:notesSz cx="6858000" cy="9144000"/>
   <p:defaultTextStyle>
     <a:defPPr>
@@ -119,12 +119,12 @@
   <p:extLst>
     <p:ext uri="{EFAFB233-063F-42B5-8137-9DF3F51BA10A}">
       <p15:sldGuideLst xmlns:p15="http://schemas.microsoft.com/office/powerpoint/2012/main">
-        <p15:guide id="1" orient="horz" pos="2160">
+        <p15:guide id="1" orient="horz" pos="2160" userDrawn="1">
           <p15:clr>
             <a:srgbClr val="A4A3A4"/>
           </p15:clr>
         </p15:guide>
-        <p15:guide id="2" pos="2880">
+        <p15:guide id="2" pos="3840" userDrawn="1">
           <p15:clr>
             <a:srgbClr val="A4A3A4"/>
           </p15:clr>
@@ -235,8 +235,8 @@
         </p:nvSpPr>
         <p:spPr>
           <a:xfrm>
-            <a:off x="1371600" y="1143000"/>
-            <a:ext cx="4114800" cy="3086100"/>
+            <a:off x="685800" y="1143000"/>
+            <a:ext cx="5486400" cy="3086100"/>
           </a:xfrm>
           <a:prstGeom prst="rect">
             <a:avLst/>
@@ -512,7 +512,12 @@
             <p:ph type="sldImg"/>
           </p:nvPr>
         </p:nvSpPr>
-        <p:spPr/>
+        <p:spPr>
+          <a:xfrm>
+            <a:off x="685800" y="1143000"/>
+            <a:ext cx="5486400" cy="3086100"/>
+          </a:xfrm>
+        </p:spPr>
       </p:sp>
       <p:sp>
         <p:nvSpPr>
@@ -584,100 +589,6 @@
     <p:extLst>
       <p:ext uri="{BB962C8B-B14F-4D97-AF65-F5344CB8AC3E}">
         <p14:creationId xmlns:p14="http://schemas.microsoft.com/office/powerpoint/2010/main" val="331488120"/>
-      </p:ext>
-    </p:extLst>
-  </p:cSld>
-  <p:clrMapOvr>
-    <a:masterClrMapping/>
-  </p:clrMapOvr>
-</p:notes>
-</file>
-
-<file path=ppt/notesSlides/notesSlide10.xml><?xml version="1.0" encoding="utf-8"?>
-<p:notes xmlns:a="http://schemas.openxmlformats.org/drawingml/2006/main" xmlns:r="http://schemas.openxmlformats.org/officeDocument/2006/relationships" xmlns:p="http://schemas.openxmlformats.org/presentationml/2006/main">
-  <p:cSld>
-    <p:spTree>
-      <p:nvGrpSpPr>
-        <p:cNvPr id="1" name=""/>
-        <p:cNvGrpSpPr/>
-        <p:nvPr/>
-      </p:nvGrpSpPr>
-      <p:grpSpPr>
-        <a:xfrm>
-          <a:off x="0" y="0"/>
-          <a:ext cx="0" cy="0"/>
-          <a:chOff x="0" y="0"/>
-          <a:chExt cx="0" cy="0"/>
-        </a:xfrm>
-      </p:grpSpPr>
-      <p:sp>
-        <p:nvSpPr>
-          <p:cNvPr id="2" name="Контейнер за изображение на слайда 1"/>
-          <p:cNvSpPr>
-            <a:spLocks noGrp="1" noRot="1" noChangeAspect="1"/>
-          </p:cNvSpPr>
-          <p:nvPr>
-            <p:ph type="sldImg"/>
-          </p:nvPr>
-        </p:nvSpPr>
-        <p:spPr/>
-      </p:sp>
-      <p:sp>
-        <p:nvSpPr>
-          <p:cNvPr id="3" name="Контейнер за бележки 2"/>
-          <p:cNvSpPr>
-            <a:spLocks noGrp="1"/>
-          </p:cNvSpPr>
-          <p:nvPr>
-            <p:ph type="body" idx="1"/>
-          </p:nvPr>
-        </p:nvSpPr>
-        <p:spPr/>
-        <p:txBody>
-          <a:bodyPr/>
-          <a:lstStyle/>
-          <a:p>
-            <a:r>
-              <a:rPr lang="ru-RU" dirty="0" smtClean="0"/>
-              <a:t>Благодаря за вниманието!</a:t>
-            </a:r>
-          </a:p>
-          <a:p>
-            <a:r>
-              <a:rPr lang="ru-RU" dirty="0" smtClean="0"/>
-              <a:t>Ако имате въпроси съм готов да отговоря.</a:t>
-            </a:r>
-            <a:endParaRPr lang="ru-RU" dirty="0"/>
-          </a:p>
-        </p:txBody>
-      </p:sp>
-      <p:sp>
-        <p:nvSpPr>
-          <p:cNvPr id="4" name="Контейнер за номер на слайда 3"/>
-          <p:cNvSpPr>
-            <a:spLocks noGrp="1"/>
-          </p:cNvSpPr>
-          <p:nvPr>
-            <p:ph type="sldNum" sz="quarter" idx="10"/>
-          </p:nvPr>
-        </p:nvSpPr>
-        <p:spPr/>
-        <p:txBody>
-          <a:bodyPr/>
-          <a:lstStyle/>
-          <a:p>
-            <a:fld id="{B10DF358-3D44-4ABE-AE94-6C87BE2FD2E3}" type="slidenum">
-              <a:rPr lang="bg-BG" smtClean="0"/>
-              <a:t>10</a:t>
-            </a:fld>
-            <a:endParaRPr lang="bg-BG"/>
-          </a:p>
-        </p:txBody>
-      </p:sp>
-    </p:spTree>
-    <p:extLst>
-      <p:ext uri="{BB962C8B-B14F-4D97-AF65-F5344CB8AC3E}">
-        <p14:creationId xmlns:p14="http://schemas.microsoft.com/office/powerpoint/2010/main" val="944953533"/>
       </p:ext>
     </p:extLst>
   </p:cSld>
@@ -714,7 +625,12 @@
             <p:ph type="sldImg"/>
           </p:nvPr>
         </p:nvSpPr>
-        <p:spPr/>
+        <p:spPr>
+          <a:xfrm>
+            <a:off x="685800" y="1143000"/>
+            <a:ext cx="5486400" cy="3086100"/>
+          </a:xfrm>
+        </p:spPr>
       </p:sp>
       <p:sp>
         <p:nvSpPr>
@@ -820,7 +736,12 @@
             <p:ph type="sldImg"/>
           </p:nvPr>
         </p:nvSpPr>
-        <p:spPr/>
+        <p:spPr>
+          <a:xfrm>
+            <a:off x="685800" y="1143000"/>
+            <a:ext cx="5486400" cy="3086100"/>
+          </a:xfrm>
+        </p:spPr>
       </p:sp>
       <p:sp>
         <p:nvSpPr>
@@ -855,7 +776,28 @@
                 <a:ea typeface="Aptos"/>
                 <a:cs typeface="Times New Roman" panose="02020603050405020304" pitchFamily="18" charset="0"/>
               </a:rPr>
-              <a:t>Още в началото на работата си по проекта анализирах възможните подходи за реализиране на връзката между клиента и външния REST API. След като се запознах с изискванията на заданието и спецификата на предоставения API, взех решение да разделя приложението на две основни части – backend и frontend, като за backend частта се спрях на Django, а за frontend – на Vue.js и Axios.</a:t>
+              <a:t>След като анализирах структурата и възможностите на външното REST API на ПГЕЕ – гр. Банско, взех решението да реализирам отделни изгледи във Django backend-а за трите основни типа данни, които са достъпни чрез този API.</a:t>
+            </a:r>
+            <a:r>
+              <a:rPr lang="bg-BG" sz="1100" kern="100" dirty="0" smtClean="0">
+                <a:effectLst/>
+                <a:latin typeface="Aptos"/>
+                <a:ea typeface="Aptos"/>
+                <a:cs typeface="Times New Roman" panose="02020603050405020304" pitchFamily="18" charset="0"/>
+              </a:rPr>
+              <a:t> </a:t>
+            </a:r>
+            <a:r>
+              <a:rPr lang="bg-BG" sz="1200" kern="100" dirty="0" smtClean="0">
+                <a:solidFill>
+                  <a:srgbClr val="000000"/>
+                </a:solidFill>
+                <a:effectLst/>
+                <a:latin typeface="Times New Roman" panose="02020603050405020304" pitchFamily="18" charset="0"/>
+                <a:ea typeface="Aptos"/>
+                <a:cs typeface="Times New Roman" panose="02020603050405020304" pitchFamily="18" charset="0"/>
+              </a:rPr>
+              <a:t>Всяка от тези функции обработва заявката, изпраща необходимата HTTP заявка към сървъра на ПГЕЕ и връща получения отговор във вид, подходящ за фронтенда.</a:t>
             </a:r>
             <a:endParaRPr lang="bg-BG" sz="1100" kern="100" dirty="0" smtClean="0">
               <a:effectLst/>
@@ -865,7 +807,32 @@
             </a:endParaRPr>
           </a:p>
           <a:p>
-            <a:endParaRPr lang="bg-BG" dirty="0"/>
+            <a:pPr>
+              <a:lnSpc>
+                <a:spcPct val="107000"/>
+              </a:lnSpc>
+              <a:spcAft>
+                <a:spcPts val="800"/>
+              </a:spcAft>
+            </a:pPr>
+            <a:r>
+              <a:rPr lang="ru-RU" sz="1200" kern="100" dirty="0" smtClean="0">
+                <a:solidFill>
+                  <a:srgbClr val="4C94D8"/>
+                </a:solidFill>
+                <a:effectLst/>
+                <a:latin typeface="Times New Roman" panose="02020603050405020304" pitchFamily="18" charset="0"/>
+                <a:ea typeface="Aptos"/>
+                <a:cs typeface="Times New Roman" panose="02020603050405020304" pitchFamily="18" charset="0"/>
+              </a:rPr>
+              <a:t> </a:t>
+            </a:r>
+            <a:endParaRPr lang="bg-BG" sz="1100" kern="100" dirty="0">
+              <a:effectLst/>
+              <a:latin typeface="Aptos"/>
+              <a:ea typeface="Aptos"/>
+              <a:cs typeface="Times New Roman" panose="02020603050405020304" pitchFamily="18" charset="0"/>
+            </a:endParaRPr>
           </a:p>
         </p:txBody>
       </p:sp>
@@ -886,7 +853,7 @@
           <a:p>
             <a:fld id="{B10DF358-3D44-4ABE-AE94-6C87BE2FD2E3}" type="slidenum">
               <a:rPr lang="bg-BG" smtClean="0"/>
-              <a:t>3</a:t>
+              <a:t>4</a:t>
             </a:fld>
             <a:endParaRPr lang="bg-BG"/>
           </a:p>
@@ -895,7 +862,7 @@
     </p:spTree>
     <p:extLst>
       <p:ext uri="{BB962C8B-B14F-4D97-AF65-F5344CB8AC3E}">
-        <p14:creationId xmlns:p14="http://schemas.microsoft.com/office/powerpoint/2010/main" val="2730808485"/>
+        <p14:creationId xmlns:p14="http://schemas.microsoft.com/office/powerpoint/2010/main" val="852596182"/>
       </p:ext>
     </p:extLst>
   </p:cSld>
@@ -932,7 +899,12 @@
             <p:ph type="sldImg"/>
           </p:nvPr>
         </p:nvSpPr>
-        <p:spPr/>
+        <p:spPr>
+          <a:xfrm>
+            <a:off x="685800" y="1143000"/>
+            <a:ext cx="5486400" cy="3086100"/>
+          </a:xfrm>
+        </p:spPr>
       </p:sp>
       <p:sp>
         <p:nvSpPr>
@@ -967,7 +939,7 @@
                 <a:ea typeface="Aptos"/>
                 <a:cs typeface="Times New Roman" panose="02020603050405020304" pitchFamily="18" charset="0"/>
               </a:rPr>
-              <a:t>След като анализирах структурата и възможностите на външното REST API на ПГЕЕ – гр. Банско, взех решението да реализирам отделни изгледи във Django backend-а за трите основни типа данни, които са достъпни чрез този API.</a:t>
+              <a:t>След като backend-ът беше готов и можеше успешно да препраща заявки към външния REST API, се заех с изграждането на потребителския интерфейс. За целта създадох HTML шаблон (info_main.txt), в който дефинирах основната структура на приложението. В този шаблон включих всички необходими елементи за визуализация на разписанието, както и специални контейнери за анимирания часовник, който беше част от изискванията за динамичен интерфейс</a:t>
             </a:r>
             <a:r>
               <a:rPr lang="bg-BG" sz="1100" kern="100" dirty="0" smtClean="0">
@@ -976,7 +948,7 @@
                 <a:ea typeface="Aptos"/>
                 <a:cs typeface="Times New Roman" panose="02020603050405020304" pitchFamily="18" charset="0"/>
               </a:rPr>
-              <a:t> </a:t>
+              <a:t>. в</a:t>
             </a:r>
             <a:r>
               <a:rPr lang="bg-BG" sz="1200" kern="100" dirty="0" smtClean="0">
@@ -988,35 +960,7 @@
                 <a:ea typeface="Aptos"/>
                 <a:cs typeface="Times New Roman" panose="02020603050405020304" pitchFamily="18" charset="0"/>
               </a:rPr>
-              <a:t>Всяка от тези функции обработва заявката, изпраща необходимата HTTP заявка към сървъра на ПГЕЕ и връща получения отговор във вид, подходящ за фронтенда.</a:t>
-            </a:r>
-            <a:endParaRPr lang="bg-BG" sz="1100" kern="100" dirty="0" smtClean="0">
-              <a:effectLst/>
-              <a:latin typeface="Aptos"/>
-              <a:ea typeface="Aptos"/>
-              <a:cs typeface="Times New Roman" panose="02020603050405020304" pitchFamily="18" charset="0"/>
-            </a:endParaRPr>
-          </a:p>
-          <a:p>
-            <a:pPr>
-              <a:lnSpc>
-                <a:spcPct val="107000"/>
-              </a:lnSpc>
-              <a:spcAft>
-                <a:spcPts val="800"/>
-              </a:spcAft>
-            </a:pPr>
-            <a:r>
-              <a:rPr lang="ru-RU" sz="1200" kern="100" dirty="0" smtClean="0">
-                <a:solidFill>
-                  <a:srgbClr val="4C94D8"/>
-                </a:solidFill>
-                <a:effectLst/>
-                <a:latin typeface="Times New Roman" panose="02020603050405020304" pitchFamily="18" charset="0"/>
-                <a:ea typeface="Aptos"/>
-                <a:cs typeface="Times New Roman" panose="02020603050405020304" pitchFamily="18" charset="0"/>
-              </a:rPr>
-              <a:t> </a:t>
+              <a:t>ъв файла info_main.js реализирах основната логика на Vue компонента. Там дефинирах всички необходими данни и методи, които управляват състоянието на приложението и обработват получените от backend-а данни. Използвах Axios за изпращане на заявки към локалния сървър, като по този начин осигурих асинхронно извличане на информацията за разписанието.</a:t>
             </a:r>
             <a:endParaRPr lang="bg-BG" sz="1100" kern="100" dirty="0">
               <a:effectLst/>
@@ -1044,7 +988,7 @@
           <a:p>
             <a:fld id="{B10DF358-3D44-4ABE-AE94-6C87BE2FD2E3}" type="slidenum">
               <a:rPr lang="bg-BG" smtClean="0"/>
-              <a:t>4</a:t>
+              <a:t>5</a:t>
             </a:fld>
             <a:endParaRPr lang="bg-BG"/>
           </a:p>
@@ -1053,7 +997,7 @@
     </p:spTree>
     <p:extLst>
       <p:ext uri="{BB962C8B-B14F-4D97-AF65-F5344CB8AC3E}">
-        <p14:creationId xmlns:p14="http://schemas.microsoft.com/office/powerpoint/2010/main" val="852596182"/>
+        <p14:creationId xmlns:p14="http://schemas.microsoft.com/office/powerpoint/2010/main" val="36090721"/>
       </p:ext>
     </p:extLst>
   </p:cSld>
@@ -1090,7 +1034,12 @@
             <p:ph type="sldImg"/>
           </p:nvPr>
         </p:nvSpPr>
-        <p:spPr/>
+        <p:spPr>
+          <a:xfrm>
+            <a:off x="685800" y="1143000"/>
+            <a:ext cx="5486400" cy="3086100"/>
+          </a:xfrm>
+        </p:spPr>
       </p:sp>
       <p:sp>
         <p:nvSpPr>
@@ -1125,28 +1074,7 @@
                 <a:ea typeface="Aptos"/>
                 <a:cs typeface="Times New Roman" panose="02020603050405020304" pitchFamily="18" charset="0"/>
               </a:rPr>
-              <a:t>След като backend-ът беше готов и можеше успешно да препраща заявки към външния REST API, се заех с изграждането на потребителския интерфейс. За целта създадох HTML шаблон (info_main.txt), в който дефинирах основната структура на приложението. В този шаблон включих всички необходими елементи за визуализация на разписанието, както и специални контейнери за анимирания часовник, който беше част от изискванията за динамичен интерфейс</a:t>
-            </a:r>
-            <a:r>
-              <a:rPr lang="bg-BG" sz="1100" kern="100" dirty="0" smtClean="0">
-                <a:effectLst/>
-                <a:latin typeface="Aptos"/>
-                <a:ea typeface="Aptos"/>
-                <a:cs typeface="Times New Roman" panose="02020603050405020304" pitchFamily="18" charset="0"/>
-              </a:rPr>
-              <a:t>. в</a:t>
-            </a:r>
-            <a:r>
-              <a:rPr lang="bg-BG" sz="1200" kern="100" dirty="0" smtClean="0">
-                <a:solidFill>
-                  <a:srgbClr val="000000"/>
-                </a:solidFill>
-                <a:effectLst/>
-                <a:latin typeface="Times New Roman" panose="02020603050405020304" pitchFamily="18" charset="0"/>
-                <a:ea typeface="Aptos"/>
-                <a:cs typeface="Times New Roman" panose="02020603050405020304" pitchFamily="18" charset="0"/>
-              </a:rPr>
-              <a:t>ъв файла info_main.js реализирах основната логика на Vue компонента. Там дефинирах всички необходими данни и методи, които управляват състоянието на приложението и обработват получените от backend-а данни. Използвах Axios за изпращане на заявки към локалния сървър, като по този начин осигурих асинхронно извличане на информацията за разписанието.</a:t>
+              <a:t>След проучване на възможните подходи, реших да реализирам така наречения "прокси" слой в backend-а. Това означава, че вместо frontend-ът да се опитва директно да комуникира с външния API, той изпраща заявките си към локалния сървър (Django), който от своя страна препраща тези заявки към външния REST API, получава отговора и го връща обратно към клиента. По този начин всички заявки към външния сървър се изпълняват от backend-а, където CORS ограниченията не важат, а frontend-ът комуникира само с локалния сървър, което е напълно разрешено от браузъра.</a:t>
             </a:r>
             <a:endParaRPr lang="bg-BG" sz="1100" kern="100" dirty="0">
               <a:effectLst/>
@@ -1174,7 +1102,7 @@
           <a:p>
             <a:fld id="{B10DF358-3D44-4ABE-AE94-6C87BE2FD2E3}" type="slidenum">
               <a:rPr lang="bg-BG" smtClean="0"/>
-              <a:t>5</a:t>
+              <a:t>6</a:t>
             </a:fld>
             <a:endParaRPr lang="bg-BG"/>
           </a:p>
@@ -1183,7 +1111,7 @@
     </p:spTree>
     <p:extLst>
       <p:ext uri="{BB962C8B-B14F-4D97-AF65-F5344CB8AC3E}">
-        <p14:creationId xmlns:p14="http://schemas.microsoft.com/office/powerpoint/2010/main" val="36090721"/>
+        <p14:creationId xmlns:p14="http://schemas.microsoft.com/office/powerpoint/2010/main" val="82636576"/>
       </p:ext>
     </p:extLst>
   </p:cSld>
@@ -1220,7 +1148,12 @@
             <p:ph type="sldImg"/>
           </p:nvPr>
         </p:nvSpPr>
-        <p:spPr/>
+        <p:spPr>
+          <a:xfrm>
+            <a:off x="685800" y="1143000"/>
+            <a:ext cx="5486400" cy="3086100"/>
+          </a:xfrm>
+        </p:spPr>
       </p:sp>
       <p:sp>
         <p:nvSpPr>
@@ -1255,15 +1188,102 @@
                 <a:ea typeface="Aptos"/>
                 <a:cs typeface="Times New Roman" panose="02020603050405020304" pitchFamily="18" charset="0"/>
               </a:rPr>
-              <a:t>След проучване на възможните подходи, реших да реализирам така наречения "прокси" слой в backend-а. Това означава, че вместо frontend-ът да се опитва директно да комуникира с външния API, той изпраща заявките си към локалния сървър (Django), който от своя страна препраща тези заявки към външния REST API, получава отговора и го връща обратно към клиента. По този начин всички заявки към външния сървър се изпълняват от backend-а, където CORS ограниченията не важат, а frontend-ът комуникира само с локалния сървър, което е напълно разрешено от браузъра.</a:t>
-            </a:r>
-            <a:endParaRPr lang="bg-BG" sz="1100" kern="100" dirty="0">
+              <a:t>Клиентската част на приложението е изградена с помощта на модерна JavaScript библиотека Vue.js.</a:t>
+            </a:r>
+            <a:endParaRPr lang="bg-BG" sz="1100" kern="100" dirty="0" smtClean="0">
               <a:effectLst/>
               <a:latin typeface="Aptos"/>
               <a:ea typeface="Aptos"/>
               <a:cs typeface="Times New Roman" panose="02020603050405020304" pitchFamily="18" charset="0"/>
             </a:endParaRPr>
           </a:p>
+          <a:p>
+            <a:pPr>
+              <a:lnSpc>
+                <a:spcPct val="107000"/>
+              </a:lnSpc>
+              <a:spcAft>
+                <a:spcPts val="800"/>
+              </a:spcAft>
+            </a:pPr>
+            <a:r>
+              <a:rPr lang="bg-BG" sz="1200" kern="100" dirty="0" smtClean="0">
+                <a:solidFill>
+                  <a:srgbClr val="000000"/>
+                </a:solidFill>
+                <a:effectLst/>
+                <a:latin typeface="Times New Roman" panose="02020603050405020304" pitchFamily="18" charset="0"/>
+                <a:ea typeface="Aptos"/>
+                <a:cs typeface="Times New Roman" panose="02020603050405020304" pitchFamily="18" charset="0"/>
+              </a:rPr>
+              <a:t> Избрах Vue.js. защото:</a:t>
+            </a:r>
+            <a:endParaRPr lang="bg-BG" sz="1100" kern="100" dirty="0" smtClean="0">
+              <a:effectLst/>
+              <a:latin typeface="Aptos"/>
+              <a:ea typeface="Aptos"/>
+              <a:cs typeface="Times New Roman" panose="02020603050405020304" pitchFamily="18" charset="0"/>
+            </a:endParaRPr>
+          </a:p>
+          <a:p>
+            <a:pPr>
+              <a:lnSpc>
+                <a:spcPct val="107000"/>
+              </a:lnSpc>
+              <a:spcAft>
+                <a:spcPts val="800"/>
+              </a:spcAft>
+            </a:pPr>
+            <a:r>
+              <a:rPr lang="bg-BG" sz="1200" kern="100" dirty="0" smtClean="0">
+                <a:solidFill>
+                  <a:srgbClr val="000000"/>
+                </a:solidFill>
+                <a:effectLst/>
+                <a:latin typeface="Times New Roman" panose="02020603050405020304" pitchFamily="18" charset="0"/>
+                <a:ea typeface="Aptos"/>
+                <a:cs typeface="Times New Roman" panose="02020603050405020304" pitchFamily="18" charset="0"/>
+              </a:rPr>
+              <a:t>Има добра документация и е лесна за интеграция в съществуващи проекти.</a:t>
+            </a:r>
+            <a:endParaRPr lang="bg-BG" sz="1100" kern="100" dirty="0" smtClean="0">
+              <a:effectLst/>
+              <a:latin typeface="Aptos"/>
+              <a:ea typeface="Aptos"/>
+              <a:cs typeface="Times New Roman" panose="02020603050405020304" pitchFamily="18" charset="0"/>
+            </a:endParaRPr>
+          </a:p>
+          <a:p>
+            <a:pPr>
+              <a:lnSpc>
+                <a:spcPct val="107000"/>
+              </a:lnSpc>
+              <a:spcAft>
+                <a:spcPts val="800"/>
+              </a:spcAft>
+            </a:pPr>
+            <a:r>
+              <a:rPr lang="bg-BG" sz="1200" kern="100" dirty="0" smtClean="0">
+                <a:solidFill>
+                  <a:srgbClr val="000000"/>
+                </a:solidFill>
+                <a:effectLst/>
+                <a:latin typeface="Times New Roman" panose="02020603050405020304" pitchFamily="18" charset="0"/>
+                <a:ea typeface="Aptos"/>
+                <a:cs typeface="Times New Roman" panose="02020603050405020304" pitchFamily="18" charset="0"/>
+              </a:rPr>
+              <a:t>Предлага двупосочна свързаност на данните, което улеснява управлението на взаимодействията с потребителския интерфейс.</a:t>
+            </a:r>
+            <a:endParaRPr lang="bg-BG" sz="1100" kern="100" dirty="0" smtClean="0">
+              <a:effectLst/>
+              <a:latin typeface="Aptos"/>
+              <a:ea typeface="Aptos"/>
+              <a:cs typeface="Times New Roman" panose="02020603050405020304" pitchFamily="18" charset="0"/>
+            </a:endParaRPr>
+          </a:p>
+          <a:p>
+            <a:endParaRPr lang="bg-BG" dirty="0"/>
+          </a:p>
         </p:txBody>
       </p:sp>
       <p:sp>
@@ -1283,7 +1303,7 @@
           <a:p>
             <a:fld id="{B10DF358-3D44-4ABE-AE94-6C87BE2FD2E3}" type="slidenum">
               <a:rPr lang="bg-BG" smtClean="0"/>
-              <a:t>6</a:t>
+              <a:t>7</a:t>
             </a:fld>
             <a:endParaRPr lang="bg-BG"/>
           </a:p>
@@ -1292,7 +1312,7 @@
     </p:spTree>
     <p:extLst>
       <p:ext uri="{BB962C8B-B14F-4D97-AF65-F5344CB8AC3E}">
-        <p14:creationId xmlns:p14="http://schemas.microsoft.com/office/powerpoint/2010/main" val="82636576"/>
+        <p14:creationId xmlns:p14="http://schemas.microsoft.com/office/powerpoint/2010/main" val="4155153879"/>
       </p:ext>
     </p:extLst>
   </p:cSld>
@@ -1329,135 +1349,39 @@
             <p:ph type="sldImg"/>
           </p:nvPr>
         </p:nvSpPr>
+        <p:spPr>
+          <a:xfrm>
+            <a:off x="685800" y="1143000"/>
+            <a:ext cx="5486400" cy="3086100"/>
+          </a:xfrm>
+        </p:spPr>
+      </p:sp>
+      <p:sp>
+        <p:nvSpPr>
+          <p:cNvPr id="3" name="Контейнер за бележки 2"/>
+          <p:cNvSpPr>
+            <a:spLocks noGrp="1"/>
+          </p:cNvSpPr>
+          <p:nvPr>
+            <p:ph type="body" idx="1"/>
+          </p:nvPr>
+        </p:nvSpPr>
         <p:spPr/>
-      </p:sp>
-      <p:sp>
-        <p:nvSpPr>
-          <p:cNvPr id="3" name="Контейнер за бележки 2"/>
-          <p:cNvSpPr>
-            <a:spLocks noGrp="1"/>
-          </p:cNvSpPr>
-          <p:nvPr>
-            <p:ph type="body" idx="1"/>
-          </p:nvPr>
-        </p:nvSpPr>
-        <p:spPr/>
-        <p:txBody>
-          <a:bodyPr/>
-          <a:lstStyle/>
-          <a:p>
-            <a:pPr>
-              <a:lnSpc>
-                <a:spcPct val="107000"/>
-              </a:lnSpc>
-              <a:spcAft>
-                <a:spcPts val="800"/>
-              </a:spcAft>
-            </a:pPr>
-            <a:r>
-              <a:rPr lang="bg-BG" sz="1200" kern="100" dirty="0" smtClean="0">
+        <p:txBody>
+          <a:bodyPr/>
+          <a:lstStyle/>
+          <a:p>
+            <a:r>
+              <a:rPr lang="bg-BG" sz="1200" dirty="0" smtClean="0">
                 <a:solidFill>
                   <a:srgbClr val="000000"/>
                 </a:solidFill>
                 <a:effectLst/>
                 <a:latin typeface="Times New Roman" panose="02020603050405020304" pitchFamily="18" charset="0"/>
                 <a:ea typeface="Aptos"/>
-                <a:cs typeface="Times New Roman" panose="02020603050405020304" pitchFamily="18" charset="0"/>
               </a:rPr>
-              <a:t>Клиентската част на приложението е изградена с помощта на модерна JavaScript библиотека Vue.js.</a:t>
-            </a:r>
-            <a:endParaRPr lang="bg-BG" sz="1100" kern="100" dirty="0" smtClean="0">
-              <a:effectLst/>
-              <a:latin typeface="Aptos"/>
-              <a:ea typeface="Aptos"/>
-              <a:cs typeface="Times New Roman" panose="02020603050405020304" pitchFamily="18" charset="0"/>
-            </a:endParaRPr>
-          </a:p>
-          <a:p>
-            <a:pPr>
-              <a:lnSpc>
-                <a:spcPct val="107000"/>
-              </a:lnSpc>
-              <a:spcAft>
-                <a:spcPts val="800"/>
-              </a:spcAft>
-            </a:pPr>
-            <a:r>
-              <a:rPr lang="bg-BG" sz="1200" kern="100" dirty="0" smtClean="0">
-                <a:solidFill>
-                  <a:srgbClr val="000000"/>
-                </a:solidFill>
-                <a:effectLst/>
-                <a:latin typeface="Times New Roman" panose="02020603050405020304" pitchFamily="18" charset="0"/>
-                <a:ea typeface="Aptos"/>
-                <a:cs typeface="Times New Roman" panose="02020603050405020304" pitchFamily="18" charset="0"/>
-              </a:rPr>
-              <a:t> Избрах Vue.js. защото:</a:t>
-            </a:r>
-            <a:endParaRPr lang="bg-BG" sz="1100" kern="100" dirty="0" smtClean="0">
-              <a:effectLst/>
-              <a:latin typeface="Aptos"/>
-              <a:ea typeface="Aptos"/>
-              <a:cs typeface="Times New Roman" panose="02020603050405020304" pitchFamily="18" charset="0"/>
-            </a:endParaRPr>
-          </a:p>
-          <a:p>
-            <a:pPr>
-              <a:lnSpc>
-                <a:spcPct val="107000"/>
-              </a:lnSpc>
-              <a:spcAft>
-                <a:spcPts val="800"/>
-              </a:spcAft>
-            </a:pPr>
-            <a:r>
-              <a:rPr lang="bg-BG" sz="1200" kern="100" dirty="0" smtClean="0">
-                <a:solidFill>
-                  <a:srgbClr val="000000"/>
-                </a:solidFill>
-                <a:effectLst/>
-                <a:latin typeface="Times New Roman" panose="02020603050405020304" pitchFamily="18" charset="0"/>
-                <a:ea typeface="Aptos"/>
-                <a:cs typeface="Times New Roman" panose="02020603050405020304" pitchFamily="18" charset="0"/>
-              </a:rPr>
-              <a:t>Има добра документация и е лесна за интеграция в съществуващи проекти.</a:t>
-            </a:r>
-            <a:endParaRPr lang="bg-BG" sz="1100" kern="100" dirty="0" smtClean="0">
-              <a:effectLst/>
-              <a:latin typeface="Aptos"/>
-              <a:ea typeface="Aptos"/>
-              <a:cs typeface="Times New Roman" panose="02020603050405020304" pitchFamily="18" charset="0"/>
-            </a:endParaRPr>
-          </a:p>
-          <a:p>
-            <a:pPr>
-              <a:lnSpc>
-                <a:spcPct val="107000"/>
-              </a:lnSpc>
-              <a:spcAft>
-                <a:spcPts val="800"/>
-              </a:spcAft>
-            </a:pPr>
-            <a:r>
-              <a:rPr lang="bg-BG" sz="1200" kern="100" dirty="0" smtClean="0">
-                <a:solidFill>
-                  <a:srgbClr val="000000"/>
-                </a:solidFill>
-                <a:effectLst/>
-                <a:latin typeface="Times New Roman" panose="02020603050405020304" pitchFamily="18" charset="0"/>
-                <a:ea typeface="Aptos"/>
-                <a:cs typeface="Times New Roman" panose="02020603050405020304" pitchFamily="18" charset="0"/>
-              </a:rPr>
-              <a:t>Предлага двупосочна свързаност на данните, което улеснява управлението на взаимодействията с потребителския интерфейс.</a:t>
-            </a:r>
-            <a:endParaRPr lang="bg-BG" sz="1100" kern="100" dirty="0" smtClean="0">
-              <a:effectLst/>
-              <a:latin typeface="Aptos"/>
-              <a:ea typeface="Aptos"/>
-              <a:cs typeface="Times New Roman" panose="02020603050405020304" pitchFamily="18" charset="0"/>
-            </a:endParaRPr>
-          </a:p>
-          <a:p>
+              <a:t>Разработването на фронтенд приложение с JavaScript, заедно с технологии като JSON и AJAX, показа как можем да извлечем данни по асинхронен начин и да актуализираме потребителския интерфейс без необходимост от презареждане на страницата. Този подход увеличава динамиката и интерактивността на приложенията.</a:t>
+            </a:r>
             <a:endParaRPr lang="bg-BG" dirty="0"/>
           </a:p>
         </p:txBody>
@@ -1479,7 +1403,7 @@
           <a:p>
             <a:fld id="{B10DF358-3D44-4ABE-AE94-6C87BE2FD2E3}" type="slidenum">
               <a:rPr lang="bg-BG" smtClean="0"/>
-              <a:t>7</a:t>
+              <a:t>8</a:t>
             </a:fld>
             <a:endParaRPr lang="bg-BG"/>
           </a:p>
@@ -1488,7 +1412,7 @@
     </p:spTree>
     <p:extLst>
       <p:ext uri="{BB962C8B-B14F-4D97-AF65-F5344CB8AC3E}">
-        <p14:creationId xmlns:p14="http://schemas.microsoft.com/office/powerpoint/2010/main" val="4155153879"/>
+        <p14:creationId xmlns:p14="http://schemas.microsoft.com/office/powerpoint/2010/main" val="3444128930"/>
       </p:ext>
     </p:extLst>
   </p:cSld>
@@ -1525,34 +1449,56 @@
             <p:ph type="sldImg"/>
           </p:nvPr>
         </p:nvSpPr>
+        <p:spPr>
+          <a:xfrm>
+            <a:off x="685800" y="1143000"/>
+            <a:ext cx="5486400" cy="3086100"/>
+          </a:xfrm>
+        </p:spPr>
+      </p:sp>
+      <p:sp>
+        <p:nvSpPr>
+          <p:cNvPr id="3" name="Контейнер за бележки 2"/>
+          <p:cNvSpPr>
+            <a:spLocks noGrp="1"/>
+          </p:cNvSpPr>
+          <p:nvPr>
+            <p:ph type="body" idx="1"/>
+          </p:nvPr>
+        </p:nvSpPr>
         <p:spPr/>
-      </p:sp>
-      <p:sp>
-        <p:nvSpPr>
-          <p:cNvPr id="3" name="Контейнер за бележки 2"/>
-          <p:cNvSpPr>
-            <a:spLocks noGrp="1"/>
-          </p:cNvSpPr>
-          <p:nvPr>
-            <p:ph type="body" idx="1"/>
-          </p:nvPr>
-        </p:nvSpPr>
-        <p:spPr/>
-        <p:txBody>
-          <a:bodyPr/>
-          <a:lstStyle/>
-          <a:p>
-            <a:r>
-              <a:rPr lang="bg-BG" sz="1200" dirty="0" smtClean="0">
+        <p:txBody>
+          <a:bodyPr/>
+          <a:lstStyle/>
+          <a:p>
+            <a:pPr>
+              <a:lnSpc>
+                <a:spcPct val="107000"/>
+              </a:lnSpc>
+              <a:spcAft>
+                <a:spcPts val="800"/>
+              </a:spcAft>
+            </a:pPr>
+            <a:r>
+              <a:rPr lang="bg-BG" sz="1200" kern="100" dirty="0" smtClean="0">
                 <a:solidFill>
                   <a:srgbClr val="000000"/>
                 </a:solidFill>
                 <a:effectLst/>
                 <a:latin typeface="Times New Roman" panose="02020603050405020304" pitchFamily="18" charset="0"/>
                 <a:ea typeface="Aptos"/>
+                <a:cs typeface="Times New Roman" panose="02020603050405020304" pitchFamily="18" charset="0"/>
               </a:rPr>
-              <a:t>Разработването на фронтенд приложение с JavaScript, заедно с технологии като JSON и AJAX, показа как можем да извлечем данни по асинхронен начин и да актуализираме потребителския интерфейс без необходимост от презареждане на страницата. Този подход увеличава динамиката и интерактивността на приложенията.</a:t>
-            </a:r>
+              <a:t>В резултат на всички тези стъпки успях да реализирам уеб приложение, което динамично извлича и визуализира данни от външния REST API на ПГЕЕ – гр. Банско. Приложението работи бързо и надеждно, като предоставя на потребителите актуална информация за дневното и седмичното разписание, представена в модерен и анимиран уеб интерфейс. Чрез използването на прокси слой в backend-а успешно преодолях ограниченията, наложени от CORS политиката на браузъра, а интеграцията на Vue.js и Axios направи възможно създаването на динамичен и лесен за поддръжка frontend.</a:t>
+            </a:r>
+            <a:endParaRPr lang="bg-BG" sz="1100" kern="100" dirty="0" smtClean="0">
+              <a:effectLst/>
+              <a:latin typeface="Aptos"/>
+              <a:ea typeface="Aptos"/>
+              <a:cs typeface="Times New Roman" panose="02020603050405020304" pitchFamily="18" charset="0"/>
+            </a:endParaRPr>
+          </a:p>
+          <a:p>
             <a:endParaRPr lang="bg-BG" dirty="0"/>
           </a:p>
         </p:txBody>
@@ -1574,7 +1520,7 @@
           <a:p>
             <a:fld id="{B10DF358-3D44-4ABE-AE94-6C87BE2FD2E3}" type="slidenum">
               <a:rPr lang="bg-BG" smtClean="0"/>
-              <a:t>8</a:t>
+              <a:t>9</a:t>
             </a:fld>
             <a:endParaRPr lang="bg-BG"/>
           </a:p>
@@ -1583,7 +1529,7 @@
     </p:spTree>
     <p:extLst>
       <p:ext uri="{BB962C8B-B14F-4D97-AF65-F5344CB8AC3E}">
-        <p14:creationId xmlns:p14="http://schemas.microsoft.com/office/powerpoint/2010/main" val="3444128930"/>
+        <p14:creationId xmlns:p14="http://schemas.microsoft.com/office/powerpoint/2010/main" val="650789012"/>
       </p:ext>
     </p:extLst>
   </p:cSld>
@@ -1620,52 +1566,39 @@
             <p:ph type="sldImg"/>
           </p:nvPr>
         </p:nvSpPr>
+        <p:spPr>
+          <a:xfrm>
+            <a:off x="685800" y="1143000"/>
+            <a:ext cx="5486400" cy="3086100"/>
+          </a:xfrm>
+        </p:spPr>
+      </p:sp>
+      <p:sp>
+        <p:nvSpPr>
+          <p:cNvPr id="3" name="Контейнер за бележки 2"/>
+          <p:cNvSpPr>
+            <a:spLocks noGrp="1"/>
+          </p:cNvSpPr>
+          <p:nvPr>
+            <p:ph type="body" idx="1"/>
+          </p:nvPr>
+        </p:nvSpPr>
         <p:spPr/>
-      </p:sp>
-      <p:sp>
-        <p:nvSpPr>
-          <p:cNvPr id="3" name="Контейнер за бележки 2"/>
-          <p:cNvSpPr>
-            <a:spLocks noGrp="1"/>
-          </p:cNvSpPr>
-          <p:nvPr>
-            <p:ph type="body" idx="1"/>
-          </p:nvPr>
-        </p:nvSpPr>
-        <p:spPr/>
-        <p:txBody>
-          <a:bodyPr/>
-          <a:lstStyle/>
-          <a:p>
-            <a:pPr>
-              <a:lnSpc>
-                <a:spcPct val="107000"/>
-              </a:lnSpc>
-              <a:spcAft>
-                <a:spcPts val="800"/>
-              </a:spcAft>
-            </a:pPr>
-            <a:r>
-              <a:rPr lang="bg-BG" sz="1200" kern="100" dirty="0" smtClean="0">
-                <a:solidFill>
-                  <a:srgbClr val="000000"/>
-                </a:solidFill>
-                <a:effectLst/>
-                <a:latin typeface="Times New Roman" panose="02020603050405020304" pitchFamily="18" charset="0"/>
-                <a:ea typeface="Aptos"/>
-                <a:cs typeface="Times New Roman" panose="02020603050405020304" pitchFamily="18" charset="0"/>
-              </a:rPr>
-              <a:t>В резултат на всички тези стъпки успях да реализирам уеб приложение, което динамично извлича и визуализира данни от външния REST API на ПГЕЕ – гр. Банско. Приложението работи бързо и надеждно, като предоставя на потребителите актуална информация за дневното и седмичното разписание, представена в модерен и анимиран уеб интерфейс. Чрез използването на прокси слой в backend-а успешно преодолях ограниченията, наложени от CORS политиката на браузъра, а интеграцията на Vue.js и Axios направи възможно създаването на динамичен и лесен за поддръжка frontend.</a:t>
-            </a:r>
-            <a:endParaRPr lang="bg-BG" sz="1100" kern="100" dirty="0" smtClean="0">
-              <a:effectLst/>
-              <a:latin typeface="Aptos"/>
-              <a:ea typeface="Aptos"/>
-              <a:cs typeface="Times New Roman" panose="02020603050405020304" pitchFamily="18" charset="0"/>
-            </a:endParaRPr>
-          </a:p>
-          <a:p>
-            <a:endParaRPr lang="bg-BG" dirty="0"/>
+        <p:txBody>
+          <a:bodyPr/>
+          <a:lstStyle/>
+          <a:p>
+            <a:r>
+              <a:rPr lang="ru-RU" dirty="0" smtClean="0"/>
+              <a:t>Благодаря за вниманието!</a:t>
+            </a:r>
+          </a:p>
+          <a:p>
+            <a:r>
+              <a:rPr lang="ru-RU" dirty="0" smtClean="0"/>
+              <a:t>Ако имате въпроси съм готов да отговоря.</a:t>
+            </a:r>
+            <a:endParaRPr lang="ru-RU" dirty="0"/>
           </a:p>
         </p:txBody>
       </p:sp>
@@ -1686,7 +1619,7 @@
           <a:p>
             <a:fld id="{B10DF358-3D44-4ABE-AE94-6C87BE2FD2E3}" type="slidenum">
               <a:rPr lang="bg-BG" smtClean="0"/>
-              <a:t>9</a:t>
+              <a:t>10</a:t>
             </a:fld>
             <a:endParaRPr lang="bg-BG"/>
           </a:p>
@@ -1695,7 +1628,7 @@
     </p:spTree>
     <p:extLst>
       <p:ext uri="{BB962C8B-B14F-4D97-AF65-F5344CB8AC3E}">
-        <p14:creationId xmlns:p14="http://schemas.microsoft.com/office/powerpoint/2010/main" val="650789012"/>
+        <p14:creationId xmlns:p14="http://schemas.microsoft.com/office/powerpoint/2010/main" val="944953533"/>
       </p:ext>
     </p:extLst>
   </p:cSld>
@@ -1706,8 +1639,8 @@
 </file>
 
 <file path=ppt/slideLayouts/slideLayout1.xml><?xml version="1.0" encoding="utf-8"?>
-<p:sldLayout xmlns:a="http://schemas.openxmlformats.org/drawingml/2006/main" xmlns:r="http://schemas.openxmlformats.org/officeDocument/2006/relationships" xmlns:p="http://schemas.openxmlformats.org/presentationml/2006/main" showMasterSp="0" type="title" preserve="1">
-  <p:cSld name="Заглавен слайд">
+<p:sldLayout xmlns:a="http://schemas.openxmlformats.org/drawingml/2006/main" xmlns:r="http://schemas.openxmlformats.org/officeDocument/2006/relationships" xmlns:p="http://schemas.openxmlformats.org/presentationml/2006/main" type="title" preserve="1">
+  <p:cSld name="Title Slide">
     <p:spTree>
       <p:nvGrpSpPr>
         <p:cNvPr id="1" name=""/>
@@ -1725,13 +1658,15 @@
       <p:sp>
         <p:nvSpPr>
           <p:cNvPr id="7" name="Rectangle 6"/>
-          <p:cNvSpPr/>
+          <p:cNvSpPr>
+            <a:spLocks noChangeAspect="1"/>
+          </p:cNvSpPr>
           <p:nvPr/>
         </p:nvSpPr>
         <p:spPr>
           <a:xfrm>
-            <a:off x="182879" y="182879"/>
-            <a:ext cx="8778240" cy="6492240"/>
+            <a:off x="231140" y="243840"/>
+            <a:ext cx="11724640" cy="6377939"/>
           </a:xfrm>
           <a:prstGeom prst="rect">
             <a:avLst/>
@@ -1774,8 +1709,8 @@
         </p:nvSpPr>
         <p:spPr>
           <a:xfrm>
-            <a:off x="832485" y="882376"/>
-            <a:ext cx="7475220" cy="2926080"/>
+            <a:off x="1109980" y="882376"/>
+            <a:ext cx="9966960" cy="2926080"/>
           </a:xfrm>
         </p:spPr>
         <p:txBody>
@@ -1787,7 +1722,7 @@
               <a:lnSpc>
                 <a:spcPct val="85000"/>
               </a:lnSpc>
-              <a:defRPr sz="6000" b="1" cap="all" baseline="0">
+              <a:defRPr sz="7200" b="1" cap="all" baseline="0">
                 <a:solidFill>
                   <a:srgbClr val="FFFFFF"/>
                 </a:solidFill>
@@ -1796,8 +1731,8 @@
           </a:lstStyle>
           <a:p>
             <a:r>
-              <a:rPr lang="bg-BG" smtClean="0"/>
-              <a:t>Редакт. стил загл. образец</a:t>
+              <a:rPr lang="en-US" smtClean="0"/>
+              <a:t>Click to edit Master title style</a:t>
             </a:r>
             <a:endParaRPr lang="en-US" dirty="0"/>
           </a:p>
@@ -1815,8 +1750,8 @@
         </p:nvSpPr>
         <p:spPr>
           <a:xfrm>
-            <a:off x="1282148" y="3869635"/>
-            <a:ext cx="6575895" cy="1388165"/>
+            <a:off x="1709530" y="3869634"/>
+            <a:ext cx="8767860" cy="1388165"/>
           </a:xfrm>
         </p:spPr>
         <p:txBody>
@@ -1825,53 +1760,50 @@
           </a:bodyPr>
           <a:lstStyle>
             <a:lvl1pPr marL="0" indent="0" algn="ctr">
-              <a:spcBef>
-                <a:spcPts val="1000"/>
-              </a:spcBef>
               <a:buNone/>
-              <a:defRPr sz="1800">
+              <a:defRPr sz="2200">
                 <a:solidFill>
                   <a:srgbClr val="FFFFFF"/>
                 </a:solidFill>
               </a:defRPr>
             </a:lvl1pPr>
-            <a:lvl2pPr marL="342900" indent="0" algn="ctr">
+            <a:lvl2pPr marL="457200" indent="0" algn="ctr">
               <a:buNone/>
-              <a:defRPr sz="1800"/>
+              <a:defRPr sz="2200"/>
             </a:lvl2pPr>
-            <a:lvl3pPr marL="685800" indent="0" algn="ctr">
+            <a:lvl3pPr marL="914400" indent="0" algn="ctr">
               <a:buNone/>
-              <a:defRPr sz="1800"/>
+              <a:defRPr sz="2200"/>
             </a:lvl3pPr>
-            <a:lvl4pPr marL="1028700" indent="0" algn="ctr">
+            <a:lvl4pPr marL="1371600" indent="0" algn="ctr">
               <a:buNone/>
-              <a:defRPr sz="1500"/>
+              <a:defRPr sz="2000"/>
             </a:lvl4pPr>
-            <a:lvl5pPr marL="1371600" indent="0" algn="ctr">
+            <a:lvl5pPr marL="1828800" indent="0" algn="ctr">
               <a:buNone/>
-              <a:defRPr sz="1500"/>
+              <a:defRPr sz="2000"/>
             </a:lvl5pPr>
-            <a:lvl6pPr marL="1714500" indent="0" algn="ctr">
+            <a:lvl6pPr marL="2286000" indent="0" algn="ctr">
               <a:buNone/>
-              <a:defRPr sz="1500"/>
+              <a:defRPr sz="2000"/>
             </a:lvl6pPr>
-            <a:lvl7pPr marL="2057400" indent="0" algn="ctr">
+            <a:lvl7pPr marL="2743200" indent="0" algn="ctr">
               <a:buNone/>
-              <a:defRPr sz="1500"/>
+              <a:defRPr sz="2000"/>
             </a:lvl7pPr>
-            <a:lvl8pPr marL="2400300" indent="0" algn="ctr">
+            <a:lvl8pPr marL="3200400" indent="0" algn="ctr">
               <a:buNone/>
-              <a:defRPr sz="1500"/>
+              <a:defRPr sz="2000"/>
             </a:lvl8pPr>
-            <a:lvl9pPr marL="2743200" indent="0" algn="ctr">
+            <a:lvl9pPr marL="3657600" indent="0" algn="ctr">
               <a:buNone/>
-              <a:defRPr sz="1500"/>
+              <a:defRPr sz="2000"/>
             </a:lvl9pPr>
           </a:lstStyle>
           <a:p>
             <a:r>
-              <a:rPr lang="bg-BG" smtClean="0"/>
-              <a:t>Щракнете за редакция стил подзагл. обр.</a:t>
+              <a:rPr lang="en-US" smtClean="0"/>
+              <a:t>Click to edit Master subtitle style</a:t>
             </a:r>
             <a:endParaRPr lang="en-US" dirty="0"/>
           </a:p>
@@ -1976,8 +1908,8 @@
         </p:nvCxnSpPr>
         <p:spPr>
           <a:xfrm>
-            <a:off x="1483995" y="3733800"/>
-            <a:ext cx="6172201" cy="0"/>
+            <a:off x="1978660" y="3733800"/>
+            <a:ext cx="8229601" cy="0"/>
           </a:xfrm>
           <a:prstGeom prst="line">
             <a:avLst/>
@@ -2006,7 +1938,7 @@
     </p:spTree>
     <p:extLst>
       <p:ext uri="{BB962C8B-B14F-4D97-AF65-F5344CB8AC3E}">
-        <p14:creationId xmlns:p14="http://schemas.microsoft.com/office/powerpoint/2010/main" val="3399119431"/>
+        <p14:creationId xmlns:p14="http://schemas.microsoft.com/office/powerpoint/2010/main" val="1113855047"/>
       </p:ext>
     </p:extLst>
   </p:cSld>
@@ -2018,7 +1950,7 @@
 
 <file path=ppt/slideLayouts/slideLayout10.xml><?xml version="1.0" encoding="utf-8"?>
 <p:sldLayout xmlns:a="http://schemas.openxmlformats.org/drawingml/2006/main" xmlns:r="http://schemas.openxmlformats.org/officeDocument/2006/relationships" xmlns:p="http://schemas.openxmlformats.org/presentationml/2006/main" type="vertTx" preserve="1">
-  <p:cSld name="Заглавие и вертикален текст">
+  <p:cSld name="Title and Vertical Text">
     <p:spTree>
       <p:nvGrpSpPr>
         <p:cNvPr id="1" name=""/>
@@ -2049,8 +1981,8 @@
           <a:lstStyle/>
           <a:p>
             <a:r>
-              <a:rPr lang="bg-BG" smtClean="0"/>
-              <a:t>Редакт. стил загл. образец</a:t>
+              <a:rPr lang="en-US" smtClean="0"/>
+              <a:t>Click to edit Master title style</a:t>
             </a:r>
             <a:endParaRPr lang="en-US" dirty="0"/>
           </a:p>
@@ -2073,36 +2005,36 @@
           <a:p>
             <a:pPr lvl="0"/>
             <a:r>
-              <a:rPr lang="bg-BG" smtClean="0"/>
-              <a:t>Щракнете, за да редактирате стиловете на текста в образеца</a:t>
+              <a:rPr lang="en-US" smtClean="0"/>
+              <a:t>Edit Master text styles</a:t>
             </a:r>
           </a:p>
           <a:p>
             <a:pPr lvl="1"/>
             <a:r>
-              <a:rPr lang="bg-BG" smtClean="0"/>
-              <a:t>Второ ниво</a:t>
+              <a:rPr lang="en-US" smtClean="0"/>
+              <a:t>Second level</a:t>
             </a:r>
           </a:p>
           <a:p>
             <a:pPr lvl="2"/>
             <a:r>
-              <a:rPr lang="bg-BG" smtClean="0"/>
-              <a:t>Трето ниво</a:t>
+              <a:rPr lang="en-US" smtClean="0"/>
+              <a:t>Third level</a:t>
             </a:r>
           </a:p>
           <a:p>
             <a:pPr lvl="3"/>
             <a:r>
-              <a:rPr lang="bg-BG" smtClean="0"/>
-              <a:t>Четвърто ниво</a:t>
+              <a:rPr lang="en-US" smtClean="0"/>
+              <a:t>Fourth level</a:t>
             </a:r>
           </a:p>
           <a:p>
             <a:pPr lvl="4"/>
             <a:r>
-              <a:rPr lang="bg-BG" smtClean="0"/>
-              <a:t>Пето ниво</a:t>
+              <a:rPr lang="en-US" smtClean="0"/>
+              <a:t>Fifth level</a:t>
             </a:r>
             <a:endParaRPr lang="en-US" dirty="0"/>
           </a:p>
@@ -2178,7 +2110,7 @@
     </p:spTree>
     <p:extLst>
       <p:ext uri="{BB962C8B-B14F-4D97-AF65-F5344CB8AC3E}">
-        <p14:creationId xmlns:p14="http://schemas.microsoft.com/office/powerpoint/2010/main" val="584177757"/>
+        <p14:creationId xmlns:p14="http://schemas.microsoft.com/office/powerpoint/2010/main" val="683648042"/>
       </p:ext>
     </p:extLst>
   </p:cSld>
@@ -2190,7 +2122,7 @@
 
 <file path=ppt/slideLayouts/slideLayout11.xml><?xml version="1.0" encoding="utf-8"?>
 <p:sldLayout xmlns:a="http://schemas.openxmlformats.org/drawingml/2006/main" xmlns:r="http://schemas.openxmlformats.org/officeDocument/2006/relationships" xmlns:p="http://schemas.openxmlformats.org/presentationml/2006/main" type="vertTitleAndTx" preserve="1">
-  <p:cSld name="Вертикално заглавие и текст">
+  <p:cSld name="Vertical Title and Text">
     <p:spTree>
       <p:nvGrpSpPr>
         <p:cNvPr id="1" name=""/>
@@ -2217,8 +2149,8 @@
         </p:nvSpPr>
         <p:spPr>
           <a:xfrm>
-            <a:off x="6543675" y="762000"/>
-            <a:ext cx="1743075" cy="5410200"/>
+            <a:off x="8724900" y="762000"/>
+            <a:ext cx="2324100" cy="5410200"/>
           </a:xfrm>
         </p:spPr>
         <p:txBody>
@@ -2226,8 +2158,8 @@
           <a:lstStyle/>
           <a:p>
             <a:r>
-              <a:rPr lang="bg-BG" smtClean="0"/>
-              <a:t>Редакт. стил загл. образец</a:t>
+              <a:rPr lang="en-US" smtClean="0"/>
+              <a:t>Click to edit Master title style</a:t>
             </a:r>
             <a:endParaRPr lang="en-US" dirty="0"/>
           </a:p>
@@ -2245,8 +2177,8 @@
         </p:nvSpPr>
         <p:spPr>
           <a:xfrm>
-            <a:off x="857250" y="762000"/>
-            <a:ext cx="5572125" cy="5410200"/>
+            <a:off x="1143000" y="762000"/>
+            <a:ext cx="7429500" cy="5410200"/>
           </a:xfrm>
         </p:spPr>
         <p:txBody>
@@ -2255,36 +2187,36 @@
           <a:p>
             <a:pPr lvl="0"/>
             <a:r>
-              <a:rPr lang="bg-BG" smtClean="0"/>
-              <a:t>Щракнете, за да редактирате стиловете на текста в образеца</a:t>
+              <a:rPr lang="en-US" smtClean="0"/>
+              <a:t>Edit Master text styles</a:t>
             </a:r>
           </a:p>
           <a:p>
             <a:pPr lvl="1"/>
             <a:r>
-              <a:rPr lang="bg-BG" smtClean="0"/>
-              <a:t>Второ ниво</a:t>
+              <a:rPr lang="en-US" smtClean="0"/>
+              <a:t>Second level</a:t>
             </a:r>
           </a:p>
           <a:p>
             <a:pPr lvl="2"/>
             <a:r>
-              <a:rPr lang="bg-BG" smtClean="0"/>
-              <a:t>Трето ниво</a:t>
+              <a:rPr lang="en-US" smtClean="0"/>
+              <a:t>Third level</a:t>
             </a:r>
           </a:p>
           <a:p>
             <a:pPr lvl="3"/>
             <a:r>
-              <a:rPr lang="bg-BG" smtClean="0"/>
-              <a:t>Четвърто ниво</a:t>
+              <a:rPr lang="en-US" smtClean="0"/>
+              <a:t>Fourth level</a:t>
             </a:r>
           </a:p>
           <a:p>
             <a:pPr lvl="4"/>
             <a:r>
-              <a:rPr lang="bg-BG" smtClean="0"/>
-              <a:t>Пето ниво</a:t>
+              <a:rPr lang="en-US" smtClean="0"/>
+              <a:t>Fifth level</a:t>
             </a:r>
             <a:endParaRPr lang="en-US" dirty="0"/>
           </a:p>
@@ -2360,7 +2292,7 @@
     </p:spTree>
     <p:extLst>
       <p:ext uri="{BB962C8B-B14F-4D97-AF65-F5344CB8AC3E}">
-        <p14:creationId xmlns:p14="http://schemas.microsoft.com/office/powerpoint/2010/main" val="4138104942"/>
+        <p14:creationId xmlns:p14="http://schemas.microsoft.com/office/powerpoint/2010/main" val="2495676285"/>
       </p:ext>
     </p:extLst>
   </p:cSld>
@@ -2372,7 +2304,7 @@
 
 <file path=ppt/slideLayouts/slideLayout2.xml><?xml version="1.0" encoding="utf-8"?>
 <p:sldLayout xmlns:a="http://schemas.openxmlformats.org/drawingml/2006/main" xmlns:r="http://schemas.openxmlformats.org/officeDocument/2006/relationships" xmlns:p="http://schemas.openxmlformats.org/presentationml/2006/main" type="obj" preserve="1">
-  <p:cSld name="Заглавие и съдържание">
+  <p:cSld name="Title and Content">
     <p:spTree>
       <p:nvGrpSpPr>
         <p:cNvPr id="1" name=""/>
@@ -2403,8 +2335,8 @@
           <a:lstStyle/>
           <a:p>
             <a:r>
-              <a:rPr lang="bg-BG" smtClean="0"/>
-              <a:t>Редакт. стил загл. образец</a:t>
+              <a:rPr lang="en-US" smtClean="0"/>
+              <a:t>Click to edit Master title style</a:t>
             </a:r>
             <a:endParaRPr lang="en-US" dirty="0"/>
           </a:p>
@@ -2423,47 +2355,40 @@
         <p:spPr/>
         <p:txBody>
           <a:bodyPr/>
-          <a:lstStyle>
-            <a:lvl1pPr>
-              <a:spcBef>
-                <a:spcPts val="1000"/>
-              </a:spcBef>
-              <a:defRPr/>
-            </a:lvl1pPr>
-          </a:lstStyle>
+          <a:lstStyle/>
           <a:p>
             <a:pPr lvl="0"/>
             <a:r>
-              <a:rPr lang="bg-BG" smtClean="0"/>
-              <a:t>Щракнете, за да редактирате стиловете на текста в образеца</a:t>
+              <a:rPr lang="en-US" smtClean="0"/>
+              <a:t>Edit Master text styles</a:t>
             </a:r>
           </a:p>
           <a:p>
             <a:pPr lvl="1"/>
             <a:r>
-              <a:rPr lang="bg-BG" smtClean="0"/>
-              <a:t>Второ ниво</a:t>
+              <a:rPr lang="en-US" smtClean="0"/>
+              <a:t>Second level</a:t>
             </a:r>
           </a:p>
           <a:p>
             <a:pPr lvl="2"/>
             <a:r>
-              <a:rPr lang="bg-BG" smtClean="0"/>
-              <a:t>Трето ниво</a:t>
+              <a:rPr lang="en-US" smtClean="0"/>
+              <a:t>Third level</a:t>
             </a:r>
           </a:p>
           <a:p>
             <a:pPr lvl="3"/>
             <a:r>
-              <a:rPr lang="bg-BG" smtClean="0"/>
-              <a:t>Четвърто ниво</a:t>
+              <a:rPr lang="en-US" smtClean="0"/>
+              <a:t>Fourth level</a:t>
             </a:r>
           </a:p>
           <a:p>
             <a:pPr lvl="4"/>
             <a:r>
-              <a:rPr lang="bg-BG" smtClean="0"/>
-              <a:t>Пето ниво</a:t>
+              <a:rPr lang="en-US" smtClean="0"/>
+              <a:t>Fifth level</a:t>
             </a:r>
             <a:endParaRPr lang="en-US" dirty="0"/>
           </a:p>
@@ -2539,7 +2464,7 @@
     </p:spTree>
     <p:extLst>
       <p:ext uri="{BB962C8B-B14F-4D97-AF65-F5344CB8AC3E}">
-        <p14:creationId xmlns:p14="http://schemas.microsoft.com/office/powerpoint/2010/main" val="2108669205"/>
+        <p14:creationId xmlns:p14="http://schemas.microsoft.com/office/powerpoint/2010/main" val="2887232437"/>
       </p:ext>
     </p:extLst>
   </p:cSld>
@@ -2551,7 +2476,7 @@
 
 <file path=ppt/slideLayouts/slideLayout3.xml><?xml version="1.0" encoding="utf-8"?>
 <p:sldLayout xmlns:a="http://schemas.openxmlformats.org/drawingml/2006/main" xmlns:r="http://schemas.openxmlformats.org/officeDocument/2006/relationships" xmlns:p="http://schemas.openxmlformats.org/presentationml/2006/main" type="secHead" preserve="1">
-  <p:cSld name="Заглавка на секция">
+  <p:cSld name="Section Header">
     <p:spTree>
       <p:nvGrpSpPr>
         <p:cNvPr id="1" name=""/>
@@ -2578,8 +2503,8 @@
         </p:nvSpPr>
         <p:spPr>
           <a:xfrm>
-            <a:off x="829818" y="1173575"/>
-            <a:ext cx="7475220" cy="2926080"/>
+            <a:off x="1106424" y="1173575"/>
+            <a:ext cx="9966960" cy="2926080"/>
           </a:xfrm>
         </p:spPr>
         <p:txBody>
@@ -2591,13 +2516,13 @@
               <a:lnSpc>
                 <a:spcPct val="85000"/>
               </a:lnSpc>
-              <a:defRPr sz="6000" b="0" cap="all" baseline="0"/>
+              <a:defRPr sz="7200" b="0" cap="all" baseline="0"/>
             </a:lvl1pPr>
           </a:lstStyle>
           <a:p>
             <a:r>
-              <a:rPr lang="bg-BG" smtClean="0"/>
-              <a:t>Редакт. стил загл. образец</a:t>
+              <a:rPr lang="en-US" smtClean="0"/>
+              <a:t>Click to edit Master title style</a:t>
             </a:r>
             <a:endParaRPr lang="en-US" dirty="0"/>
           </a:p>
@@ -2615,8 +2540,8 @@
         </p:nvSpPr>
         <p:spPr>
           <a:xfrm>
-            <a:off x="1282446" y="4154520"/>
-            <a:ext cx="6576822" cy="1363806"/>
+            <a:off x="1709928" y="4154520"/>
+            <a:ext cx="8769096" cy="1363806"/>
           </a:xfrm>
         </p:spPr>
         <p:txBody>
@@ -2626,15 +2551,15 @@
           <a:lstStyle>
             <a:lvl1pPr marL="0" indent="0" algn="ctr">
               <a:buNone/>
-              <a:defRPr sz="1800">
+              <a:defRPr sz="2200">
                 <a:solidFill>
                   <a:schemeClr val="accent1"/>
                 </a:solidFill>
               </a:defRPr>
             </a:lvl1pPr>
-            <a:lvl2pPr marL="342900" indent="0">
+            <a:lvl2pPr marL="457200" indent="0">
               <a:buNone/>
-              <a:defRPr sz="1350">
+              <a:defRPr sz="1800">
                 <a:solidFill>
                   <a:schemeClr val="tx1">
                     <a:tint val="75000"/>
@@ -2642,9 +2567,9 @@
                 </a:solidFill>
               </a:defRPr>
             </a:lvl2pPr>
-            <a:lvl3pPr marL="685800" indent="0">
+            <a:lvl3pPr marL="914400" indent="0">
               <a:buNone/>
-              <a:defRPr sz="1200">
+              <a:defRPr sz="1600">
                 <a:solidFill>
                   <a:schemeClr val="tx1">
                     <a:tint val="75000"/>
@@ -2652,9 +2577,9 @@
                 </a:solidFill>
               </a:defRPr>
             </a:lvl3pPr>
-            <a:lvl4pPr marL="1028700" indent="0">
+            <a:lvl4pPr marL="1371600" indent="0">
               <a:buNone/>
-              <a:defRPr sz="1050">
+              <a:defRPr sz="1400">
                 <a:solidFill>
                   <a:schemeClr val="tx1">
                     <a:tint val="75000"/>
@@ -2662,9 +2587,9 @@
                 </a:solidFill>
               </a:defRPr>
             </a:lvl4pPr>
-            <a:lvl5pPr marL="1371600" indent="0">
+            <a:lvl5pPr marL="1828800" indent="0">
               <a:buNone/>
-              <a:defRPr sz="1050">
+              <a:defRPr sz="1400">
                 <a:solidFill>
                   <a:schemeClr val="tx1">
                     <a:tint val="75000"/>
@@ -2672,9 +2597,9 @@
                 </a:solidFill>
               </a:defRPr>
             </a:lvl5pPr>
-            <a:lvl6pPr marL="1714500" indent="0">
+            <a:lvl6pPr marL="2286000" indent="0">
               <a:buNone/>
-              <a:defRPr sz="1050">
+              <a:defRPr sz="1400">
                 <a:solidFill>
                   <a:schemeClr val="tx1">
                     <a:tint val="75000"/>
@@ -2682,9 +2607,9 @@
                 </a:solidFill>
               </a:defRPr>
             </a:lvl6pPr>
-            <a:lvl7pPr marL="2057400" indent="0">
+            <a:lvl7pPr marL="2743200" indent="0">
               <a:buNone/>
-              <a:defRPr sz="1050">
+              <a:defRPr sz="1400">
                 <a:solidFill>
                   <a:schemeClr val="tx1">
                     <a:tint val="75000"/>
@@ -2692,9 +2617,9 @@
                 </a:solidFill>
               </a:defRPr>
             </a:lvl7pPr>
-            <a:lvl8pPr marL="2400300" indent="0">
+            <a:lvl8pPr marL="3200400" indent="0">
               <a:buNone/>
-              <a:defRPr sz="1050">
+              <a:defRPr sz="1400">
                 <a:solidFill>
                   <a:schemeClr val="tx1">
                     <a:tint val="75000"/>
@@ -2702,9 +2627,9 @@
                 </a:solidFill>
               </a:defRPr>
             </a:lvl8pPr>
-            <a:lvl9pPr marL="2743200" indent="0">
+            <a:lvl9pPr marL="3657600" indent="0">
               <a:buNone/>
-              <a:defRPr sz="1050">
+              <a:defRPr sz="1400">
                 <a:solidFill>
                   <a:schemeClr val="tx1">
                     <a:tint val="75000"/>
@@ -2716,8 +2641,8 @@
           <a:p>
             <a:pPr lvl="0"/>
             <a:r>
-              <a:rPr lang="bg-BG" smtClean="0"/>
-              <a:t>Щракнете, за да редактирате стиловете на текста в образеца</a:t>
+              <a:rPr lang="en-US" smtClean="0"/>
+              <a:t>Edit Master text styles</a:t>
             </a:r>
           </a:p>
         </p:txBody>
@@ -2797,8 +2722,8 @@
         </p:nvCxnSpPr>
         <p:spPr>
           <a:xfrm>
-            <a:off x="1485900" y="4020408"/>
-            <a:ext cx="6172201" cy="0"/>
+            <a:off x="1981200" y="4020408"/>
+            <a:ext cx="8229601" cy="0"/>
           </a:xfrm>
           <a:prstGeom prst="line">
             <a:avLst/>
@@ -2827,7 +2752,7 @@
     </p:spTree>
     <p:extLst>
       <p:ext uri="{BB962C8B-B14F-4D97-AF65-F5344CB8AC3E}">
-        <p14:creationId xmlns:p14="http://schemas.microsoft.com/office/powerpoint/2010/main" val="12270635"/>
+        <p14:creationId xmlns:p14="http://schemas.microsoft.com/office/powerpoint/2010/main" val="2075705507"/>
       </p:ext>
     </p:extLst>
   </p:cSld>
@@ -2839,7 +2764,7 @@
 
 <file path=ppt/slideLayouts/slideLayout4.xml><?xml version="1.0" encoding="utf-8"?>
 <p:sldLayout xmlns:a="http://schemas.openxmlformats.org/drawingml/2006/main" xmlns:r="http://schemas.openxmlformats.org/officeDocument/2006/relationships" xmlns:p="http://schemas.openxmlformats.org/presentationml/2006/main" type="twoObj" preserve="1">
-  <p:cSld name="Две съдържания">
+  <p:cSld name="Two Content">
     <p:spTree>
       <p:nvGrpSpPr>
         <p:cNvPr id="1" name=""/>
@@ -2870,8 +2795,8 @@
           <a:lstStyle/>
           <a:p>
             <a:r>
-              <a:rPr lang="bg-BG" smtClean="0"/>
-              <a:t>Редакт. стил загл. образец</a:t>
+              <a:rPr lang="en-US" smtClean="0"/>
+              <a:t>Click to edit Master title style</a:t>
             </a:r>
             <a:endParaRPr lang="en-US" dirty="0"/>
           </a:p>
@@ -2889,74 +2814,74 @@
         </p:nvSpPr>
         <p:spPr>
           <a:xfrm>
-            <a:off x="857250" y="2057399"/>
-            <a:ext cx="3566160" cy="4023360"/>
+            <a:off x="1143000" y="2057399"/>
+            <a:ext cx="4754880" cy="4023360"/>
           </a:xfrm>
         </p:spPr>
         <p:txBody>
           <a:bodyPr/>
           <a:lstStyle>
             <a:lvl1pPr>
-              <a:defRPr sz="1650"/>
+              <a:defRPr sz="2200"/>
             </a:lvl1pPr>
             <a:lvl2pPr>
-              <a:defRPr sz="1500"/>
+              <a:defRPr sz="2000"/>
             </a:lvl2pPr>
             <a:lvl3pPr>
-              <a:defRPr sz="1350"/>
+              <a:defRPr sz="1800"/>
             </a:lvl3pPr>
             <a:lvl4pPr>
-              <a:defRPr sz="1200"/>
+              <a:defRPr sz="1600"/>
             </a:lvl4pPr>
             <a:lvl5pPr>
-              <a:defRPr sz="1200"/>
+              <a:defRPr sz="1600"/>
             </a:lvl5pPr>
             <a:lvl6pPr>
-              <a:defRPr sz="1200"/>
+              <a:defRPr sz="1600"/>
             </a:lvl6pPr>
             <a:lvl7pPr>
-              <a:defRPr sz="1200"/>
+              <a:defRPr sz="1600"/>
             </a:lvl7pPr>
             <a:lvl8pPr>
-              <a:defRPr sz="1200"/>
+              <a:defRPr sz="1600"/>
             </a:lvl8pPr>
             <a:lvl9pPr>
-              <a:defRPr sz="1200"/>
+              <a:defRPr sz="1600"/>
             </a:lvl9pPr>
           </a:lstStyle>
           <a:p>
             <a:pPr lvl="0"/>
             <a:r>
-              <a:rPr lang="bg-BG" smtClean="0"/>
-              <a:t>Щракнете, за да редактирате стиловете на текста в образеца</a:t>
+              <a:rPr lang="en-US" smtClean="0"/>
+              <a:t>Edit Master text styles</a:t>
             </a:r>
           </a:p>
           <a:p>
             <a:pPr lvl="1"/>
             <a:r>
-              <a:rPr lang="bg-BG" smtClean="0"/>
-              <a:t>Второ ниво</a:t>
+              <a:rPr lang="en-US" smtClean="0"/>
+              <a:t>Second level</a:t>
             </a:r>
           </a:p>
           <a:p>
             <a:pPr lvl="2"/>
             <a:r>
-              <a:rPr lang="bg-BG" smtClean="0"/>
-              <a:t>Трето ниво</a:t>
+              <a:rPr lang="en-US" smtClean="0"/>
+              <a:t>Third level</a:t>
             </a:r>
           </a:p>
           <a:p>
             <a:pPr lvl="3"/>
             <a:r>
-              <a:rPr lang="bg-BG" smtClean="0"/>
-              <a:t>Четвърто ниво</a:t>
+              <a:rPr lang="en-US" smtClean="0"/>
+              <a:t>Fourth level</a:t>
             </a:r>
           </a:p>
           <a:p>
             <a:pPr lvl="4"/>
             <a:r>
-              <a:rPr lang="bg-BG" smtClean="0"/>
-              <a:t>Пето ниво</a:t>
+              <a:rPr lang="en-US" smtClean="0"/>
+              <a:t>Fifth level</a:t>
             </a:r>
             <a:endParaRPr lang="en-US" dirty="0"/>
           </a:p>
@@ -2974,74 +2899,74 @@
         </p:nvSpPr>
         <p:spPr>
           <a:xfrm>
-            <a:off x="4700709" y="2057400"/>
-            <a:ext cx="3566160" cy="4023360"/>
+            <a:off x="6267612" y="2057400"/>
+            <a:ext cx="4754880" cy="4023360"/>
           </a:xfrm>
         </p:spPr>
         <p:txBody>
           <a:bodyPr/>
           <a:lstStyle>
             <a:lvl1pPr>
-              <a:defRPr sz="1650"/>
+              <a:defRPr sz="2200"/>
             </a:lvl1pPr>
             <a:lvl2pPr>
-              <a:defRPr sz="1500"/>
+              <a:defRPr sz="2000"/>
             </a:lvl2pPr>
             <a:lvl3pPr>
-              <a:defRPr sz="1350"/>
+              <a:defRPr sz="1800"/>
             </a:lvl3pPr>
             <a:lvl4pPr>
-              <a:defRPr sz="1200"/>
+              <a:defRPr sz="1600"/>
             </a:lvl4pPr>
             <a:lvl5pPr>
-              <a:defRPr sz="1200"/>
+              <a:defRPr sz="1600"/>
             </a:lvl5pPr>
             <a:lvl6pPr>
-              <a:defRPr sz="1200"/>
+              <a:defRPr sz="1600"/>
             </a:lvl6pPr>
             <a:lvl7pPr>
-              <a:defRPr sz="1200"/>
+              <a:defRPr sz="1600"/>
             </a:lvl7pPr>
             <a:lvl8pPr>
-              <a:defRPr sz="1200"/>
+              <a:defRPr sz="1600"/>
             </a:lvl8pPr>
             <a:lvl9pPr>
-              <a:defRPr sz="1200"/>
+              <a:defRPr sz="1600"/>
             </a:lvl9pPr>
           </a:lstStyle>
           <a:p>
             <a:pPr lvl="0"/>
             <a:r>
-              <a:rPr lang="bg-BG" smtClean="0"/>
-              <a:t>Щракнете, за да редактирате стиловете на текста в образеца</a:t>
+              <a:rPr lang="en-US" smtClean="0"/>
+              <a:t>Edit Master text styles</a:t>
             </a:r>
           </a:p>
           <a:p>
             <a:pPr lvl="1"/>
             <a:r>
-              <a:rPr lang="bg-BG" smtClean="0"/>
-              <a:t>Второ ниво</a:t>
+              <a:rPr lang="en-US" smtClean="0"/>
+              <a:t>Second level</a:t>
             </a:r>
           </a:p>
           <a:p>
             <a:pPr lvl="2"/>
             <a:r>
-              <a:rPr lang="bg-BG" smtClean="0"/>
-              <a:t>Трето ниво</a:t>
+              <a:rPr lang="en-US" smtClean="0"/>
+              <a:t>Third level</a:t>
             </a:r>
           </a:p>
           <a:p>
             <a:pPr lvl="3"/>
             <a:r>
-              <a:rPr lang="bg-BG" smtClean="0"/>
-              <a:t>Четвърто ниво</a:t>
+              <a:rPr lang="en-US" smtClean="0"/>
+              <a:t>Fourth level</a:t>
             </a:r>
           </a:p>
           <a:p>
             <a:pPr lvl="4"/>
             <a:r>
-              <a:rPr lang="bg-BG" smtClean="0"/>
-              <a:t>Пето ниво</a:t>
+              <a:rPr lang="en-US" smtClean="0"/>
+              <a:t>Fifth level</a:t>
             </a:r>
             <a:endParaRPr lang="en-US" dirty="0"/>
           </a:p>
@@ -3117,7 +3042,7 @@
     </p:spTree>
     <p:extLst>
       <p:ext uri="{BB962C8B-B14F-4D97-AF65-F5344CB8AC3E}">
-        <p14:creationId xmlns:p14="http://schemas.microsoft.com/office/powerpoint/2010/main" val="2317229111"/>
+        <p14:creationId xmlns:p14="http://schemas.microsoft.com/office/powerpoint/2010/main" val="2327061150"/>
       </p:ext>
     </p:extLst>
   </p:cSld>
@@ -3129,7 +3054,7 @@
 
 <file path=ppt/slideLayouts/slideLayout5.xml><?xml version="1.0" encoding="utf-8"?>
 <p:sldLayout xmlns:a="http://schemas.openxmlformats.org/drawingml/2006/main" xmlns:r="http://schemas.openxmlformats.org/officeDocument/2006/relationships" xmlns:p="http://schemas.openxmlformats.org/presentationml/2006/main" type="twoTxTwoObj" preserve="1">
-  <p:cSld name="Сравнение">
+  <p:cSld name="Comparison">
     <p:spTree>
       <p:nvGrpSpPr>
         <p:cNvPr id="1" name=""/>
@@ -3160,8 +3085,8 @@
           <a:lstStyle/>
           <a:p>
             <a:r>
-              <a:rPr lang="bg-BG" smtClean="0"/>
-              <a:t>Редакт. стил загл. образец</a:t>
+              <a:rPr lang="en-US" smtClean="0"/>
+              <a:t>Click to edit Master title style</a:t>
             </a:r>
             <a:endParaRPr lang="en-US" dirty="0"/>
           </a:p>
@@ -3179,8 +3104,8 @@
         </p:nvSpPr>
         <p:spPr>
           <a:xfrm>
-            <a:off x="857250" y="2001511"/>
-            <a:ext cx="3566160" cy="777240"/>
+            <a:off x="1143000" y="2001511"/>
+            <a:ext cx="4754880" cy="777240"/>
           </a:xfrm>
         </p:spPr>
         <p:txBody>
@@ -3191,46 +3116,46 @@
                 <a:spcPts val="0"/>
               </a:spcBef>
               <a:buNone/>
+              <a:defRPr sz="2400" b="1"/>
+            </a:lvl1pPr>
+            <a:lvl2pPr marL="457200" indent="0">
+              <a:buNone/>
+              <a:defRPr sz="2000" b="1"/>
+            </a:lvl2pPr>
+            <a:lvl3pPr marL="914400" indent="0">
+              <a:buNone/>
               <a:defRPr sz="1800" b="1"/>
-            </a:lvl1pPr>
-            <a:lvl2pPr marL="342900" indent="0">
+            </a:lvl3pPr>
+            <a:lvl4pPr marL="1371600" indent="0">
               <a:buNone/>
-              <a:defRPr sz="1500" b="1"/>
-            </a:lvl2pPr>
-            <a:lvl3pPr marL="685800" indent="0">
+              <a:defRPr sz="1600" b="1"/>
+            </a:lvl4pPr>
+            <a:lvl5pPr marL="1828800" indent="0">
               <a:buNone/>
-              <a:defRPr sz="1350" b="1"/>
-            </a:lvl3pPr>
-            <a:lvl4pPr marL="1028700" indent="0">
+              <a:defRPr sz="1600" b="1"/>
+            </a:lvl5pPr>
+            <a:lvl6pPr marL="2286000" indent="0">
               <a:buNone/>
-              <a:defRPr sz="1200" b="1"/>
-            </a:lvl4pPr>
-            <a:lvl5pPr marL="1371600" indent="0">
+              <a:defRPr sz="1600" b="1"/>
+            </a:lvl6pPr>
+            <a:lvl7pPr marL="2743200" indent="0">
               <a:buNone/>
-              <a:defRPr sz="1200" b="1"/>
-            </a:lvl5pPr>
-            <a:lvl6pPr marL="1714500" indent="0">
+              <a:defRPr sz="1600" b="1"/>
+            </a:lvl7pPr>
+            <a:lvl8pPr marL="3200400" indent="0">
               <a:buNone/>
-              <a:defRPr sz="1200" b="1"/>
-            </a:lvl6pPr>
-            <a:lvl7pPr marL="2057400" indent="0">
+              <a:defRPr sz="1600" b="1"/>
+            </a:lvl8pPr>
+            <a:lvl9pPr marL="3657600" indent="0">
               <a:buNone/>
-              <a:defRPr sz="1200" b="1"/>
-            </a:lvl7pPr>
-            <a:lvl8pPr marL="2400300" indent="0">
-              <a:buNone/>
-              <a:defRPr sz="1200" b="1"/>
-            </a:lvl8pPr>
-            <a:lvl9pPr marL="2743200" indent="0">
-              <a:buNone/>
-              <a:defRPr sz="1200" b="1"/>
+              <a:defRPr sz="1600" b="1"/>
             </a:lvl9pPr>
           </a:lstStyle>
           <a:p>
             <a:pPr lvl="0"/>
             <a:r>
-              <a:rPr lang="bg-BG" smtClean="0"/>
-              <a:t>Щракнете, за да редактирате стиловете на текста в образеца</a:t>
+              <a:rPr lang="en-US" smtClean="0"/>
+              <a:t>Edit Master text styles</a:t>
             </a:r>
           </a:p>
         </p:txBody>
@@ -3247,74 +3172,74 @@
         </p:nvSpPr>
         <p:spPr>
           <a:xfrm>
-            <a:off x="857250" y="2721483"/>
-            <a:ext cx="3566160" cy="3383280"/>
+            <a:off x="1143000" y="2721483"/>
+            <a:ext cx="4754880" cy="3383280"/>
           </a:xfrm>
         </p:spPr>
         <p:txBody>
           <a:bodyPr/>
           <a:lstStyle>
             <a:lvl1pPr>
-              <a:defRPr sz="1650"/>
+              <a:defRPr sz="2200"/>
             </a:lvl1pPr>
             <a:lvl2pPr>
-              <a:defRPr sz="1500"/>
+              <a:defRPr sz="2000"/>
             </a:lvl2pPr>
             <a:lvl3pPr>
-              <a:defRPr sz="1350"/>
+              <a:defRPr sz="1800"/>
             </a:lvl3pPr>
             <a:lvl4pPr>
-              <a:defRPr sz="1200"/>
+              <a:defRPr sz="1600"/>
             </a:lvl4pPr>
             <a:lvl5pPr>
-              <a:defRPr sz="1200"/>
+              <a:defRPr sz="1600"/>
             </a:lvl5pPr>
             <a:lvl6pPr>
-              <a:defRPr sz="1200"/>
+              <a:defRPr sz="1600"/>
             </a:lvl6pPr>
             <a:lvl7pPr>
-              <a:defRPr sz="1200"/>
+              <a:defRPr sz="1600"/>
             </a:lvl7pPr>
             <a:lvl8pPr>
-              <a:defRPr sz="1200"/>
+              <a:defRPr sz="1600"/>
             </a:lvl8pPr>
             <a:lvl9pPr>
-              <a:defRPr sz="1200"/>
+              <a:defRPr sz="1600"/>
             </a:lvl9pPr>
           </a:lstStyle>
           <a:p>
             <a:pPr lvl="0"/>
             <a:r>
-              <a:rPr lang="bg-BG" smtClean="0"/>
-              <a:t>Щракнете, за да редактирате стиловете на текста в образеца</a:t>
+              <a:rPr lang="en-US" smtClean="0"/>
+              <a:t>Edit Master text styles</a:t>
             </a:r>
           </a:p>
           <a:p>
             <a:pPr lvl="1"/>
             <a:r>
-              <a:rPr lang="bg-BG" smtClean="0"/>
-              <a:t>Второ ниво</a:t>
+              <a:rPr lang="en-US" smtClean="0"/>
+              <a:t>Second level</a:t>
             </a:r>
           </a:p>
           <a:p>
             <a:pPr lvl="2"/>
             <a:r>
-              <a:rPr lang="bg-BG" smtClean="0"/>
-              <a:t>Трето ниво</a:t>
+              <a:rPr lang="en-US" smtClean="0"/>
+              <a:t>Third level</a:t>
             </a:r>
           </a:p>
           <a:p>
             <a:pPr lvl="3"/>
             <a:r>
-              <a:rPr lang="bg-BG" smtClean="0"/>
-              <a:t>Четвърто ниво</a:t>
+              <a:rPr lang="en-US" smtClean="0"/>
+              <a:t>Fourth level</a:t>
             </a:r>
           </a:p>
           <a:p>
             <a:pPr lvl="4"/>
             <a:r>
-              <a:rPr lang="bg-BG" smtClean="0"/>
-              <a:t>Пето ниво</a:t>
+              <a:rPr lang="en-US" smtClean="0"/>
+              <a:t>Fifth level</a:t>
             </a:r>
             <a:endParaRPr lang="en-US" dirty="0"/>
           </a:p>
@@ -3332,8 +3257,8 @@
         </p:nvSpPr>
         <p:spPr>
           <a:xfrm>
-            <a:off x="4701880" y="1999032"/>
-            <a:ext cx="3566160" cy="777240"/>
+            <a:off x="6269173" y="1999032"/>
+            <a:ext cx="4754880" cy="777240"/>
           </a:xfrm>
         </p:spPr>
         <p:txBody>
@@ -3344,46 +3269,46 @@
                 <a:spcPts val="0"/>
               </a:spcBef>
               <a:buNone/>
+              <a:defRPr sz="2400" b="1"/>
+            </a:lvl1pPr>
+            <a:lvl2pPr marL="457200" indent="0">
+              <a:buNone/>
+              <a:defRPr sz="2000" b="1"/>
+            </a:lvl2pPr>
+            <a:lvl3pPr marL="914400" indent="0">
+              <a:buNone/>
               <a:defRPr sz="1800" b="1"/>
-            </a:lvl1pPr>
-            <a:lvl2pPr marL="342900" indent="0">
+            </a:lvl3pPr>
+            <a:lvl4pPr marL="1371600" indent="0">
               <a:buNone/>
-              <a:defRPr sz="1500" b="1"/>
-            </a:lvl2pPr>
-            <a:lvl3pPr marL="685800" indent="0">
+              <a:defRPr sz="1600" b="1"/>
+            </a:lvl4pPr>
+            <a:lvl5pPr marL="1828800" indent="0">
               <a:buNone/>
-              <a:defRPr sz="1350" b="1"/>
-            </a:lvl3pPr>
-            <a:lvl4pPr marL="1028700" indent="0">
+              <a:defRPr sz="1600" b="1"/>
+            </a:lvl5pPr>
+            <a:lvl6pPr marL="2286000" indent="0">
               <a:buNone/>
-              <a:defRPr sz="1200" b="1"/>
-            </a:lvl4pPr>
-            <a:lvl5pPr marL="1371600" indent="0">
+              <a:defRPr sz="1600" b="1"/>
+            </a:lvl6pPr>
+            <a:lvl7pPr marL="2743200" indent="0">
               <a:buNone/>
-              <a:defRPr sz="1200" b="1"/>
-            </a:lvl5pPr>
-            <a:lvl6pPr marL="1714500" indent="0">
+              <a:defRPr sz="1600" b="1"/>
+            </a:lvl7pPr>
+            <a:lvl8pPr marL="3200400" indent="0">
               <a:buNone/>
-              <a:defRPr sz="1200" b="1"/>
-            </a:lvl6pPr>
-            <a:lvl7pPr marL="2057400" indent="0">
+              <a:defRPr sz="1600" b="1"/>
+            </a:lvl8pPr>
+            <a:lvl9pPr marL="3657600" indent="0">
               <a:buNone/>
-              <a:defRPr sz="1200" b="1"/>
-            </a:lvl7pPr>
-            <a:lvl8pPr marL="2400300" indent="0">
-              <a:buNone/>
-              <a:defRPr sz="1200" b="1"/>
-            </a:lvl8pPr>
-            <a:lvl9pPr marL="2743200" indent="0">
-              <a:buNone/>
-              <a:defRPr sz="1200" b="1"/>
+              <a:defRPr sz="1600" b="1"/>
             </a:lvl9pPr>
           </a:lstStyle>
           <a:p>
             <a:pPr lvl="0"/>
             <a:r>
-              <a:rPr lang="bg-BG" smtClean="0"/>
-              <a:t>Щракнете, за да редактирате стиловете на текста в образеца</a:t>
+              <a:rPr lang="en-US" smtClean="0"/>
+              <a:t>Edit Master text styles</a:t>
             </a:r>
           </a:p>
         </p:txBody>
@@ -3400,74 +3325,74 @@
         </p:nvSpPr>
         <p:spPr>
           <a:xfrm>
-            <a:off x="4701880" y="2719322"/>
-            <a:ext cx="3566160" cy="3383280"/>
+            <a:off x="6269173" y="2719322"/>
+            <a:ext cx="4754880" cy="3383280"/>
           </a:xfrm>
         </p:spPr>
         <p:txBody>
           <a:bodyPr/>
           <a:lstStyle>
             <a:lvl1pPr>
-              <a:defRPr sz="1650"/>
+              <a:defRPr sz="2200"/>
             </a:lvl1pPr>
             <a:lvl2pPr>
-              <a:defRPr sz="1500"/>
+              <a:defRPr sz="2000"/>
             </a:lvl2pPr>
             <a:lvl3pPr>
-              <a:defRPr sz="1350"/>
+              <a:defRPr sz="1800"/>
             </a:lvl3pPr>
             <a:lvl4pPr>
-              <a:defRPr sz="1200"/>
+              <a:defRPr sz="1600"/>
             </a:lvl4pPr>
             <a:lvl5pPr>
-              <a:defRPr sz="1200"/>
+              <a:defRPr sz="1600"/>
             </a:lvl5pPr>
             <a:lvl6pPr>
-              <a:defRPr sz="1200"/>
+              <a:defRPr sz="1600"/>
             </a:lvl6pPr>
             <a:lvl7pPr>
-              <a:defRPr sz="1200"/>
+              <a:defRPr sz="1600"/>
             </a:lvl7pPr>
             <a:lvl8pPr>
-              <a:defRPr sz="1200"/>
+              <a:defRPr sz="1600"/>
             </a:lvl8pPr>
             <a:lvl9pPr>
-              <a:defRPr sz="1200"/>
+              <a:defRPr sz="1600"/>
             </a:lvl9pPr>
           </a:lstStyle>
           <a:p>
             <a:pPr lvl="0"/>
             <a:r>
-              <a:rPr lang="bg-BG" smtClean="0"/>
-              <a:t>Щракнете, за да редактирате стиловете на текста в образеца</a:t>
+              <a:rPr lang="en-US" smtClean="0"/>
+              <a:t>Edit Master text styles</a:t>
             </a:r>
           </a:p>
           <a:p>
             <a:pPr lvl="1"/>
             <a:r>
-              <a:rPr lang="bg-BG" smtClean="0"/>
-              <a:t>Второ ниво</a:t>
+              <a:rPr lang="en-US" smtClean="0"/>
+              <a:t>Second level</a:t>
             </a:r>
           </a:p>
           <a:p>
             <a:pPr lvl="2"/>
             <a:r>
-              <a:rPr lang="bg-BG" smtClean="0"/>
-              <a:t>Трето ниво</a:t>
+              <a:rPr lang="en-US" smtClean="0"/>
+              <a:t>Third level</a:t>
             </a:r>
           </a:p>
           <a:p>
             <a:pPr lvl="3"/>
             <a:r>
-              <a:rPr lang="bg-BG" smtClean="0"/>
-              <a:t>Четвърто ниво</a:t>
+              <a:rPr lang="en-US" smtClean="0"/>
+              <a:t>Fourth level</a:t>
             </a:r>
           </a:p>
           <a:p>
             <a:pPr lvl="4"/>
             <a:r>
-              <a:rPr lang="bg-BG" smtClean="0"/>
-              <a:t>Пето ниво</a:t>
+              <a:rPr lang="en-US" smtClean="0"/>
+              <a:t>Fifth level</a:t>
             </a:r>
             <a:endParaRPr lang="en-US" dirty="0"/>
           </a:p>
@@ -3543,7 +3468,7 @@
     </p:spTree>
     <p:extLst>
       <p:ext uri="{BB962C8B-B14F-4D97-AF65-F5344CB8AC3E}">
-        <p14:creationId xmlns:p14="http://schemas.microsoft.com/office/powerpoint/2010/main" val="1859132480"/>
+        <p14:creationId xmlns:p14="http://schemas.microsoft.com/office/powerpoint/2010/main" val="463733321"/>
       </p:ext>
     </p:extLst>
   </p:cSld>
@@ -3555,7 +3480,7 @@
 
 <file path=ppt/slideLayouts/slideLayout6.xml><?xml version="1.0" encoding="utf-8"?>
 <p:sldLayout xmlns:a="http://schemas.openxmlformats.org/drawingml/2006/main" xmlns:r="http://schemas.openxmlformats.org/officeDocument/2006/relationships" xmlns:p="http://schemas.openxmlformats.org/presentationml/2006/main" type="titleOnly" preserve="1">
-  <p:cSld name="Само заглавие">
+  <p:cSld name="Title Only">
     <p:spTree>
       <p:nvGrpSpPr>
         <p:cNvPr id="1" name=""/>
@@ -3586,8 +3511,8 @@
           <a:lstStyle/>
           <a:p>
             <a:r>
-              <a:rPr lang="bg-BG" smtClean="0"/>
-              <a:t>Редакт. стил загл. образец</a:t>
+              <a:rPr lang="en-US" smtClean="0"/>
+              <a:t>Click to edit Master title style</a:t>
             </a:r>
             <a:endParaRPr lang="en-US" dirty="0"/>
           </a:p>
@@ -3663,7 +3588,7 @@
     </p:spTree>
     <p:extLst>
       <p:ext uri="{BB962C8B-B14F-4D97-AF65-F5344CB8AC3E}">
-        <p14:creationId xmlns:p14="http://schemas.microsoft.com/office/powerpoint/2010/main" val="3892755563"/>
+        <p14:creationId xmlns:p14="http://schemas.microsoft.com/office/powerpoint/2010/main" val="2995007064"/>
       </p:ext>
     </p:extLst>
   </p:cSld>
@@ -3675,7 +3600,7 @@
 
 <file path=ppt/slideLayouts/slideLayout7.xml><?xml version="1.0" encoding="utf-8"?>
 <p:sldLayout xmlns:a="http://schemas.openxmlformats.org/drawingml/2006/main" xmlns:r="http://schemas.openxmlformats.org/officeDocument/2006/relationships" xmlns:p="http://schemas.openxmlformats.org/presentationml/2006/main" type="blank" preserve="1">
-  <p:cSld name="Празен">
+  <p:cSld name="Blank">
     <p:spTree>
       <p:nvGrpSpPr>
         <p:cNvPr id="1" name=""/>
@@ -3760,7 +3685,7 @@
     </p:spTree>
     <p:extLst>
       <p:ext uri="{BB962C8B-B14F-4D97-AF65-F5344CB8AC3E}">
-        <p14:creationId xmlns:p14="http://schemas.microsoft.com/office/powerpoint/2010/main" val="3658110190"/>
+        <p14:creationId xmlns:p14="http://schemas.microsoft.com/office/powerpoint/2010/main" val="2735032831"/>
       </p:ext>
     </p:extLst>
   </p:cSld>
@@ -3772,7 +3697,7 @@
 
 <file path=ppt/slideLayouts/slideLayout8.xml><?xml version="1.0" encoding="utf-8"?>
 <p:sldLayout xmlns:a="http://schemas.openxmlformats.org/drawingml/2006/main" xmlns:r="http://schemas.openxmlformats.org/officeDocument/2006/relationships" xmlns:p="http://schemas.openxmlformats.org/presentationml/2006/main" type="objTx" preserve="1">
-  <p:cSld name="Съдържание с надпис">
+  <p:cSld name="Content with Caption">
     <p:spTree>
       <p:nvGrpSpPr>
         <p:cNvPr id="1" name=""/>
@@ -3799,8 +3724,8 @@
         </p:nvSpPr>
         <p:spPr>
           <a:xfrm>
-            <a:off x="857250" y="1097280"/>
-            <a:ext cx="2834640" cy="1737360"/>
+            <a:off x="1143000" y="1097280"/>
+            <a:ext cx="3931920" cy="1737360"/>
           </a:xfrm>
         </p:spPr>
         <p:txBody>
@@ -3812,13 +3737,13 @@
               <a:lnSpc>
                 <a:spcPct val="90000"/>
               </a:lnSpc>
-              <a:defRPr sz="3000" b="0"/>
+              <a:defRPr sz="4000" b="0"/>
             </a:lvl1pPr>
           </a:lstStyle>
           <a:p>
             <a:r>
-              <a:rPr lang="bg-BG" smtClean="0"/>
-              <a:t>Редакт. стил загл. образец</a:t>
+              <a:rPr lang="en-US" smtClean="0"/>
+              <a:t>Click to edit Master title style</a:t>
             </a:r>
             <a:endParaRPr lang="en-US" dirty="0"/>
           </a:p>
@@ -3836,74 +3761,74 @@
         </p:nvSpPr>
         <p:spPr>
           <a:xfrm>
-            <a:off x="4129314" y="1097280"/>
-            <a:ext cx="4149638" cy="4663440"/>
+            <a:off x="5852159" y="1097280"/>
+            <a:ext cx="5212080" cy="4663440"/>
           </a:xfrm>
         </p:spPr>
         <p:txBody>
           <a:bodyPr/>
           <a:lstStyle>
             <a:lvl1pPr>
-              <a:defRPr sz="2400"/>
+              <a:defRPr sz="3200"/>
             </a:lvl1pPr>
             <a:lvl2pPr>
-              <a:defRPr sz="2100"/>
+              <a:defRPr sz="2800"/>
             </a:lvl2pPr>
             <a:lvl3pPr>
-              <a:defRPr sz="1800"/>
+              <a:defRPr sz="2400"/>
             </a:lvl3pPr>
             <a:lvl4pPr>
-              <a:defRPr sz="1500"/>
+              <a:defRPr sz="2000"/>
             </a:lvl4pPr>
             <a:lvl5pPr>
-              <a:defRPr sz="1500"/>
+              <a:defRPr sz="2000"/>
             </a:lvl5pPr>
             <a:lvl6pPr>
-              <a:defRPr sz="1500"/>
+              <a:defRPr sz="2000"/>
             </a:lvl6pPr>
             <a:lvl7pPr>
-              <a:defRPr sz="1500"/>
+              <a:defRPr sz="2000"/>
             </a:lvl7pPr>
             <a:lvl8pPr>
-              <a:defRPr sz="1500"/>
+              <a:defRPr sz="2000"/>
             </a:lvl8pPr>
             <a:lvl9pPr>
-              <a:defRPr sz="1500"/>
+              <a:defRPr sz="2000"/>
             </a:lvl9pPr>
           </a:lstStyle>
           <a:p>
             <a:pPr lvl="0"/>
             <a:r>
-              <a:rPr lang="bg-BG" smtClean="0"/>
-              <a:t>Щракнете, за да редактирате стиловете на текста в образеца</a:t>
+              <a:rPr lang="en-US" smtClean="0"/>
+              <a:t>Edit Master text styles</a:t>
             </a:r>
           </a:p>
           <a:p>
             <a:pPr lvl="1"/>
             <a:r>
-              <a:rPr lang="bg-BG" smtClean="0"/>
-              <a:t>Второ ниво</a:t>
+              <a:rPr lang="en-US" smtClean="0"/>
+              <a:t>Second level</a:t>
             </a:r>
           </a:p>
           <a:p>
             <a:pPr lvl="2"/>
             <a:r>
-              <a:rPr lang="bg-BG" smtClean="0"/>
-              <a:t>Трето ниво</a:t>
+              <a:rPr lang="en-US" smtClean="0"/>
+              <a:t>Third level</a:t>
             </a:r>
           </a:p>
           <a:p>
             <a:pPr lvl="3"/>
             <a:r>
-              <a:rPr lang="bg-BG" smtClean="0"/>
-              <a:t>Четвърто ниво</a:t>
+              <a:rPr lang="en-US" smtClean="0"/>
+              <a:t>Fourth level</a:t>
             </a:r>
           </a:p>
           <a:p>
             <a:pPr lvl="4"/>
             <a:r>
-              <a:rPr lang="bg-BG" smtClean="0"/>
-              <a:t>Пето ниво</a:t>
+              <a:rPr lang="en-US" smtClean="0"/>
+              <a:t>Fifth level</a:t>
             </a:r>
             <a:endParaRPr lang="en-US" dirty="0"/>
           </a:p>
@@ -3921,8 +3846,8 @@
         </p:nvSpPr>
         <p:spPr>
           <a:xfrm>
-            <a:off x="857250" y="2834640"/>
-            <a:ext cx="2834640" cy="2926080"/>
+            <a:off x="1143000" y="2834640"/>
+            <a:ext cx="3931920" cy="3017520"/>
           </a:xfrm>
         </p:spPr>
         <p:txBody>
@@ -3935,49 +3860,49 @@
                 <a:spcPct val="100000"/>
               </a:lnSpc>
               <a:spcBef>
-                <a:spcPts val="800"/>
+                <a:spcPts val="1000"/>
               </a:spcBef>
               <a:buNone/>
-              <a:defRPr sz="1275"/>
+              <a:defRPr sz="1700"/>
             </a:lvl1pPr>
-            <a:lvl2pPr marL="342900" indent="0">
+            <a:lvl2pPr marL="457200" indent="0">
+              <a:buNone/>
+              <a:defRPr sz="1200"/>
+            </a:lvl2pPr>
+            <a:lvl3pPr marL="914400" indent="0">
+              <a:buNone/>
+              <a:defRPr sz="1000"/>
+            </a:lvl3pPr>
+            <a:lvl4pPr marL="1371600" indent="0">
               <a:buNone/>
               <a:defRPr sz="900"/>
-            </a:lvl2pPr>
-            <a:lvl3pPr marL="685800" indent="0">
+            </a:lvl4pPr>
+            <a:lvl5pPr marL="1828800" indent="0">
               <a:buNone/>
-              <a:defRPr sz="750"/>
-            </a:lvl3pPr>
-            <a:lvl4pPr marL="1028700" indent="0">
+              <a:defRPr sz="900"/>
+            </a:lvl5pPr>
+            <a:lvl6pPr marL="2286000" indent="0">
               <a:buNone/>
-              <a:defRPr sz="675"/>
-            </a:lvl4pPr>
-            <a:lvl5pPr marL="1371600" indent="0">
+              <a:defRPr sz="900"/>
+            </a:lvl6pPr>
+            <a:lvl7pPr marL="2743200" indent="0">
               <a:buNone/>
-              <a:defRPr sz="675"/>
-            </a:lvl5pPr>
-            <a:lvl6pPr marL="1714500" indent="0">
+              <a:defRPr sz="900"/>
+            </a:lvl7pPr>
+            <a:lvl8pPr marL="3200400" indent="0">
               <a:buNone/>
-              <a:defRPr sz="675"/>
-            </a:lvl6pPr>
-            <a:lvl7pPr marL="2057400" indent="0">
+              <a:defRPr sz="900"/>
+            </a:lvl8pPr>
+            <a:lvl9pPr marL="3657600" indent="0">
               <a:buNone/>
-              <a:defRPr sz="675"/>
-            </a:lvl7pPr>
-            <a:lvl8pPr marL="2400300" indent="0">
-              <a:buNone/>
-              <a:defRPr sz="675"/>
-            </a:lvl8pPr>
-            <a:lvl9pPr marL="2743200" indent="0">
-              <a:buNone/>
-              <a:defRPr sz="675"/>
+              <a:defRPr sz="900"/>
             </a:lvl9pPr>
           </a:lstStyle>
           <a:p>
             <a:pPr lvl="0"/>
             <a:r>
-              <a:rPr lang="bg-BG" smtClean="0"/>
-              <a:t>Щракнете, за да редактирате стиловете на текста в образеца</a:t>
+              <a:rPr lang="en-US" smtClean="0"/>
+              <a:t>Edit Master text styles</a:t>
             </a:r>
           </a:p>
         </p:txBody>
@@ -4052,7 +3977,7 @@
     </p:spTree>
     <p:extLst>
       <p:ext uri="{BB962C8B-B14F-4D97-AF65-F5344CB8AC3E}">
-        <p14:creationId xmlns:p14="http://schemas.microsoft.com/office/powerpoint/2010/main" val="1525554158"/>
+        <p14:creationId xmlns:p14="http://schemas.microsoft.com/office/powerpoint/2010/main" val="3768247055"/>
       </p:ext>
     </p:extLst>
   </p:cSld>
@@ -4064,7 +3989,7 @@
 
 <file path=ppt/slideLayouts/slideLayout9.xml><?xml version="1.0" encoding="utf-8"?>
 <p:sldLayout xmlns:a="http://schemas.openxmlformats.org/drawingml/2006/main" xmlns:r="http://schemas.openxmlformats.org/officeDocument/2006/relationships" xmlns:p="http://schemas.openxmlformats.org/presentationml/2006/main" type="picTx" preserve="1">
-  <p:cSld name="Картина с надпис">
+  <p:cSld name="Picture with Caption">
     <p:spTree>
       <p:nvGrpSpPr>
         <p:cNvPr id="1" name=""/>
@@ -4091,8 +4016,8 @@
         </p:nvSpPr>
         <p:spPr>
           <a:xfrm>
-            <a:off x="857250" y="1097280"/>
-            <a:ext cx="2834640" cy="1737360"/>
+            <a:off x="1143000" y="1097280"/>
+            <a:ext cx="3931920" cy="1737360"/>
           </a:xfrm>
         </p:spPr>
         <p:txBody>
@@ -4104,13 +4029,13 @@
               <a:lnSpc>
                 <a:spcPct val="90000"/>
               </a:lnSpc>
-              <a:defRPr sz="3000" b="0"/>
+              <a:defRPr sz="4000" b="0"/>
             </a:lvl1pPr>
           </a:lstStyle>
           <a:p>
             <a:r>
-              <a:rPr lang="bg-BG" smtClean="0"/>
-              <a:t>Редакт. стил загл. образец</a:t>
+              <a:rPr lang="en-US" smtClean="0"/>
+              <a:t>Click to edit Master title style</a:t>
             </a:r>
             <a:endParaRPr lang="en-US" dirty="0"/>
           </a:p>
@@ -4128,8 +4053,8 @@
         </p:nvSpPr>
         <p:spPr>
           <a:xfrm>
-            <a:off x="4019107" y="1069847"/>
-            <a:ext cx="4257703" cy="4645153"/>
+            <a:off x="5413248" y="1069847"/>
+            <a:ext cx="6099048" cy="4800600"/>
           </a:xfrm>
         </p:spPr>
         <p:txBody>
@@ -4139,45 +4064,45 @@
           <a:lstStyle>
             <a:lvl1pPr marL="0" indent="0">
               <a:buNone/>
-              <a:defRPr sz="2100"/>
+              <a:defRPr sz="2800"/>
             </a:lvl1pPr>
-            <a:lvl2pPr marL="342900" indent="0">
+            <a:lvl2pPr marL="457200" indent="0">
               <a:buNone/>
-              <a:defRPr sz="2100"/>
+              <a:defRPr sz="2800"/>
             </a:lvl2pPr>
-            <a:lvl3pPr marL="685800" indent="0">
+            <a:lvl3pPr marL="914400" indent="0">
               <a:buNone/>
-              <a:defRPr sz="1800"/>
+              <a:defRPr sz="2400"/>
             </a:lvl3pPr>
-            <a:lvl4pPr marL="1028700" indent="0">
+            <a:lvl4pPr marL="1371600" indent="0">
               <a:buNone/>
-              <a:defRPr sz="1500"/>
+              <a:defRPr sz="2000"/>
             </a:lvl4pPr>
-            <a:lvl5pPr marL="1371600" indent="0">
+            <a:lvl5pPr marL="1828800" indent="0">
               <a:buNone/>
-              <a:defRPr sz="1500"/>
+              <a:defRPr sz="2000"/>
             </a:lvl5pPr>
-            <a:lvl6pPr marL="1714500" indent="0">
+            <a:lvl6pPr marL="2286000" indent="0">
               <a:buNone/>
-              <a:defRPr sz="1500"/>
+              <a:defRPr sz="2000"/>
             </a:lvl6pPr>
-            <a:lvl7pPr marL="2057400" indent="0">
+            <a:lvl7pPr marL="2743200" indent="0">
               <a:buNone/>
-              <a:defRPr sz="1500"/>
+              <a:defRPr sz="2000"/>
             </a:lvl7pPr>
-            <a:lvl8pPr marL="2400300" indent="0">
+            <a:lvl8pPr marL="3200400" indent="0">
               <a:buNone/>
-              <a:defRPr sz="1500"/>
+              <a:defRPr sz="2000"/>
             </a:lvl8pPr>
-            <a:lvl9pPr marL="2743200" indent="0">
+            <a:lvl9pPr marL="3657600" indent="0">
               <a:buNone/>
-              <a:defRPr sz="1500"/>
+              <a:defRPr sz="2000"/>
             </a:lvl9pPr>
           </a:lstStyle>
           <a:p>
             <a:r>
-              <a:rPr lang="bg-BG" smtClean="0"/>
-              <a:t>Щракнете върху иконата, за да добавите картина</a:t>
+              <a:rPr lang="en-US" smtClean="0"/>
+              <a:t>Click icon to add picture</a:t>
             </a:r>
             <a:endParaRPr lang="en-US" dirty="0"/>
           </a:p>
@@ -4195,8 +4120,8 @@
         </p:nvSpPr>
         <p:spPr>
           <a:xfrm>
-            <a:off x="857250" y="2834640"/>
-            <a:ext cx="2834640" cy="2880360"/>
+            <a:off x="1143000" y="2834640"/>
+            <a:ext cx="3931920" cy="2880360"/>
           </a:xfrm>
         </p:spPr>
         <p:txBody>
@@ -4209,49 +4134,49 @@
                 <a:spcPct val="100000"/>
               </a:lnSpc>
               <a:spcBef>
-                <a:spcPts val="800"/>
+                <a:spcPts val="1000"/>
               </a:spcBef>
               <a:buNone/>
-              <a:defRPr sz="1275"/>
+              <a:defRPr sz="1700"/>
             </a:lvl1pPr>
-            <a:lvl2pPr marL="342900" indent="0">
+            <a:lvl2pPr marL="457200" indent="0">
+              <a:buNone/>
+              <a:defRPr sz="1200"/>
+            </a:lvl2pPr>
+            <a:lvl3pPr marL="914400" indent="0">
+              <a:buNone/>
+              <a:defRPr sz="1000"/>
+            </a:lvl3pPr>
+            <a:lvl4pPr marL="1371600" indent="0">
               <a:buNone/>
               <a:defRPr sz="900"/>
-            </a:lvl2pPr>
-            <a:lvl3pPr marL="685800" indent="0">
+            </a:lvl4pPr>
+            <a:lvl5pPr marL="1828800" indent="0">
               <a:buNone/>
-              <a:defRPr sz="750"/>
-            </a:lvl3pPr>
-            <a:lvl4pPr marL="1028700" indent="0">
+              <a:defRPr sz="900"/>
+            </a:lvl5pPr>
+            <a:lvl6pPr marL="2286000" indent="0">
               <a:buNone/>
-              <a:defRPr sz="675"/>
-            </a:lvl4pPr>
-            <a:lvl5pPr marL="1371600" indent="0">
+              <a:defRPr sz="900"/>
+            </a:lvl6pPr>
+            <a:lvl7pPr marL="2743200" indent="0">
               <a:buNone/>
-              <a:defRPr sz="675"/>
-            </a:lvl5pPr>
-            <a:lvl6pPr marL="1714500" indent="0">
+              <a:defRPr sz="900"/>
+            </a:lvl7pPr>
+            <a:lvl8pPr marL="3200400" indent="0">
               <a:buNone/>
-              <a:defRPr sz="675"/>
-            </a:lvl6pPr>
-            <a:lvl7pPr marL="2057400" indent="0">
+              <a:defRPr sz="900"/>
+            </a:lvl8pPr>
+            <a:lvl9pPr marL="3657600" indent="0">
               <a:buNone/>
-              <a:defRPr sz="675"/>
-            </a:lvl7pPr>
-            <a:lvl8pPr marL="2400300" indent="0">
-              <a:buNone/>
-              <a:defRPr sz="675"/>
-            </a:lvl8pPr>
-            <a:lvl9pPr marL="2743200" indent="0">
-              <a:buNone/>
-              <a:defRPr sz="675"/>
+              <a:defRPr sz="900"/>
             </a:lvl9pPr>
           </a:lstStyle>
           <a:p>
             <a:pPr lvl="0"/>
             <a:r>
-              <a:rPr lang="bg-BG" smtClean="0"/>
-              <a:t>Щракнете, за да редактирате стиловете на текста в образеца</a:t>
+              <a:rPr lang="en-US" smtClean="0"/>
+              <a:t>Edit Master text styles</a:t>
             </a:r>
           </a:p>
         </p:txBody>
@@ -4326,7 +4251,7 @@
     </p:spTree>
     <p:extLst>
       <p:ext uri="{BB962C8B-B14F-4D97-AF65-F5344CB8AC3E}">
-        <p14:creationId xmlns:p14="http://schemas.microsoft.com/office/powerpoint/2010/main" val="1442795844"/>
+        <p14:creationId xmlns:p14="http://schemas.microsoft.com/office/powerpoint/2010/main" val="2003228125"/>
       </p:ext>
     </p:extLst>
   </p:cSld>
@@ -4364,13 +4289,15 @@
       <p:sp>
         <p:nvSpPr>
           <p:cNvPr id="7" name="Rectangle 6"/>
-          <p:cNvSpPr/>
+          <p:cNvSpPr>
+            <a:spLocks noChangeAspect="1"/>
+          </p:cNvSpPr>
           <p:nvPr/>
         </p:nvSpPr>
         <p:spPr>
           <a:xfrm>
-            <a:off x="182880" y="182880"/>
-            <a:ext cx="8778240" cy="6492240"/>
+            <a:off x="231140" y="243840"/>
+            <a:ext cx="11724640" cy="6377939"/>
           </a:xfrm>
           <a:prstGeom prst="rect">
             <a:avLst/>
@@ -4411,8 +4338,8 @@
         </p:nvSpPr>
         <p:spPr>
           <a:xfrm>
-            <a:off x="857250" y="609600"/>
-            <a:ext cx="7406640" cy="1356360"/>
+            <a:off x="1143000" y="609600"/>
+            <a:ext cx="9875520" cy="1356360"/>
           </a:xfrm>
           <a:prstGeom prst="rect">
             <a:avLst/>
@@ -4425,8 +4352,8 @@
           <a:lstStyle/>
           <a:p>
             <a:r>
-              <a:rPr lang="bg-BG" smtClean="0"/>
-              <a:t>Редакт. стил загл. образец</a:t>
+              <a:rPr lang="en-US" smtClean="0"/>
+              <a:t>Click to edit Master title style</a:t>
             </a:r>
             <a:endParaRPr lang="en-US" dirty="0"/>
           </a:p>
@@ -4444,8 +4371,8 @@
         </p:nvSpPr>
         <p:spPr>
           <a:xfrm>
-            <a:off x="857251" y="2057400"/>
-            <a:ext cx="7404653" cy="4038600"/>
+            <a:off x="1143000" y="2057400"/>
+            <a:ext cx="9872871" cy="4038600"/>
           </a:xfrm>
           <a:prstGeom prst="rect">
             <a:avLst/>
@@ -4459,36 +4386,36 @@
           <a:p>
             <a:pPr lvl="0"/>
             <a:r>
-              <a:rPr lang="bg-BG" smtClean="0"/>
-              <a:t>Щракнете, за да редактирате стиловете на текста в образеца</a:t>
+              <a:rPr lang="en-US" smtClean="0"/>
+              <a:t>Edit Master text styles</a:t>
             </a:r>
           </a:p>
           <a:p>
             <a:pPr lvl="1"/>
             <a:r>
-              <a:rPr lang="bg-BG" smtClean="0"/>
-              <a:t>Второ ниво</a:t>
+              <a:rPr lang="en-US" smtClean="0"/>
+              <a:t>Second level</a:t>
             </a:r>
           </a:p>
           <a:p>
             <a:pPr lvl="2"/>
             <a:r>
-              <a:rPr lang="bg-BG" smtClean="0"/>
-              <a:t>Трето ниво</a:t>
+              <a:rPr lang="en-US" smtClean="0"/>
+              <a:t>Third level</a:t>
             </a:r>
           </a:p>
           <a:p>
             <a:pPr lvl="3"/>
             <a:r>
-              <a:rPr lang="bg-BG" smtClean="0"/>
-              <a:t>Четвърто ниво</a:t>
+              <a:rPr lang="en-US" smtClean="0"/>
+              <a:t>Fourth level</a:t>
             </a:r>
           </a:p>
           <a:p>
             <a:pPr lvl="4"/>
             <a:r>
-              <a:rPr lang="bg-BG" smtClean="0"/>
-              <a:t>Пето ниво</a:t>
+              <a:rPr lang="en-US" smtClean="0"/>
+              <a:t>Fifth level</a:t>
             </a:r>
             <a:endParaRPr lang="en-US" dirty="0"/>
           </a:p>
@@ -4506,8 +4433,8 @@
         </p:nvSpPr>
         <p:spPr>
           <a:xfrm>
-            <a:off x="857247" y="6223829"/>
-            <a:ext cx="1746806" cy="365125"/>
+            <a:off x="1142996" y="6223828"/>
+            <a:ext cx="2329074" cy="365125"/>
           </a:xfrm>
           <a:prstGeom prst="rect">
             <a:avLst/>
@@ -4517,7 +4444,7 @@
           <a:bodyPr vert="horz" lIns="91440" tIns="45720" rIns="91440" bIns="45720" rtlCol="0" anchor="ctr"/>
           <a:lstStyle>
             <a:lvl1pPr algn="l">
-              <a:defRPr sz="1000">
+              <a:defRPr sz="1200">
                 <a:solidFill>
                   <a:schemeClr val="accent1"/>
                 </a:solidFill>
@@ -4546,8 +4473,8 @@
         </p:nvSpPr>
         <p:spPr>
           <a:xfrm>
-            <a:off x="2961861" y="6223829"/>
-            <a:ext cx="3538331" cy="365125"/>
+            <a:off x="3949148" y="6223828"/>
+            <a:ext cx="4717774" cy="365125"/>
           </a:xfrm>
           <a:prstGeom prst="rect">
             <a:avLst/>
@@ -4557,7 +4484,7 @@
           <a:bodyPr vert="horz" lIns="91440" tIns="45720" rIns="91440" bIns="45720" rtlCol="0" anchor="ctr"/>
           <a:lstStyle>
             <a:lvl1pPr algn="ctr">
-              <a:defRPr sz="1000">
+              <a:defRPr sz="1200">
                 <a:solidFill>
                   <a:schemeClr val="accent1"/>
                 </a:solidFill>
@@ -4581,8 +4508,8 @@
         </p:nvSpPr>
         <p:spPr>
           <a:xfrm>
-            <a:off x="6997148" y="6223829"/>
-            <a:ext cx="1279663" cy="365125"/>
+            <a:off x="9329530" y="6223828"/>
+            <a:ext cx="1706217" cy="365125"/>
           </a:xfrm>
           <a:prstGeom prst="rect">
             <a:avLst/>
@@ -4592,7 +4519,7 @@
           <a:bodyPr vert="horz" lIns="91440" tIns="45720" rIns="91440" bIns="45720" rtlCol="0" anchor="ctr"/>
           <a:lstStyle>
             <a:lvl1pPr algn="r">
-              <a:defRPr sz="1000">
+              <a:defRPr sz="1200">
                 <a:solidFill>
                   <a:schemeClr val="accent1"/>
                 </a:solidFill>
@@ -4612,27 +4539,27 @@
     </p:spTree>
     <p:extLst>
       <p:ext uri="{BB962C8B-B14F-4D97-AF65-F5344CB8AC3E}">
-        <p14:creationId xmlns:p14="http://schemas.microsoft.com/office/powerpoint/2010/main" val="2611542019"/>
+        <p14:creationId xmlns:p14="http://schemas.microsoft.com/office/powerpoint/2010/main" val="4260574492"/>
       </p:ext>
     </p:extLst>
   </p:cSld>
   <p:clrMap bg1="lt1" tx1="dk1" bg2="lt2" tx2="dk2" accent1="accent1" accent2="accent2" accent3="accent3" accent4="accent4" accent5="accent5" accent6="accent6" hlink="hlink" folHlink="folHlink"/>
   <p:sldLayoutIdLst>
-    <p:sldLayoutId id="2147483862" r:id="rId1"/>
-    <p:sldLayoutId id="2147483863" r:id="rId2"/>
-    <p:sldLayoutId id="2147483864" r:id="rId3"/>
-    <p:sldLayoutId id="2147483865" r:id="rId4"/>
-    <p:sldLayoutId id="2147483866" r:id="rId5"/>
-    <p:sldLayoutId id="2147483867" r:id="rId6"/>
-    <p:sldLayoutId id="2147483868" r:id="rId7"/>
-    <p:sldLayoutId id="2147483869" r:id="rId8"/>
-    <p:sldLayoutId id="2147483870" r:id="rId9"/>
-    <p:sldLayoutId id="2147483871" r:id="rId10"/>
-    <p:sldLayoutId id="2147483872" r:id="rId11"/>
+    <p:sldLayoutId id="2147483874" r:id="rId1"/>
+    <p:sldLayoutId id="2147483875" r:id="rId2"/>
+    <p:sldLayoutId id="2147483876" r:id="rId3"/>
+    <p:sldLayoutId id="2147483877" r:id="rId4"/>
+    <p:sldLayoutId id="2147483878" r:id="rId5"/>
+    <p:sldLayoutId id="2147483879" r:id="rId6"/>
+    <p:sldLayoutId id="2147483880" r:id="rId7"/>
+    <p:sldLayoutId id="2147483881" r:id="rId8"/>
+    <p:sldLayoutId id="2147483882" r:id="rId9"/>
+    <p:sldLayoutId id="2147483883" r:id="rId10"/>
+    <p:sldLayoutId id="2147483884" r:id="rId11"/>
   </p:sldLayoutIdLst>
   <p:txStyles>
     <p:titleStyle>
-      <a:lvl1pPr algn="l" defTabSz="685800" rtl="0" eaLnBrk="1" latinLnBrk="0" hangingPunct="1">
+      <a:lvl1pPr algn="l" defTabSz="914400" rtl="0" eaLnBrk="1" latinLnBrk="0" hangingPunct="1">
         <a:lnSpc>
           <a:spcPct val="90000"/>
         </a:lnSpc>
@@ -4640,7 +4567,7 @@
           <a:spcPct val="0"/>
         </a:spcBef>
         <a:buNone/>
-        <a:defRPr sz="4000" kern="1200">
+        <a:defRPr sz="4400" kern="1200">
           <a:solidFill>
             <a:schemeClr val="accent1"/>
           </a:solidFill>
@@ -4651,13 +4578,38 @@
       </a:lvl1pPr>
     </p:titleStyle>
     <p:bodyStyle>
-      <a:lvl1pPr marL="171450" indent="-137160" algn="l" defTabSz="685800" rtl="0" eaLnBrk="1" latinLnBrk="0" hangingPunct="1">
+      <a:lvl1pPr marL="228600" indent="-182880" algn="l" defTabSz="914400" rtl="0" eaLnBrk="1" latinLnBrk="0" hangingPunct="1">
         <a:lnSpc>
           <a:spcPct val="90000"/>
         </a:lnSpc>
         <a:spcBef>
-          <a:spcPts val="1000"/>
+          <a:spcPts val="1400"/>
         </a:spcBef>
+        <a:buClr>
+          <a:schemeClr val="accent1"/>
+        </a:buClr>
+        <a:buSzPct val="80000"/>
+        <a:buFont typeface="Corbel" pitchFamily="34" charset="0"/>
+        <a:buChar char="•"/>
+        <a:defRPr sz="2200" kern="1200">
+          <a:solidFill>
+            <a:schemeClr val="accent1"/>
+          </a:solidFill>
+          <a:latin typeface="+mn-lt"/>
+          <a:ea typeface="+mn-ea"/>
+          <a:cs typeface="+mn-cs"/>
+        </a:defRPr>
+      </a:lvl1pPr>
+      <a:lvl2pPr marL="457200" indent="-182880" algn="l" defTabSz="914400" rtl="0" eaLnBrk="1" latinLnBrk="0" hangingPunct="1">
+        <a:lnSpc>
+          <a:spcPct val="90000"/>
+        </a:lnSpc>
+        <a:spcBef>
+          <a:spcPts val="200"/>
+        </a:spcBef>
+        <a:spcAft>
+          <a:spcPts val="400"/>
+        </a:spcAft>
         <a:buClr>
           <a:schemeClr val="accent1"/>
         </a:buClr>
@@ -4672,16 +4624,16 @@
           <a:ea typeface="+mn-ea"/>
           <a:cs typeface="+mn-cs"/>
         </a:defRPr>
-      </a:lvl1pPr>
-      <a:lvl2pPr marL="342900" indent="-137160" algn="l" defTabSz="685800" rtl="0" eaLnBrk="1" latinLnBrk="0" hangingPunct="1">
+      </a:lvl2pPr>
+      <a:lvl3pPr marL="731520" indent="-182880" algn="l" defTabSz="914400" rtl="0" eaLnBrk="1" latinLnBrk="0" hangingPunct="1">
         <a:lnSpc>
           <a:spcPct val="90000"/>
         </a:lnSpc>
         <a:spcBef>
-          <a:spcPts val="150"/>
+          <a:spcPts val="200"/>
         </a:spcBef>
         <a:spcAft>
-          <a:spcPts val="300"/>
+          <a:spcPts val="400"/>
         </a:spcAft>
         <a:buClr>
           <a:schemeClr val="accent1"/>
@@ -4697,16 +4649,16 @@
           <a:ea typeface="+mn-ea"/>
           <a:cs typeface="+mn-cs"/>
         </a:defRPr>
-      </a:lvl2pPr>
-      <a:lvl3pPr marL="548640" indent="-137160" algn="l" defTabSz="685800" rtl="0" eaLnBrk="1" latinLnBrk="0" hangingPunct="1">
+      </a:lvl3pPr>
+      <a:lvl4pPr marL="1005840" indent="-182880" algn="l" defTabSz="914400" rtl="0" eaLnBrk="1" latinLnBrk="0" hangingPunct="1">
         <a:lnSpc>
           <a:spcPct val="90000"/>
         </a:lnSpc>
         <a:spcBef>
-          <a:spcPts val="150"/>
+          <a:spcPts val="200"/>
         </a:spcBef>
         <a:spcAft>
-          <a:spcPts val="300"/>
+          <a:spcPts val="400"/>
         </a:spcAft>
         <a:buClr>
           <a:schemeClr val="accent1"/>
@@ -4722,16 +4674,16 @@
           <a:ea typeface="+mn-ea"/>
           <a:cs typeface="+mn-cs"/>
         </a:defRPr>
-      </a:lvl3pPr>
-      <a:lvl4pPr marL="754380" indent="-137160" algn="l" defTabSz="685800" rtl="0" eaLnBrk="1" latinLnBrk="0" hangingPunct="1">
+      </a:lvl4pPr>
+      <a:lvl5pPr marL="1280160" indent="-182880" algn="l" defTabSz="914400" rtl="0" eaLnBrk="1" latinLnBrk="0" hangingPunct="1">
         <a:lnSpc>
           <a:spcPct val="90000"/>
         </a:lnSpc>
         <a:spcBef>
-          <a:spcPts val="150"/>
+          <a:spcPts val="200"/>
         </a:spcBef>
         <a:spcAft>
-          <a:spcPts val="300"/>
+          <a:spcPts val="400"/>
         </a:spcAft>
         <a:buClr>
           <a:schemeClr val="accent1"/>
@@ -4739,32 +4691,7 @@
         <a:buSzPct val="80000"/>
         <a:buFont typeface="Corbel" pitchFamily="34" charset="0"/>
         <a:buChar char="•"/>
-        <a:defRPr sz="1400" kern="1200">
-          <a:solidFill>
-            <a:schemeClr val="accent1"/>
-          </a:solidFill>
-          <a:latin typeface="+mn-lt"/>
-          <a:ea typeface="+mn-ea"/>
-          <a:cs typeface="+mn-cs"/>
-        </a:defRPr>
-      </a:lvl4pPr>
-      <a:lvl5pPr marL="920120" indent="-137160" algn="l" defTabSz="685800" rtl="0" eaLnBrk="1" latinLnBrk="0" hangingPunct="1">
-        <a:lnSpc>
-          <a:spcPct val="90000"/>
-        </a:lnSpc>
-        <a:spcBef>
-          <a:spcPts val="150"/>
-        </a:spcBef>
-        <a:spcAft>
-          <a:spcPts val="300"/>
-        </a:spcAft>
-        <a:buClr>
-          <a:schemeClr val="accent1"/>
-        </a:buClr>
-        <a:buSzPct val="80000"/>
-        <a:buFont typeface="Corbel" pitchFamily="34" charset="0"/>
-        <a:buChar char="•"/>
-        <a:defRPr sz="1400" kern="1200">
+        <a:defRPr sz="1600" kern="1200">
           <a:solidFill>
             <a:schemeClr val="accent1"/>
           </a:solidFill>
@@ -4773,15 +4700,15 @@
           <a:cs typeface="+mn-cs"/>
         </a:defRPr>
       </a:lvl5pPr>
-      <a:lvl6pPr marL="1100000" indent="-171450" algn="l" defTabSz="685800" rtl="0" eaLnBrk="1" latinLnBrk="0" hangingPunct="1">
+      <a:lvl6pPr marL="1600000" indent="-228600" algn="l" defTabSz="914400" rtl="0" eaLnBrk="1" latinLnBrk="0" hangingPunct="1">
         <a:lnSpc>
           <a:spcPct val="90000"/>
         </a:lnSpc>
         <a:spcBef>
-          <a:spcPts val="150"/>
+          <a:spcPts val="200"/>
         </a:spcBef>
         <a:spcAft>
-          <a:spcPts val="300"/>
+          <a:spcPts val="400"/>
         </a:spcAft>
         <a:buClr>
           <a:schemeClr val="accent1"/>
@@ -4789,7 +4716,7 @@
         <a:buSzPct val="80000"/>
         <a:buFont typeface="Corbel" pitchFamily="34" charset="0"/>
         <a:buChar char="•"/>
-        <a:defRPr sz="1400" kern="1200">
+        <a:defRPr sz="1600" kern="1200">
           <a:solidFill>
             <a:schemeClr val="accent1"/>
           </a:solidFill>
@@ -4798,15 +4725,15 @@
           <a:cs typeface="+mn-cs"/>
         </a:defRPr>
       </a:lvl6pPr>
-      <a:lvl7pPr marL="1300000" indent="-171450" algn="l" defTabSz="685800" rtl="0" eaLnBrk="1" latinLnBrk="0" hangingPunct="1">
+      <a:lvl7pPr marL="1900000" indent="-228600" algn="l" defTabSz="914400" rtl="0" eaLnBrk="1" latinLnBrk="0" hangingPunct="1">
         <a:lnSpc>
           <a:spcPct val="90000"/>
         </a:lnSpc>
         <a:spcBef>
-          <a:spcPts val="150"/>
+          <a:spcPts val="200"/>
         </a:spcBef>
         <a:spcAft>
-          <a:spcPts val="300"/>
+          <a:spcPts val="400"/>
         </a:spcAft>
         <a:buClr>
           <a:schemeClr val="accent1"/>
@@ -4814,7 +4741,7 @@
         <a:buSzPct val="80000"/>
         <a:buFont typeface="Corbel" pitchFamily="34" charset="0"/>
         <a:buChar char="•"/>
-        <a:defRPr sz="1400" kern="1200">
+        <a:defRPr sz="1600" kern="1200">
           <a:solidFill>
             <a:schemeClr val="accent1"/>
           </a:solidFill>
@@ -4823,15 +4750,15 @@
           <a:cs typeface="+mn-cs"/>
         </a:defRPr>
       </a:lvl7pPr>
-      <a:lvl8pPr marL="1500000" indent="-171450" algn="l" defTabSz="685800" rtl="0" eaLnBrk="1" latinLnBrk="0" hangingPunct="1">
+      <a:lvl8pPr marL="2200000" indent="-228600" algn="l" defTabSz="914400" rtl="0" eaLnBrk="1" latinLnBrk="0" hangingPunct="1">
         <a:lnSpc>
           <a:spcPct val="90000"/>
         </a:lnSpc>
         <a:spcBef>
-          <a:spcPts val="150"/>
+          <a:spcPts val="200"/>
         </a:spcBef>
         <a:spcAft>
-          <a:spcPts val="300"/>
+          <a:spcPts val="400"/>
         </a:spcAft>
         <a:buClr>
           <a:schemeClr val="accent1"/>
@@ -4839,7 +4766,7 @@
         <a:buSzPct val="80000"/>
         <a:buFont typeface="Corbel" pitchFamily="34" charset="0"/>
         <a:buChar char="•"/>
-        <a:defRPr sz="1400" kern="1200">
+        <a:defRPr sz="1600" kern="1200">
           <a:solidFill>
             <a:schemeClr val="accent1"/>
           </a:solidFill>
@@ -4848,15 +4775,15 @@
           <a:cs typeface="+mn-cs"/>
         </a:defRPr>
       </a:lvl8pPr>
-      <a:lvl9pPr marL="1700000" indent="-171450" algn="l" defTabSz="685800" rtl="0" eaLnBrk="1" latinLnBrk="0" hangingPunct="1">
+      <a:lvl9pPr marL="2500000" indent="-228600" algn="l" defTabSz="914400" rtl="0" eaLnBrk="1" latinLnBrk="0" hangingPunct="1">
         <a:lnSpc>
           <a:spcPct val="90000"/>
         </a:lnSpc>
         <a:spcBef>
-          <a:spcPts val="150"/>
+          <a:spcPts val="200"/>
         </a:spcBef>
         <a:spcAft>
-          <a:spcPts val="300"/>
+          <a:spcPts val="400"/>
         </a:spcAft>
         <a:buClr>
           <a:schemeClr val="accent1"/>
@@ -4864,7 +4791,7 @@
         <a:buSzPct val="80000"/>
         <a:buFont typeface="Corbel" pitchFamily="34" charset="0"/>
         <a:buChar char="•"/>
-        <a:defRPr sz="1400" kern="1200">
+        <a:defRPr sz="1600" kern="1200">
           <a:solidFill>
             <a:schemeClr val="accent1"/>
           </a:solidFill>
@@ -4878,8 +4805,8 @@
       <a:defPPr>
         <a:defRPr lang="en-US"/>
       </a:defPPr>
-      <a:lvl1pPr marL="0" algn="l" defTabSz="685800" rtl="0" eaLnBrk="1" latinLnBrk="0" hangingPunct="1">
-        <a:defRPr sz="1350" kern="1200">
+      <a:lvl1pPr marL="0" algn="l" defTabSz="914400" rtl="0" eaLnBrk="1" latinLnBrk="0" hangingPunct="1">
+        <a:defRPr sz="1800" kern="1200">
           <a:solidFill>
             <a:schemeClr val="tx1"/>
           </a:solidFill>
@@ -4888,8 +4815,8 @@
           <a:cs typeface="+mn-cs"/>
         </a:defRPr>
       </a:lvl1pPr>
-      <a:lvl2pPr marL="342900" algn="l" defTabSz="685800" rtl="0" eaLnBrk="1" latinLnBrk="0" hangingPunct="1">
-        <a:defRPr sz="1350" kern="1200">
+      <a:lvl2pPr marL="457200" algn="l" defTabSz="914400" rtl="0" eaLnBrk="1" latinLnBrk="0" hangingPunct="1">
+        <a:defRPr sz="1800" kern="1200">
           <a:solidFill>
             <a:schemeClr val="tx1"/>
           </a:solidFill>
@@ -4898,8 +4825,8 @@
           <a:cs typeface="+mn-cs"/>
         </a:defRPr>
       </a:lvl2pPr>
-      <a:lvl3pPr marL="685800" algn="l" defTabSz="685800" rtl="0" eaLnBrk="1" latinLnBrk="0" hangingPunct="1">
-        <a:defRPr sz="1350" kern="1200">
+      <a:lvl3pPr marL="914400" algn="l" defTabSz="914400" rtl="0" eaLnBrk="1" latinLnBrk="0" hangingPunct="1">
+        <a:defRPr sz="1800" kern="1200">
           <a:solidFill>
             <a:schemeClr val="tx1"/>
           </a:solidFill>
@@ -4908,8 +4835,8 @@
           <a:cs typeface="+mn-cs"/>
         </a:defRPr>
       </a:lvl3pPr>
-      <a:lvl4pPr marL="1028700" algn="l" defTabSz="685800" rtl="0" eaLnBrk="1" latinLnBrk="0" hangingPunct="1">
-        <a:defRPr sz="1350" kern="1200">
+      <a:lvl4pPr marL="1371600" algn="l" defTabSz="914400" rtl="0" eaLnBrk="1" latinLnBrk="0" hangingPunct="1">
+        <a:defRPr sz="1800" kern="1200">
           <a:solidFill>
             <a:schemeClr val="tx1"/>
           </a:solidFill>
@@ -4918,8 +4845,8 @@
           <a:cs typeface="+mn-cs"/>
         </a:defRPr>
       </a:lvl4pPr>
-      <a:lvl5pPr marL="1371600" algn="l" defTabSz="685800" rtl="0" eaLnBrk="1" latinLnBrk="0" hangingPunct="1">
-        <a:defRPr sz="1350" kern="1200">
+      <a:lvl5pPr marL="1828800" algn="l" defTabSz="914400" rtl="0" eaLnBrk="1" latinLnBrk="0" hangingPunct="1">
+        <a:defRPr sz="1800" kern="1200">
           <a:solidFill>
             <a:schemeClr val="tx1"/>
           </a:solidFill>
@@ -4928,8 +4855,8 @@
           <a:cs typeface="+mn-cs"/>
         </a:defRPr>
       </a:lvl5pPr>
-      <a:lvl6pPr marL="1714500" algn="l" defTabSz="685800" rtl="0" eaLnBrk="1" latinLnBrk="0" hangingPunct="1">
-        <a:defRPr sz="1350" kern="1200">
+      <a:lvl6pPr marL="2286000" algn="l" defTabSz="914400" rtl="0" eaLnBrk="1" latinLnBrk="0" hangingPunct="1">
+        <a:defRPr sz="1800" kern="1200">
           <a:solidFill>
             <a:schemeClr val="tx1"/>
           </a:solidFill>
@@ -4938,8 +4865,8 @@
           <a:cs typeface="+mn-cs"/>
         </a:defRPr>
       </a:lvl6pPr>
-      <a:lvl7pPr marL="2057400" algn="l" defTabSz="685800" rtl="0" eaLnBrk="1" latinLnBrk="0" hangingPunct="1">
-        <a:defRPr sz="1350" kern="1200">
+      <a:lvl7pPr marL="2743200" algn="l" defTabSz="914400" rtl="0" eaLnBrk="1" latinLnBrk="0" hangingPunct="1">
+        <a:defRPr sz="1800" kern="1200">
           <a:solidFill>
             <a:schemeClr val="tx1"/>
           </a:solidFill>
@@ -4948,8 +4875,8 @@
           <a:cs typeface="+mn-cs"/>
         </a:defRPr>
       </a:lvl7pPr>
-      <a:lvl8pPr marL="2400300" algn="l" defTabSz="685800" rtl="0" eaLnBrk="1" latinLnBrk="0" hangingPunct="1">
-        <a:defRPr sz="1350" kern="1200">
+      <a:lvl8pPr marL="3200400" algn="l" defTabSz="914400" rtl="0" eaLnBrk="1" latinLnBrk="0" hangingPunct="1">
+        <a:defRPr sz="1800" kern="1200">
           <a:solidFill>
             <a:schemeClr val="tx1"/>
           </a:solidFill>
@@ -4958,8 +4885,8 @@
           <a:cs typeface="+mn-cs"/>
         </a:defRPr>
       </a:lvl8pPr>
-      <a:lvl9pPr marL="2743200" algn="l" defTabSz="685800" rtl="0" eaLnBrk="1" latinLnBrk="0" hangingPunct="1">
-        <a:defRPr sz="1350" kern="1200">
+      <a:lvl9pPr marL="3657600" algn="l" defTabSz="914400" rtl="0" eaLnBrk="1" latinLnBrk="0" hangingPunct="1">
+        <a:defRPr sz="1800" kern="1200">
           <a:solidFill>
             <a:schemeClr val="tx1"/>
           </a:solidFill>
@@ -5002,7 +4929,7 @@
         </p:nvSpPr>
         <p:spPr>
           <a:xfrm>
-            <a:off x="1371600" y="2743200"/>
+            <a:off x="2895601" y="2743201"/>
             <a:ext cx="6154713" cy="1066801"/>
           </a:xfrm>
         </p:spPr>
@@ -5013,7 +4940,7 @@
           <a:lstStyle/>
           <a:p>
             <a:r>
-              <a:rPr lang="bg-BG" sz="3200" dirty="0" smtClean="0">
+              <a:rPr lang="bg-BG" sz="3200" dirty="0">
                 <a:solidFill>
                   <a:schemeClr val="bg1"/>
                 </a:solidFill>
@@ -5021,7 +4948,7 @@
               <a:t>Тема:</a:t>
             </a:r>
             <a:r>
-              <a:rPr lang="en-AU" sz="3200" dirty="0" smtClean="0">
+              <a:rPr lang="en-AU" sz="3200" dirty="0">
                 <a:solidFill>
                   <a:schemeClr val="bg1"/>
                 </a:solidFill>
@@ -5029,14 +4956,14 @@
               <a:t/>
             </a:r>
             <a:br>
-              <a:rPr lang="en-AU" sz="3200" dirty="0" smtClean="0">
+              <a:rPr lang="en-AU" sz="3200" dirty="0">
                 <a:solidFill>
                   <a:schemeClr val="bg1"/>
                 </a:solidFill>
               </a:rPr>
             </a:br>
             <a:r>
-              <a:rPr lang="bg-BG" sz="3200" dirty="0" smtClean="0">
+              <a:rPr lang="bg-BG" sz="3200" dirty="0">
                 <a:solidFill>
                   <a:schemeClr val="bg1"/>
                 </a:solidFill>
@@ -5044,7 +4971,7 @@
               <a:t>“ </a:t>
             </a:r>
             <a:r>
-              <a:rPr lang="ru-RU" sz="3200" dirty="0" smtClean="0">
+              <a:rPr lang="ru-RU" sz="3200" dirty="0">
                 <a:solidFill>
                   <a:schemeClr val="bg1"/>
                 </a:solidFill>
@@ -5060,7 +4987,7 @@
               <a:t>на REST API от страна на </a:t>
             </a:r>
             <a:r>
-              <a:rPr lang="ru-RU" sz="3200" dirty="0" smtClean="0">
+              <a:rPr lang="ru-RU" sz="3200" dirty="0">
                 <a:solidFill>
                   <a:schemeClr val="bg1"/>
                 </a:solidFill>
@@ -5068,7 +4995,7 @@
               <a:t>клиента</a:t>
             </a:r>
             <a:r>
-              <a:rPr lang="en-AU" sz="3200" dirty="0" smtClean="0">
+              <a:rPr lang="en-AU" sz="3200" dirty="0">
                 <a:solidFill>
                   <a:schemeClr val="bg1"/>
                 </a:solidFill>
@@ -5095,7 +5022,7 @@
         </p:nvSpPr>
         <p:spPr>
           <a:xfrm>
-            <a:off x="6324600" y="5410200"/>
+            <a:off x="7848600" y="5410200"/>
             <a:ext cx="2819400" cy="1371600"/>
           </a:xfrm>
         </p:spPr>
@@ -5137,7 +5064,7 @@
         </p:nvSpPr>
         <p:spPr>
           <a:xfrm>
-            <a:off x="1066800" y="340008"/>
+            <a:off x="2590800" y="340009"/>
             <a:ext cx="7772400" cy="1323439"/>
           </a:xfrm>
           <a:prstGeom prst="rect">
@@ -5153,7 +5080,7 @@
           <a:p>
             <a:pPr algn="ctr"/>
             <a:r>
-              <a:rPr lang="ru-RU" sz="1600" dirty="0" smtClean="0">
+              <a:rPr lang="ru-RU" sz="1600" dirty="0">
                 <a:solidFill>
                   <a:schemeClr val="bg1"/>
                 </a:solidFill>
@@ -5261,7 +5188,7 @@
         </p:blipFill>
         <p:spPr>
           <a:xfrm>
-            <a:off x="228600" y="304800"/>
+            <a:off x="1752600" y="304800"/>
             <a:ext cx="838200" cy="1109568"/>
           </a:xfrm>
           <a:prstGeom prst="rect">
@@ -5326,7 +5253,7 @@
         </p:nvSpPr>
         <p:spPr>
           <a:xfrm>
-            <a:off x="914400" y="2057400"/>
+            <a:off x="2438400" y="2057400"/>
             <a:ext cx="7406640" cy="1356360"/>
           </a:xfrm>
         </p:spPr>
@@ -5396,7 +5323,7 @@
         </p:blipFill>
         <p:spPr>
           <a:xfrm>
-            <a:off x="304800" y="1066800"/>
+            <a:off x="1828801" y="1066800"/>
             <a:ext cx="8505843" cy="4448556"/>
           </a:xfrm>
           <a:prstGeom prst="rect">
@@ -5441,24 +5368,63 @@
           <a:chExt cx="0" cy="0"/>
         </a:xfrm>
       </p:grpSpPr>
+      <p:sp>
+        <p:nvSpPr>
+          <p:cNvPr id="3" name="Content Placeholder 2"/>
+          <p:cNvSpPr>
+            <a:spLocks noGrp="1"/>
+          </p:cNvSpPr>
+          <p:nvPr>
+            <p:ph idx="1"/>
+          </p:nvPr>
+        </p:nvSpPr>
+        <p:spPr>
+          <a:xfrm>
+            <a:off x="3086100" y="5105400"/>
+            <a:ext cx="6019800" cy="838200"/>
+          </a:xfrm>
+        </p:spPr>
+        <p:txBody>
+          <a:bodyPr/>
+          <a:lstStyle/>
+          <a:p>
+            <a:pPr marL="45720" indent="0">
+              <a:buNone/>
+            </a:pPr>
+            <a:r>
+              <a:rPr lang="bg-BG" dirty="0"/>
+              <a:t>В</a:t>
+            </a:r>
+            <a:r>
+              <a:rPr lang="ru-RU" dirty="0" smtClean="0"/>
+              <a:t>ръзката </a:t>
+            </a:r>
+            <a:r>
+              <a:rPr lang="ru-RU" dirty="0"/>
+              <a:t>между клиента и външния REST API. </a:t>
+            </a:r>
+            <a:endParaRPr lang="bg-BG" dirty="0"/>
+          </a:p>
+        </p:txBody>
+      </p:sp>
       <p:pic>
         <p:nvPicPr>
-          <p:cNvPr id="4" name="Картина 3"/>
+          <p:cNvPr id="4" name="Picture 3"/>
           <p:cNvPicPr>
             <a:picLocks noChangeAspect="1"/>
           </p:cNvPicPr>
           <p:nvPr/>
         </p:nvPicPr>
         <p:blipFill>
-          <a:blip r:embed="rId3"/>
+          <a:blip r:embed="rId2"/>
           <a:stretch>
             <a:fillRect/>
           </a:stretch>
         </p:blipFill>
         <p:spPr>
           <a:xfrm>
-            <a:off x="304800" y="1905000"/>
-            <a:ext cx="8229600" cy="2939143"/>
+            <a:off x="1600200" y="1437866"/>
+            <a:ext cx="8991599" cy="3210334"/>
           </a:xfrm>
           <a:prstGeom prst="rect">
             <a:avLst/>
@@ -5468,20 +5434,13 @@
     </p:spTree>
     <p:extLst>
       <p:ext uri="{BB962C8B-B14F-4D97-AF65-F5344CB8AC3E}">
-        <p14:creationId xmlns:p14="http://schemas.microsoft.com/office/powerpoint/2010/main" val="1071294908"/>
+        <p14:creationId xmlns:p14="http://schemas.microsoft.com/office/powerpoint/2010/main" val="889758423"/>
       </p:ext>
     </p:extLst>
   </p:cSld>
   <p:clrMapOvr>
     <a:masterClrMapping/>
   </p:clrMapOvr>
-  <p:timing>
-    <p:tnLst>
-      <p:par>
-        <p:cTn id="1" dur="indefinite" restart="never" nodeType="tmRoot"/>
-      </p:par>
-    </p:tnLst>
-  </p:timing>
 </p:sld>
 </file>
 
@@ -5514,13 +5473,13 @@
         </p:nvPicPr>
         <p:blipFill rotWithShape="1">
           <a:blip r:embed="rId3"/>
-          <a:srcRect l="-12593" r="12593" b="4478"/>
+          <a:srcRect l="24563" t="3639" r="9423" b="36319"/>
           <a:stretch/>
         </p:blipFill>
         <p:spPr>
           <a:xfrm>
-            <a:off x="-990600" y="685800"/>
-            <a:ext cx="9882716" cy="5310117"/>
+            <a:off x="138544" y="381000"/>
+            <a:ext cx="11914911" cy="6096000"/>
           </a:xfrm>
           <a:prstGeom prst="rect">
             <a:avLst/>
@@ -5582,7 +5541,7 @@
         </p:blipFill>
         <p:spPr>
           <a:xfrm>
-            <a:off x="76200" y="762000"/>
+            <a:off x="1600200" y="762000"/>
             <a:ext cx="8928000" cy="5022000"/>
           </a:xfrm>
           <a:prstGeom prst="rect">
@@ -5643,7 +5602,7 @@
         </p:blipFill>
         <p:spPr>
           <a:xfrm>
-            <a:off x="304800" y="1066800"/>
+            <a:off x="1828801" y="1066800"/>
             <a:ext cx="8403747" cy="4419600"/>
           </a:xfrm>
           <a:prstGeom prst="rect">
@@ -5661,6 +5620,13 @@
   <p:clrMapOvr>
     <a:masterClrMapping/>
   </p:clrMapOvr>
+  <p:timing>
+    <p:tnLst>
+      <p:par>
+        <p:cTn id="1" dur="indefinite" restart="never" nodeType="tmRoot"/>
+      </p:par>
+    </p:tnLst>
+  </p:timing>
 </p:sld>
 </file>
 
@@ -5697,7 +5663,7 @@
         </p:blipFill>
         <p:spPr>
           <a:xfrm>
-            <a:off x="1524000" y="2209800"/>
+            <a:off x="3048001" y="2209801"/>
             <a:ext cx="5380797" cy="2028825"/>
           </a:xfrm>
           <a:prstGeom prst="rect">
@@ -5758,7 +5724,7 @@
         </p:blipFill>
         <p:spPr>
           <a:xfrm>
-            <a:off x="914400" y="1295400"/>
+            <a:off x="2438401" y="1295400"/>
             <a:ext cx="7391399" cy="3695700"/>
           </a:xfrm>
           <a:prstGeom prst="rect">
@@ -5776,6 +5742,13 @@
   <p:clrMapOvr>
     <a:masterClrMapping/>
   </p:clrMapOvr>
+  <p:timing>
+    <p:tnLst>
+      <p:par>
+        <p:cTn id="1" dur="indefinite" restart="never" nodeType="tmRoot"/>
+      </p:par>
+    </p:tnLst>
+  </p:timing>
 </p:sld>
 </file>
 
@@ -5812,7 +5785,7 @@
         </p:blipFill>
         <p:spPr>
           <a:xfrm>
-            <a:off x="109341" y="917230"/>
+            <a:off x="1633341" y="917231"/>
             <a:ext cx="8925318" cy="5023539"/>
           </a:xfrm>
           <a:prstGeom prst="rect">
@@ -5830,13 +5803,20 @@
   <p:clrMapOvr>
     <a:masterClrMapping/>
   </p:clrMapOvr>
+  <p:timing>
+    <p:tnLst>
+      <p:par>
+        <p:cTn id="1" dur="indefinite" restart="never" nodeType="tmRoot"/>
+      </p:par>
+    </p:tnLst>
+  </p:timing>
 </p:sld>
 </file>
 
 <file path=ppt/theme/theme1.xml><?xml version="1.0" encoding="utf-8"?>
-<a:theme xmlns:a="http://schemas.openxmlformats.org/drawingml/2006/main" name="База">
+<a:theme xmlns:a="http://schemas.openxmlformats.org/drawingml/2006/main" name="Basis">
   <a:themeElements>
-    <a:clrScheme name="База">
+    <a:clrScheme name="Basis">
       <a:dk1>
         <a:sysClr val="windowText" lastClr="000000"/>
       </a:dk1>
@@ -5874,7 +5854,7 @@
         <a:srgbClr val="B26B02"/>
       </a:folHlink>
     </a:clrScheme>
-    <a:fontScheme name="База">
+    <a:fontScheme name="Basis">
       <a:majorFont>
         <a:latin typeface="Corbel" panose="020B0503020204020204"/>
         <a:ea typeface=""/>
@@ -5946,7 +5926,7 @@
         <a:font script="Geor" typeface="Sylfaen"/>
       </a:minorFont>
     </a:fontScheme>
-    <a:fmtScheme name="База">
+    <a:fmtScheme name="Basis">
       <a:fillStyleLst>
         <a:solidFill>
           <a:schemeClr val="phClr"/>

--- a/dr/Защита- дипломен проект.pptx
+++ b/dr/Защита- дипломен проект.pptx
@@ -135,6 +135,18 @@
 </p:presentation>
 </file>
 
+<file path=ppt/commentAuthors.xml><?xml version="1.0" encoding="utf-8"?>
+<p:cmAuthorLst xmlns:a="http://schemas.openxmlformats.org/drawingml/2006/main" xmlns:r="http://schemas.openxmlformats.org/officeDocument/2006/relationships" xmlns:p="http://schemas.openxmlformats.org/presentationml/2006/main">
+  <p:cmAuthor id="1" name="Admin" initials="A" lastIdx="1" clrIdx="0">
+    <p:extLst>
+      <p:ext uri="{19B8F6BF-5375-455C-9EA6-DF929625EA0E}">
+        <p15:presenceInfo xmlns:p15="http://schemas.microsoft.com/office/powerpoint/2012/main" userId="Admin" providerId="None"/>
+      </p:ext>
+    </p:extLst>
+  </p:cmAuthor>
+</p:cmAuthorLst>
+</file>
+
 <file path=ppt/notesMasters/notesMaster1.xml><?xml version="1.0" encoding="utf-8"?>
 <p:notesMaster xmlns:a="http://schemas.openxmlformats.org/drawingml/2006/main" xmlns:r="http://schemas.openxmlformats.org/officeDocument/2006/relationships" xmlns:p="http://schemas.openxmlformats.org/presentationml/2006/main">
   <p:cSld>
@@ -217,7 +229,7 @@
           <a:p>
             <a:fld id="{51B6C609-93FD-47BB-A870-51E213CD9463}" type="datetimeFigureOut">
               <a:rPr lang="bg-BG" smtClean="0"/>
-              <a:t>13.5.2025 г.</a:t>
+              <a:t>14.5.2025 г.</a:t>
             </a:fld>
             <a:endParaRPr lang="bg-BG"/>
           </a:p>
@@ -865,6 +877,18 @@
             </a:endParaRPr>
           </a:p>
           <a:p>
+            <a:r>
+              <a:rPr lang="ru-RU" dirty="0" smtClean="0"/>
+              <a:t>REST API (</a:t>
+            </a:r>
+            <a:r>
+              <a:rPr lang="en-US" dirty="0" smtClean="0"/>
+              <a:t>Representational State Transfer Application Programming Interface</a:t>
+            </a:r>
+            <a:r>
+              <a:rPr lang="ru-RU" dirty="0" smtClean="0"/>
+              <a:t>) е интерфейс за програмиране на приложения, който следва принципите на архитектурния стил REST. REST определя как софтуерните системи трябва да комуникират помежду си, използвайки HTTP протокола. Той предоставя един прост, последователен начин за достъп до данни и функционалност. </a:t>
+            </a:r>
             <a:endParaRPr lang="bg-BG" dirty="0"/>
           </a:p>
         </p:txBody>
@@ -1125,7 +1149,55 @@
                 <a:ea typeface="Aptos"/>
                 <a:cs typeface="Times New Roman" panose="02020603050405020304" pitchFamily="18" charset="0"/>
               </a:rPr>
-              <a:t>След като backend-ът беше готов и можеше успешно да препраща заявки към външния REST API, се заех с изграждането на потребителския интерфейс. За целта създадох HTML шаблон (info_main.txt), в който дефинирах основната структура на приложението. В този шаблон включих всички необходими елементи за визуализация на разписанието, както и специални контейнери за анимирания часовник, който беше част от изискванията за динамичен интерфейс</a:t>
+              <a:t>След като backend-ът беше готов и можеше успешно да препраща заявки към външния REST API, се заех с изграждането на потребителския интерфейс. За целта създадох HTML шаблон (</a:t>
+            </a:r>
+            <a:r>
+              <a:rPr lang="bg-BG" sz="1200" kern="100" dirty="0" smtClean="0">
+                <a:solidFill>
+                  <a:srgbClr val="000000"/>
+                </a:solidFill>
+                <a:effectLst/>
+                <a:latin typeface="Times New Roman" panose="02020603050405020304" pitchFamily="18" charset="0"/>
+                <a:ea typeface="Aptos"/>
+                <a:cs typeface="Times New Roman" panose="02020603050405020304" pitchFamily="18" charset="0"/>
+              </a:rPr>
+              <a:t>info_main.</a:t>
+            </a:r>
+            <a:r>
+              <a:rPr lang="en-US" sz="1200" kern="100" dirty="0" smtClean="0">
+                <a:solidFill>
+                  <a:srgbClr val="000000"/>
+                </a:solidFill>
+                <a:effectLst/>
+                <a:latin typeface="Times New Roman" panose="02020603050405020304" pitchFamily="18" charset="0"/>
+                <a:ea typeface="Aptos"/>
+                <a:cs typeface="Times New Roman" panose="02020603050405020304" pitchFamily="18" charset="0"/>
+              </a:rPr>
+              <a:t>html</a:t>
+            </a:r>
+            <a:r>
+              <a:rPr lang="bg-BG" sz="1200" kern="100" dirty="0" smtClean="0">
+                <a:solidFill>
+                  <a:srgbClr val="000000"/>
+                </a:solidFill>
+                <a:effectLst/>
+                <a:latin typeface="Times New Roman" panose="02020603050405020304" pitchFamily="18" charset="0"/>
+                <a:ea typeface="Aptos"/>
+                <a:cs typeface="Times New Roman" panose="02020603050405020304" pitchFamily="18" charset="0"/>
+              </a:rPr>
+              <a:t>), </a:t>
+            </a:r>
+            <a:r>
+              <a:rPr lang="bg-BG" sz="1200" kern="100" dirty="0" smtClean="0">
+                <a:solidFill>
+                  <a:srgbClr val="000000"/>
+                </a:solidFill>
+                <a:effectLst/>
+                <a:latin typeface="Times New Roman" panose="02020603050405020304" pitchFamily="18" charset="0"/>
+                <a:ea typeface="Aptos"/>
+                <a:cs typeface="Times New Roman" panose="02020603050405020304" pitchFamily="18" charset="0"/>
+              </a:rPr>
+              <a:t>в който дефинирах основната структура на приложението. В този шаблон включих всички необходими елементи за визуализация на разписанието, както и специални контейнери за анимирания часовник, който беше част от изискванията за динамичен интерфейс</a:t>
             </a:r>
             <a:r>
               <a:rPr lang="bg-BG" sz="1100" kern="100" dirty="0" smtClean="0">
@@ -1551,7 +1623,151 @@
                 <a:latin typeface="Times New Roman" panose="02020603050405020304" pitchFamily="18" charset="0"/>
                 <a:ea typeface="Aptos"/>
               </a:rPr>
-              <a:t>Разработването на фронтенд приложение с JavaScript, заедно с технологии като JSON и AJAX, показа как можем да извлечем данни по асинхронен начин и да актуализираме потребителския интерфейс без необходимост от презареждане на страницата. Този подход увеличава динамиката и интерактивността на приложенията.</a:t>
+              <a:t>Разработването на фронтенд приложение с </a:t>
+            </a:r>
+            <a:r>
+              <a:rPr lang="bg-BG" sz="1200" dirty="0" smtClean="0">
+                <a:solidFill>
+                  <a:srgbClr val="000000"/>
+                </a:solidFill>
+                <a:effectLst/>
+                <a:latin typeface="Times New Roman" panose="02020603050405020304" pitchFamily="18" charset="0"/>
+                <a:ea typeface="Aptos"/>
+              </a:rPr>
+              <a:t>JavaScript</a:t>
+            </a:r>
+            <a:r>
+              <a:rPr lang="en-US" sz="1200" dirty="0" smtClean="0">
+                <a:solidFill>
+                  <a:srgbClr val="000000"/>
+                </a:solidFill>
+                <a:effectLst/>
+                <a:latin typeface="Times New Roman" panose="02020603050405020304" pitchFamily="18" charset="0"/>
+                <a:ea typeface="Aptos"/>
+              </a:rPr>
+              <a:t>(</a:t>
+            </a:r>
+            <a:r>
+              <a:rPr lang="bg-BG" sz="1200" dirty="0" smtClean="0">
+                <a:solidFill>
+                  <a:srgbClr val="000000"/>
+                </a:solidFill>
+                <a:effectLst/>
+                <a:latin typeface="Times New Roman" panose="02020603050405020304" pitchFamily="18" charset="0"/>
+                <a:ea typeface="Aptos"/>
+              </a:rPr>
+              <a:t>език</a:t>
+            </a:r>
+            <a:r>
+              <a:rPr lang="bg-BG" sz="1200" baseline="0" dirty="0" smtClean="0">
+                <a:solidFill>
+                  <a:srgbClr val="000000"/>
+                </a:solidFill>
+                <a:effectLst/>
+                <a:latin typeface="Times New Roman" panose="02020603050405020304" pitchFamily="18" charset="0"/>
+                <a:ea typeface="Aptos"/>
+              </a:rPr>
+              <a:t> за програмиране</a:t>
+            </a:r>
+            <a:r>
+              <a:rPr lang="ru-RU" sz="1200" baseline="0" dirty="0" smtClean="0">
+                <a:solidFill>
+                  <a:srgbClr val="000000"/>
+                </a:solidFill>
+                <a:effectLst/>
+                <a:latin typeface="Times New Roman" panose="02020603050405020304" pitchFamily="18" charset="0"/>
+                <a:ea typeface="Aptos"/>
+              </a:rPr>
+              <a:t>)</a:t>
+            </a:r>
+            <a:r>
+              <a:rPr lang="bg-BG" sz="1200" dirty="0" smtClean="0">
+                <a:solidFill>
+                  <a:srgbClr val="000000"/>
+                </a:solidFill>
+                <a:effectLst/>
+                <a:latin typeface="Times New Roman" panose="02020603050405020304" pitchFamily="18" charset="0"/>
+                <a:ea typeface="Aptos"/>
+              </a:rPr>
+              <a:t>, </a:t>
+            </a:r>
+            <a:r>
+              <a:rPr lang="bg-BG" sz="1200" dirty="0" smtClean="0">
+                <a:solidFill>
+                  <a:srgbClr val="000000"/>
+                </a:solidFill>
+                <a:effectLst/>
+                <a:latin typeface="Times New Roman" panose="02020603050405020304" pitchFamily="18" charset="0"/>
+                <a:ea typeface="Aptos"/>
+              </a:rPr>
+              <a:t>заедно с технологии като JSON и AJAX, показа как можем да извлечем данни по асинхронен начин и да актуализираме потребителския интерфейс без необходимост от презареждане на </a:t>
+            </a:r>
+            <a:r>
+              <a:rPr lang="bg-BG" sz="1200" dirty="0" smtClean="0">
+                <a:solidFill>
+                  <a:srgbClr val="000000"/>
+                </a:solidFill>
+                <a:effectLst/>
+                <a:latin typeface="Times New Roman" panose="02020603050405020304" pitchFamily="18" charset="0"/>
+                <a:ea typeface="Aptos"/>
+              </a:rPr>
+              <a:t>страницата</a:t>
+            </a:r>
+            <a:r>
+              <a:rPr lang="bg-BG" sz="1200" dirty="0" smtClean="0">
+                <a:solidFill>
+                  <a:srgbClr val="000000"/>
+                </a:solidFill>
+                <a:effectLst/>
+                <a:latin typeface="Times New Roman" panose="02020603050405020304" pitchFamily="18" charset="0"/>
+                <a:ea typeface="Aptos"/>
+              </a:rPr>
+              <a:t>. Този подход увеличава динамиката и интерактивността на приложенията</a:t>
+            </a:r>
+            <a:r>
+              <a:rPr lang="bg-BG" sz="1200" dirty="0" smtClean="0">
+                <a:solidFill>
+                  <a:srgbClr val="000000"/>
+                </a:solidFill>
+                <a:effectLst/>
+                <a:latin typeface="Times New Roman" panose="02020603050405020304" pitchFamily="18" charset="0"/>
+                <a:ea typeface="Aptos"/>
+              </a:rPr>
+              <a:t>.</a:t>
+            </a:r>
+            <a:endParaRPr lang="en-US" sz="1200" dirty="0" smtClean="0">
+              <a:solidFill>
+                <a:srgbClr val="000000"/>
+              </a:solidFill>
+              <a:effectLst/>
+              <a:latin typeface="Times New Roman" panose="02020603050405020304" pitchFamily="18" charset="0"/>
+              <a:ea typeface="Aptos"/>
+            </a:endParaRPr>
+          </a:p>
+          <a:p>
+            <a:r>
+              <a:rPr lang="ru-RU" dirty="0" smtClean="0"/>
+              <a:t>Използването на JSON и AJAX е от съществени значения за разработката на RESTful приложения, предлагайки гъвкаво и интерактивно взаимодействие между клиент и сървър. JSON </a:t>
+            </a:r>
+            <a:r>
+              <a:rPr lang="en-US" dirty="0" smtClean="0"/>
+              <a:t>(Java</a:t>
+            </a:r>
+            <a:r>
+              <a:rPr lang="en-US" baseline="0" dirty="0" smtClean="0"/>
+              <a:t> Script Object Notation)</a:t>
+            </a:r>
+            <a:r>
+              <a:rPr lang="ru-RU" dirty="0" smtClean="0"/>
+              <a:t>служи като идеален формат за предаване на данни, а AJAX</a:t>
+            </a:r>
+            <a:r>
+              <a:rPr lang="en-US" dirty="0" smtClean="0"/>
+              <a:t>(Asynchronous JavaScript and XML)</a:t>
+            </a:r>
+            <a:r>
+              <a:rPr lang="ru-RU" dirty="0" smtClean="0"/>
+              <a:t> позволява асинхронно извличане и обработка на информация, придавайки динамичност на уеб приложенията. </a:t>
             </a:r>
             <a:endParaRPr lang="bg-BG" dirty="0"/>
           </a:p>
@@ -1903,7 +2119,7 @@
             <a:fld id="{1D8BD707-D9CF-40AE-B4C6-C98DA3205C09}" type="datetimeFigureOut">
               <a:rPr lang="en-US" smtClean="0"/>
               <a:pPr/>
-              <a:t>5/13/2025</a:t>
+              <a:t>5/14/2025</a:t>
             </a:fld>
             <a:endParaRPr lang="en-US"/>
           </a:p>
@@ -2126,7 +2342,7 @@
             <a:fld id="{1D8BD707-D9CF-40AE-B4C6-C98DA3205C09}" type="datetimeFigureOut">
               <a:rPr lang="en-US" smtClean="0"/>
               <a:pPr/>
-              <a:t>5/13/2025</a:t>
+              <a:t>5/14/2025</a:t>
             </a:fld>
             <a:endParaRPr lang="en-US"/>
           </a:p>
@@ -2308,7 +2524,7 @@
             <a:fld id="{1D8BD707-D9CF-40AE-B4C6-C98DA3205C09}" type="datetimeFigureOut">
               <a:rPr lang="en-US" smtClean="0"/>
               <a:pPr/>
-              <a:t>5/13/2025</a:t>
+              <a:t>5/14/2025</a:t>
             </a:fld>
             <a:endParaRPr lang="en-US"/>
           </a:p>
@@ -2487,7 +2703,7 @@
             <a:fld id="{1D8BD707-D9CF-40AE-B4C6-C98DA3205C09}" type="datetimeFigureOut">
               <a:rPr lang="en-US" smtClean="0"/>
               <a:pPr/>
-              <a:t>5/13/2025</a:t>
+              <a:t>5/14/2025</a:t>
             </a:fld>
             <a:endParaRPr lang="en-US"/>
           </a:p>
@@ -2740,7 +2956,7 @@
             <a:fld id="{1D8BD707-D9CF-40AE-B4C6-C98DA3205C09}" type="datetimeFigureOut">
               <a:rPr lang="en-US" smtClean="0"/>
               <a:pPr/>
-              <a:t>5/13/2025</a:t>
+              <a:t>5/14/2025</a:t>
             </a:fld>
             <a:endParaRPr lang="en-US"/>
           </a:p>
@@ -3065,7 +3281,7 @@
             <a:fld id="{1D8BD707-D9CF-40AE-B4C6-C98DA3205C09}" type="datetimeFigureOut">
               <a:rPr lang="en-US" smtClean="0"/>
               <a:pPr/>
-              <a:t>5/13/2025</a:t>
+              <a:t>5/14/2025</a:t>
             </a:fld>
             <a:endParaRPr lang="en-US"/>
           </a:p>
@@ -3491,7 +3707,7 @@
             <a:fld id="{1D8BD707-D9CF-40AE-B4C6-C98DA3205C09}" type="datetimeFigureOut">
               <a:rPr lang="en-US" smtClean="0"/>
               <a:pPr/>
-              <a:t>5/13/2025</a:t>
+              <a:t>5/14/2025</a:t>
             </a:fld>
             <a:endParaRPr lang="en-US"/>
           </a:p>
@@ -3611,7 +3827,7 @@
             <a:fld id="{1D8BD707-D9CF-40AE-B4C6-C98DA3205C09}" type="datetimeFigureOut">
               <a:rPr lang="en-US" smtClean="0"/>
               <a:pPr/>
-              <a:t>5/13/2025</a:t>
+              <a:t>5/14/2025</a:t>
             </a:fld>
             <a:endParaRPr lang="en-US"/>
           </a:p>
@@ -3708,7 +3924,7 @@
             <a:fld id="{1D8BD707-D9CF-40AE-B4C6-C98DA3205C09}" type="datetimeFigureOut">
               <a:rPr lang="en-US" smtClean="0"/>
               <a:pPr/>
-              <a:t>5/13/2025</a:t>
+              <a:t>5/14/2025</a:t>
             </a:fld>
             <a:endParaRPr lang="en-US"/>
           </a:p>
@@ -4000,7 +4216,7 @@
             <a:fld id="{1D8BD707-D9CF-40AE-B4C6-C98DA3205C09}" type="datetimeFigureOut">
               <a:rPr lang="en-US" smtClean="0"/>
               <a:pPr/>
-              <a:t>5/13/2025</a:t>
+              <a:t>5/14/2025</a:t>
             </a:fld>
             <a:endParaRPr lang="en-US"/>
           </a:p>
@@ -4274,7 +4490,7 @@
             <a:fld id="{1D8BD707-D9CF-40AE-B4C6-C98DA3205C09}" type="datetimeFigureOut">
               <a:rPr lang="en-US" smtClean="0"/>
               <a:pPr/>
-              <a:t>5/13/2025</a:t>
+              <a:t>5/14/2025</a:t>
             </a:fld>
             <a:endParaRPr lang="en-US"/>
           </a:p>
@@ -4528,7 +4744,7 @@
             <a:fld id="{1D8BD707-D9CF-40AE-B4C6-C98DA3205C09}" type="datetimeFigureOut">
               <a:rPr lang="en-US" smtClean="0"/>
               <a:pPr/>
-              <a:t>5/13/2025</a:t>
+              <a:t>5/14/2025</a:t>
             </a:fld>
             <a:endParaRPr lang="en-US"/>
           </a:p>
@@ -5465,6 +5681,56 @@
           </a:prstGeom>
         </p:spPr>
       </p:pic>
+      <p:sp>
+        <p:nvSpPr>
+          <p:cNvPr id="5" name="Текстово поле 4"/>
+          <p:cNvSpPr txBox="1"/>
+          <p:nvPr/>
+        </p:nvSpPr>
+        <p:spPr>
+          <a:xfrm>
+            <a:off x="1943100" y="5181600"/>
+            <a:ext cx="5067300" cy="369332"/>
+          </a:xfrm>
+          <a:prstGeom prst="rect">
+            <a:avLst/>
+          </a:prstGeom>
+          <a:noFill/>
+        </p:spPr>
+        <p:txBody>
+          <a:bodyPr wrap="square" rtlCol="0">
+            <a:spAutoFit/>
+          </a:bodyPr>
+          <a:lstStyle/>
+          <a:p>
+            <a:r>
+              <a:rPr lang="bg-BG" dirty="0" smtClean="0">
+                <a:solidFill>
+                  <a:schemeClr val="accent1">
+                    <a:lumMod val="75000"/>
+                  </a:schemeClr>
+                </a:solidFill>
+              </a:rPr>
+              <a:t>Връзката между клиента и външният </a:t>
+            </a:r>
+            <a:r>
+              <a:rPr lang="en-AU" dirty="0" smtClean="0">
+                <a:solidFill>
+                  <a:schemeClr val="accent1">
+                    <a:lumMod val="75000"/>
+                  </a:schemeClr>
+                </a:solidFill>
+              </a:rPr>
+              <a:t>REST API</a:t>
+            </a:r>
+            <a:r>
+              <a:rPr lang="en-AU" dirty="0" smtClean="0"/>
+              <a:t> </a:t>
+            </a:r>
+            <a:endParaRPr lang="bg-BG" dirty="0"/>
+          </a:p>
+        </p:txBody>
+      </p:sp>
     </p:spTree>
     <p:extLst>
       <p:ext uri="{BB962C8B-B14F-4D97-AF65-F5344CB8AC3E}">
@@ -5514,19 +5780,74 @@
         </p:nvPicPr>
         <p:blipFill rotWithShape="1">
           <a:blip r:embed="rId3"/>
-          <a:srcRect l="-12593" r="12593" b="4478"/>
+          <a:srcRect l="25959" r="13128" b="35576"/>
           <a:stretch/>
         </p:blipFill>
         <p:spPr>
           <a:xfrm>
-            <a:off x="-990600" y="685800"/>
-            <a:ext cx="9882716" cy="5310117"/>
+            <a:off x="228600" y="762000"/>
+            <a:ext cx="8610600" cy="5122762"/>
           </a:xfrm>
           <a:prstGeom prst="rect">
             <a:avLst/>
           </a:prstGeom>
         </p:spPr>
       </p:pic>
+      <p:sp>
+        <p:nvSpPr>
+          <p:cNvPr id="2" name="Текстово поле 1"/>
+          <p:cNvSpPr txBox="1"/>
+          <p:nvPr/>
+        </p:nvSpPr>
+        <p:spPr>
+          <a:xfrm>
+            <a:off x="6096000" y="5427562"/>
+            <a:ext cx="2590800" cy="457200"/>
+          </a:xfrm>
+          <a:prstGeom prst="rect">
+            <a:avLst/>
+          </a:prstGeom>
+          <a:noFill/>
+        </p:spPr>
+        <p:txBody>
+          <a:bodyPr wrap="square" rtlCol="0">
+            <a:spAutoFit/>
+          </a:bodyPr>
+          <a:lstStyle/>
+          <a:p>
+            <a:r>
+              <a:rPr lang="en-US" sz="2400" dirty="0" smtClean="0">
+                <a:solidFill>
+                  <a:schemeClr val="bg1"/>
+                </a:solidFill>
+                <a:effectLst>
+                  <a:outerShdw blurRad="38100" dist="38100" dir="2700000" algn="tl">
+                    <a:srgbClr val="000000">
+                      <a:alpha val="43137"/>
+                    </a:srgbClr>
+                  </a:outerShdw>
+                </a:effectLst>
+              </a:rPr>
+              <a:t>backend </a:t>
+            </a:r>
+            <a:r>
+              <a:rPr lang="bg-BG" sz="2400" dirty="0">
+                <a:solidFill>
+                  <a:schemeClr val="bg1"/>
+                </a:solidFill>
+                <a:effectLst>
+                  <a:outerShdw blurRad="38100" dist="38100" dir="2700000" algn="tl">
+                    <a:srgbClr val="000000">
+                      <a:alpha val="43137"/>
+                    </a:srgbClr>
+                  </a:outerShdw>
+                </a:effectLst>
+              </a:rPr>
+              <a:t>частта</a:t>
+            </a:r>
+          </a:p>
+        </p:txBody>
+      </p:sp>
     </p:spTree>
     <p:extLst>
       <p:ext uri="{BB962C8B-B14F-4D97-AF65-F5344CB8AC3E}">
@@ -5566,13 +5887,11 @@
       </p:grpSpPr>
       <p:pic>
         <p:nvPicPr>
-          <p:cNvPr id="4" name="Контейнер за съдържание 3"/>
+          <p:cNvPr id="9" name="Картина 8"/>
           <p:cNvPicPr>
-            <a:picLocks noGrp="1" noChangeAspect="1"/>
+            <a:picLocks noChangeAspect="1"/>
           </p:cNvPicPr>
-          <p:nvPr>
-            <p:ph idx="1"/>
-          </p:nvPr>
+          <p:nvPr/>
         </p:nvPicPr>
         <p:blipFill>
           <a:blip r:embed="rId3"/>
@@ -5582,8 +5901,8 @@
         </p:blipFill>
         <p:spPr>
           <a:xfrm>
-            <a:off x="76200" y="762000"/>
-            <a:ext cx="8928000" cy="5022000"/>
+            <a:off x="413891" y="1143001"/>
+            <a:ext cx="8379853" cy="4648200"/>
           </a:xfrm>
           <a:prstGeom prst="rect">
             <a:avLst/>
@@ -5661,6 +5980,13 @@
   <p:clrMapOvr>
     <a:masterClrMapping/>
   </p:clrMapOvr>
+  <p:timing>
+    <p:tnLst>
+      <p:par>
+        <p:cTn id="1" dur="indefinite" restart="never" nodeType="tmRoot"/>
+      </p:par>
+    </p:tnLst>
+  </p:timing>
 </p:sld>
 </file>
 
@@ -5776,6 +6102,13 @@
   <p:clrMapOvr>
     <a:masterClrMapping/>
   </p:clrMapOvr>
+  <p:timing>
+    <p:tnLst>
+      <p:par>
+        <p:cTn id="1" dur="indefinite" restart="never" nodeType="tmRoot"/>
+      </p:par>
+    </p:tnLst>
+  </p:timing>
 </p:sld>
 </file>
 
@@ -5804,16 +6137,39 @@
           </p:cNvPicPr>
           <p:nvPr/>
         </p:nvPicPr>
+        <p:blipFill rotWithShape="1">
+          <a:blip r:embed="rId3"/>
+          <a:srcRect l="481" r="2190" b="6011"/>
+          <a:stretch/>
+        </p:blipFill>
+        <p:spPr>
+          <a:xfrm>
+            <a:off x="228600" y="838200"/>
+            <a:ext cx="8686801" cy="4721569"/>
+          </a:xfrm>
+          <a:prstGeom prst="rect">
+            <a:avLst/>
+          </a:prstGeom>
+        </p:spPr>
+      </p:pic>
+      <p:pic>
+        <p:nvPicPr>
+          <p:cNvPr id="2" name="Картина 1"/>
+          <p:cNvPicPr>
+            <a:picLocks noChangeAspect="1"/>
+          </p:cNvPicPr>
+          <p:nvPr/>
+        </p:nvPicPr>
         <p:blipFill>
-          <a:blip r:embed="rId3"/>
+          <a:blip r:embed="rId4"/>
           <a:stretch>
             <a:fillRect/>
           </a:stretch>
         </p:blipFill>
         <p:spPr>
           <a:xfrm>
-            <a:off x="109341" y="917230"/>
-            <a:ext cx="8925318" cy="5023539"/>
+            <a:off x="6705600" y="5559769"/>
+            <a:ext cx="2688569" cy="646232"/>
           </a:xfrm>
           <a:prstGeom prst="rect">
             <a:avLst/>
@@ -5830,6 +6186,13 @@
   <p:clrMapOvr>
     <a:masterClrMapping/>
   </p:clrMapOvr>
+  <p:timing>
+    <p:tnLst>
+      <p:par>
+        <p:cTn id="1" dur="indefinite" restart="never" nodeType="tmRoot"/>
+      </p:par>
+    </p:tnLst>
+  </p:timing>
 </p:sld>
 </file>
 

--- a/dr/Защита- дипломен проект.pptx
+++ b/dr/Защита- дипломен проект.pptx
@@ -217,7 +217,7 @@
           <a:p>
             <a:fld id="{51B6C609-93FD-47BB-A870-51E213CD9463}" type="datetimeFigureOut">
               <a:rPr lang="bg-BG" smtClean="0"/>
-              <a:t>13.5.2025 г.</a:t>
+              <a:t>14.5.2025 г.</a:t>
             </a:fld>
             <a:endParaRPr lang="bg-BG"/>
           </a:p>
@@ -598,6 +598,105 @@
 </p:notes>
 </file>
 
+<file path=ppt/notesSlides/notesSlide10.xml><?xml version="1.0" encoding="utf-8"?>
+<p:notes xmlns:a="http://schemas.openxmlformats.org/drawingml/2006/main" xmlns:r="http://schemas.openxmlformats.org/officeDocument/2006/relationships" xmlns:p="http://schemas.openxmlformats.org/presentationml/2006/main">
+  <p:cSld>
+    <p:spTree>
+      <p:nvGrpSpPr>
+        <p:cNvPr id="1" name=""/>
+        <p:cNvGrpSpPr/>
+        <p:nvPr/>
+      </p:nvGrpSpPr>
+      <p:grpSpPr>
+        <a:xfrm>
+          <a:off x="0" y="0"/>
+          <a:ext cx="0" cy="0"/>
+          <a:chOff x="0" y="0"/>
+          <a:chExt cx="0" cy="0"/>
+        </a:xfrm>
+      </p:grpSpPr>
+      <p:sp>
+        <p:nvSpPr>
+          <p:cNvPr id="2" name="Контейнер за изображение на слайда 1"/>
+          <p:cNvSpPr>
+            <a:spLocks noGrp="1" noRot="1" noChangeAspect="1"/>
+          </p:cNvSpPr>
+          <p:nvPr>
+            <p:ph type="sldImg"/>
+          </p:nvPr>
+        </p:nvSpPr>
+        <p:spPr>
+          <a:xfrm>
+            <a:off x="685800" y="1143000"/>
+            <a:ext cx="5486400" cy="3086100"/>
+          </a:xfrm>
+        </p:spPr>
+      </p:sp>
+      <p:sp>
+        <p:nvSpPr>
+          <p:cNvPr id="3" name="Контейнер за бележки 2"/>
+          <p:cNvSpPr>
+            <a:spLocks noGrp="1"/>
+          </p:cNvSpPr>
+          <p:nvPr>
+            <p:ph type="body" idx="1"/>
+          </p:nvPr>
+        </p:nvSpPr>
+        <p:spPr/>
+        <p:txBody>
+          <a:bodyPr/>
+          <a:lstStyle/>
+          <a:p>
+            <a:r>
+              <a:rPr lang="ru-RU" dirty="0" smtClean="0"/>
+              <a:t>Благодаря за вниманието!</a:t>
+            </a:r>
+          </a:p>
+          <a:p>
+            <a:r>
+              <a:rPr lang="ru-RU" dirty="0" smtClean="0"/>
+              <a:t>Ако имате въпроси съм готов да отговоря.</a:t>
+            </a:r>
+            <a:endParaRPr lang="ru-RU" dirty="0"/>
+          </a:p>
+        </p:txBody>
+      </p:sp>
+      <p:sp>
+        <p:nvSpPr>
+          <p:cNvPr id="4" name="Контейнер за номер на слайда 3"/>
+          <p:cNvSpPr>
+            <a:spLocks noGrp="1"/>
+          </p:cNvSpPr>
+          <p:nvPr>
+            <p:ph type="sldNum" sz="quarter" idx="10"/>
+          </p:nvPr>
+        </p:nvSpPr>
+        <p:spPr/>
+        <p:txBody>
+          <a:bodyPr/>
+          <a:lstStyle/>
+          <a:p>
+            <a:fld id="{B10DF358-3D44-4ABE-AE94-6C87BE2FD2E3}" type="slidenum">
+              <a:rPr lang="bg-BG" smtClean="0"/>
+              <a:t>10</a:t>
+            </a:fld>
+            <a:endParaRPr lang="bg-BG"/>
+          </a:p>
+        </p:txBody>
+      </p:sp>
+    </p:spTree>
+    <p:extLst>
+      <p:ext uri="{BB962C8B-B14F-4D97-AF65-F5344CB8AC3E}">
+        <p14:creationId xmlns:p14="http://schemas.microsoft.com/office/powerpoint/2010/main" val="944953533"/>
+      </p:ext>
+    </p:extLst>
+  </p:cSld>
+  <p:clrMapOvr>
+    <a:masterClrMapping/>
+  </p:clrMapOvr>
+</p:notes>
+</file>
+
 <file path=ppt/notesSlides/notesSlide2.xml><?xml version="1.0" encoding="utf-8"?>
 <p:notes xmlns:a="http://schemas.openxmlformats.org/drawingml/2006/main" xmlns:r="http://schemas.openxmlformats.org/officeDocument/2006/relationships" xmlns:p="http://schemas.openxmlformats.org/presentationml/2006/main">
   <p:cSld>
@@ -662,7 +761,43 @@
                 <a:ea typeface="Aptos"/>
                 <a:cs typeface="Times New Roman" panose="02020603050405020304" pitchFamily="18" charset="0"/>
               </a:rPr>
-              <a:t>Динамичните уеб приложения са изключително важни в днешния свят, тъй като позволяват бързо и в реално време обмен на информация с потребителите. Въвеждането на нови технологии, които дават възможност на клиентите да взаимодействат с данни по лесен и гъвкав начин, е основен етап в развитието на софтуерната индустрия. Този дипломен проект се съсредоточава върху използването на REST API от страна на клиента, което е ключов аспект от тези иновации.</a:t>
+              <a:t>Динамичните уеб приложения са изключително важни в днешния свят, тъй като позволяват бързо и в реално време обмен на информация с потребителите. Въвеждането на нови технологии, които дават възможност на клиентите да взаимодействат с данни по лесен и гъвкав начин, е основен етап в развитието на </a:t>
+            </a:r>
+            <a:r>
+              <a:rPr lang="bg-BG" sz="1200" kern="100" dirty="0" smtClean="0">
+                <a:effectLst/>
+                <a:latin typeface="Times New Roman" panose="02020603050405020304" pitchFamily="18" charset="0"/>
+                <a:ea typeface="Aptos"/>
+                <a:cs typeface="Times New Roman" panose="02020603050405020304" pitchFamily="18" charset="0"/>
+              </a:rPr>
+              <a:t>софтуерните</a:t>
+            </a:r>
+            <a:r>
+              <a:rPr lang="bg-BG" sz="1200" kern="100" baseline="0" dirty="0" smtClean="0">
+                <a:effectLst/>
+                <a:latin typeface="Times New Roman" panose="02020603050405020304" pitchFamily="18" charset="0"/>
+                <a:ea typeface="Aptos"/>
+                <a:cs typeface="Times New Roman" panose="02020603050405020304" pitchFamily="18" charset="0"/>
+              </a:rPr>
+              <a:t> технологии</a:t>
+            </a:r>
+            <a:r>
+              <a:rPr lang="bg-BG" sz="1200" kern="100" dirty="0" smtClean="0">
+                <a:effectLst/>
+                <a:latin typeface="Times New Roman" panose="02020603050405020304" pitchFamily="18" charset="0"/>
+                <a:ea typeface="Aptos"/>
+                <a:cs typeface="Times New Roman" panose="02020603050405020304" pitchFamily="18" charset="0"/>
+              </a:rPr>
+              <a:t>. </a:t>
+            </a:r>
+            <a:r>
+              <a:rPr lang="bg-BG" sz="1200" kern="100" dirty="0" smtClean="0">
+                <a:effectLst/>
+                <a:latin typeface="Times New Roman" panose="02020603050405020304" pitchFamily="18" charset="0"/>
+                <a:ea typeface="Aptos"/>
+                <a:cs typeface="Times New Roman" panose="02020603050405020304" pitchFamily="18" charset="0"/>
+              </a:rPr>
+              <a:t>Този дипломен проект се съсредоточава върху използването на REST API от страна на клиента, което е ключов аспект от тези иновации.</a:t>
             </a:r>
             <a:endParaRPr lang="bg-BG" sz="1100" kern="100" dirty="0">
               <a:effectLst/>
@@ -736,12 +871,7 @@
             <p:ph type="sldImg"/>
           </p:nvPr>
         </p:nvSpPr>
-        <p:spPr>
-          <a:xfrm>
-            <a:off x="685800" y="1143000"/>
-            <a:ext cx="5486400" cy="3086100"/>
-          </a:xfrm>
-        </p:spPr>
+        <p:spPr/>
       </p:sp>
       <p:sp>
         <p:nvSpPr>
@@ -776,16 +906,35 @@
                 <a:ea typeface="Aptos"/>
                 <a:cs typeface="Times New Roman" panose="02020603050405020304" pitchFamily="18" charset="0"/>
               </a:rPr>
-              <a:t>След като анализирах структурата и възможностите на външното REST API на ПГЕЕ – гр. Банско, взех решението да реализирам отделни изгледи във Django backend-а за трите основни типа данни, които са достъпни чрез този API.</a:t>
-            </a:r>
-            <a:r>
-              <a:rPr lang="bg-BG" sz="1100" kern="100" dirty="0" smtClean="0">
+              <a:t>Още в началото на работата си по проекта анализирах възможните подходи за реализиране на връзката между клиента и външния REST API. След като се запознах с изискванията на заданието и спецификата на предоставения API, взех решение да разделя приложението на две основни части – backend и frontend, като за backend частта се спрях на Django, а за frontend – на Vue.js и Axios.</a:t>
+            </a:r>
+            <a:endParaRPr lang="bg-BG" sz="1100" kern="100" dirty="0" smtClean="0">
+              <a:effectLst/>
+              <a:latin typeface="Aptos"/>
+              <a:ea typeface="Aptos"/>
+              <a:cs typeface="Times New Roman" panose="02020603050405020304" pitchFamily="18" charset="0"/>
+            </a:endParaRPr>
+          </a:p>
+          <a:p>
+            <a:pPr>
+              <a:lnSpc>
+                <a:spcPct val="107000"/>
+              </a:lnSpc>
+              <a:spcAft>
+                <a:spcPts val="800"/>
+              </a:spcAft>
+            </a:pPr>
+            <a:r>
+              <a:rPr lang="en-AU" sz="1200" kern="100" dirty="0" smtClean="0">
+                <a:solidFill>
+                  <a:srgbClr val="000000"/>
+                </a:solidFill>
                 <a:effectLst/>
-                <a:latin typeface="Aptos"/>
+                <a:latin typeface="Times New Roman" panose="02020603050405020304" pitchFamily="18" charset="0"/>
                 <a:ea typeface="Aptos"/>
                 <a:cs typeface="Times New Roman" panose="02020603050405020304" pitchFamily="18" charset="0"/>
               </a:rPr>
-              <a:t> </a:t>
+              <a:t>*</a:t>
             </a:r>
             <a:r>
               <a:rPr lang="bg-BG" sz="1200" kern="100" dirty="0" smtClean="0">
@@ -797,42 +946,33 @@
                 <a:ea typeface="Aptos"/>
                 <a:cs typeface="Times New Roman" panose="02020603050405020304" pitchFamily="18" charset="0"/>
               </a:rPr>
-              <a:t>Всяка от тези функции обработва заявката, изпраща необходимата HTTP заявка към сървъра на ПГЕЕ и връща получения отговор във вид, подходящ за фронтенда.</a:t>
-            </a:r>
-            <a:endParaRPr lang="bg-BG" sz="1100" kern="100" dirty="0" smtClean="0">
-              <a:effectLst/>
-              <a:latin typeface="Aptos"/>
-              <a:ea typeface="Aptos"/>
-              <a:cs typeface="Times New Roman" panose="02020603050405020304" pitchFamily="18" charset="0"/>
-            </a:endParaRPr>
-          </a:p>
-          <a:p>
-            <a:pPr>
-              <a:lnSpc>
-                <a:spcPct val="107000"/>
-              </a:lnSpc>
-              <a:spcAft>
-                <a:spcPts val="800"/>
-              </a:spcAft>
-            </a:pPr>
-            <a:r>
-              <a:rPr lang="ru-RU" sz="1200" kern="100" dirty="0" smtClean="0">
+              <a:t>REST API (Representational State Transfer Application Programming Interface) е</a:t>
+            </a:r>
+            <a:r>
+              <a:rPr lang="en-AU" sz="1200" kern="100" dirty="0" smtClean="0">
                 <a:solidFill>
-                  <a:srgbClr val="4C94D8"/>
+                  <a:srgbClr val="000000"/>
                 </a:solidFill>
                 <a:effectLst/>
                 <a:latin typeface="Times New Roman" panose="02020603050405020304" pitchFamily="18" charset="0"/>
                 <a:ea typeface="Aptos"/>
                 <a:cs typeface="Times New Roman" panose="02020603050405020304" pitchFamily="18" charset="0"/>
               </a:rPr>
-              <a:t> </a:t>
-            </a:r>
-            <a:endParaRPr lang="bg-BG" sz="1100" kern="100" dirty="0">
-              <a:effectLst/>
-              <a:latin typeface="Aptos"/>
-              <a:ea typeface="Aptos"/>
-              <a:cs typeface="Times New Roman" panose="02020603050405020304" pitchFamily="18" charset="0"/>
-            </a:endParaRPr>
+              <a:t> </a:t>
+            </a:r>
+            <a:r>
+              <a:rPr lang="ru-RU" sz="1200" kern="100" dirty="0" smtClean="0">
+                <a:solidFill>
+                  <a:srgbClr val="000000"/>
+                </a:solidFill>
+                <a:effectLst/>
+                <a:latin typeface="Times New Roman" panose="02020603050405020304" pitchFamily="18" charset="0"/>
+                <a:ea typeface="Aptos"/>
+                <a:cs typeface="Times New Roman" panose="02020603050405020304" pitchFamily="18" charset="0"/>
+              </a:rPr>
+              <a:t>интерфейс за комуникация между софтуерни системи, който използва стандартни HTTP методи за достъп и управление на ресурси в уеб среда.</a:t>
+            </a:r>
+            <a:endParaRPr lang="bg-BG" dirty="0"/>
           </a:p>
         </p:txBody>
       </p:sp>
@@ -853,7 +993,7 @@
           <a:p>
             <a:fld id="{B10DF358-3D44-4ABE-AE94-6C87BE2FD2E3}" type="slidenum">
               <a:rPr lang="bg-BG" smtClean="0"/>
-              <a:t>4</a:t>
+              <a:t>3</a:t>
             </a:fld>
             <a:endParaRPr lang="bg-BG"/>
           </a:p>
@@ -862,7 +1002,7 @@
     </p:spTree>
     <p:extLst>
       <p:ext uri="{BB962C8B-B14F-4D97-AF65-F5344CB8AC3E}">
-        <p14:creationId xmlns:p14="http://schemas.microsoft.com/office/powerpoint/2010/main" val="852596182"/>
+        <p14:creationId xmlns:p14="http://schemas.microsoft.com/office/powerpoint/2010/main" val="3056232200"/>
       </p:ext>
     </p:extLst>
   </p:cSld>
@@ -939,7 +1079,7 @@
                 <a:ea typeface="Aptos"/>
                 <a:cs typeface="Times New Roman" panose="02020603050405020304" pitchFamily="18" charset="0"/>
               </a:rPr>
-              <a:t>След като backend-ът беше готов и можеше успешно да препраща заявки към външния REST API, се заех с изграждането на потребителския интерфейс. За целта създадох HTML шаблон (info_main.txt), в който дефинирах основната структура на приложението. В този шаблон включих всички необходими елементи за визуализация на разписанието, както и специални контейнери за анимирания часовник, който беше част от изискванията за динамичен интерфейс</a:t>
+              <a:t>След като анализирах структурата и възможностите на външното REST API на ПГЕЕ – гр. Банско, взех решението да реализирам отделни изгледи във Django backend-а за трите основни типа данни, които са достъпни чрез този API.</a:t>
             </a:r>
             <a:r>
               <a:rPr lang="bg-BG" sz="1100" kern="100" dirty="0" smtClean="0">
@@ -948,7 +1088,7 @@
                 <a:ea typeface="Aptos"/>
                 <a:cs typeface="Times New Roman" panose="02020603050405020304" pitchFamily="18" charset="0"/>
               </a:rPr>
-              <a:t>. в</a:t>
+              <a:t> </a:t>
             </a:r>
             <a:r>
               <a:rPr lang="bg-BG" sz="1200" kern="100" dirty="0" smtClean="0">
@@ -960,7 +1100,35 @@
                 <a:ea typeface="Aptos"/>
                 <a:cs typeface="Times New Roman" panose="02020603050405020304" pitchFamily="18" charset="0"/>
               </a:rPr>
-              <a:t>ъв файла info_main.js реализирах основната логика на Vue компонента. Там дефинирах всички необходими данни и методи, които управляват състоянието на приложението и обработват получените от backend-а данни. Използвах Axios за изпращане на заявки към локалния сървър, като по този начин осигурих асинхронно извличане на информацията за разписанието.</a:t>
+              <a:t>Всяка от тези функции обработва заявката, изпраща необходимата HTTP заявка към сървъра на ПГЕЕ и връща получения отговор във вид, подходящ за фронтенда.</a:t>
+            </a:r>
+            <a:endParaRPr lang="bg-BG" sz="1100" kern="100" dirty="0" smtClean="0">
+              <a:effectLst/>
+              <a:latin typeface="Aptos"/>
+              <a:ea typeface="Aptos"/>
+              <a:cs typeface="Times New Roman" panose="02020603050405020304" pitchFamily="18" charset="0"/>
+            </a:endParaRPr>
+          </a:p>
+          <a:p>
+            <a:pPr>
+              <a:lnSpc>
+                <a:spcPct val="107000"/>
+              </a:lnSpc>
+              <a:spcAft>
+                <a:spcPts val="800"/>
+              </a:spcAft>
+            </a:pPr>
+            <a:r>
+              <a:rPr lang="ru-RU" sz="1200" kern="100" dirty="0" smtClean="0">
+                <a:solidFill>
+                  <a:srgbClr val="4C94D8"/>
+                </a:solidFill>
+                <a:effectLst/>
+                <a:latin typeface="Times New Roman" panose="02020603050405020304" pitchFamily="18" charset="0"/>
+                <a:ea typeface="Aptos"/>
+                <a:cs typeface="Times New Roman" panose="02020603050405020304" pitchFamily="18" charset="0"/>
+              </a:rPr>
+              <a:t> </a:t>
             </a:r>
             <a:endParaRPr lang="bg-BG" sz="1100" kern="100" dirty="0">
               <a:effectLst/>
@@ -988,7 +1156,7 @@
           <a:p>
             <a:fld id="{B10DF358-3D44-4ABE-AE94-6C87BE2FD2E3}" type="slidenum">
               <a:rPr lang="bg-BG" smtClean="0"/>
-              <a:t>5</a:t>
+              <a:t>4</a:t>
             </a:fld>
             <a:endParaRPr lang="bg-BG"/>
           </a:p>
@@ -997,7 +1165,7 @@
     </p:spTree>
     <p:extLst>
       <p:ext uri="{BB962C8B-B14F-4D97-AF65-F5344CB8AC3E}">
-        <p14:creationId xmlns:p14="http://schemas.microsoft.com/office/powerpoint/2010/main" val="36090721"/>
+        <p14:creationId xmlns:p14="http://schemas.microsoft.com/office/powerpoint/2010/main" val="852596182"/>
       </p:ext>
     </p:extLst>
   </p:cSld>
@@ -1074,7 +1242,104 @@
                 <a:ea typeface="Aptos"/>
                 <a:cs typeface="Times New Roman" panose="02020603050405020304" pitchFamily="18" charset="0"/>
               </a:rPr>
-              <a:t>След проучване на възможните подходи, реших да реализирам така наречения "прокси" слой в backend-а. Това означава, че вместо frontend-ът да се опитва директно да комуникира с външния API, той изпраща заявките си към локалния сървър (Django), който от своя страна препраща тези заявки към външния REST API, получава отговора и го връща обратно към клиента. По този начин всички заявки към външния сървър се изпълняват от backend-а, където CORS ограниченията не важат, а frontend-ът комуникира само с локалния сървър, което е напълно разрешено от браузъра.</a:t>
+              <a:t>След като backend-ът беше готов и можеше успешно да препраща заявки към външния REST API, се заех с изграждането на потребителския интерфейс. За целта създадох HTML шаблон (info_main.txt), в който дефинирах основната структура на приложението. В този шаблон включих всички необходими елементи за визуализация на разписанието, както и специални контейнери за анимирания часовник, който беше част от изискванията за динамичен интерфейс</a:t>
+            </a:r>
+            <a:r>
+              <a:rPr lang="bg-BG" sz="1100" kern="100" dirty="0" smtClean="0">
+                <a:effectLst/>
+                <a:latin typeface="Aptos"/>
+                <a:ea typeface="Aptos"/>
+                <a:cs typeface="Times New Roman" panose="02020603050405020304" pitchFamily="18" charset="0"/>
+              </a:rPr>
+              <a:t>. в</a:t>
+            </a:r>
+            <a:r>
+              <a:rPr lang="bg-BG" sz="1200" kern="100" dirty="0" smtClean="0">
+                <a:solidFill>
+                  <a:srgbClr val="000000"/>
+                </a:solidFill>
+                <a:effectLst/>
+                <a:latin typeface="Times New Roman" panose="02020603050405020304" pitchFamily="18" charset="0"/>
+                <a:ea typeface="Aptos"/>
+                <a:cs typeface="Times New Roman" panose="02020603050405020304" pitchFamily="18" charset="0"/>
+              </a:rPr>
+              <a:t>ъв файла info_main.js реализирах основната логика на Vue компонента. Там дефинирах всички необходими данни и методи, които управляват състоянието на приложението и обработват получените от backend-а данни. Използвах Axios за изпращане на заявки към локалния сървър, като по този начин осигурих асинхронно извличане на информацията за разписанието</a:t>
+            </a:r>
+            <a:r>
+              <a:rPr lang="bg-BG" sz="1200" kern="100" dirty="0" smtClean="0">
+                <a:solidFill>
+                  <a:srgbClr val="000000"/>
+                </a:solidFill>
+                <a:effectLst/>
+                <a:latin typeface="Times New Roman" panose="02020603050405020304" pitchFamily="18" charset="0"/>
+                <a:ea typeface="Aptos"/>
+                <a:cs typeface="Times New Roman" panose="02020603050405020304" pitchFamily="18" charset="0"/>
+              </a:rPr>
+              <a:t>.</a:t>
+            </a:r>
+            <a:endParaRPr lang="en-AU" sz="1200" kern="100" dirty="0" smtClean="0">
+              <a:solidFill>
+                <a:srgbClr val="000000"/>
+              </a:solidFill>
+              <a:effectLst/>
+              <a:latin typeface="Times New Roman" panose="02020603050405020304" pitchFamily="18" charset="0"/>
+              <a:ea typeface="Aptos"/>
+              <a:cs typeface="Times New Roman" panose="02020603050405020304" pitchFamily="18" charset="0"/>
+            </a:endParaRPr>
+          </a:p>
+          <a:p>
+            <a:pPr>
+              <a:lnSpc>
+                <a:spcPct val="107000"/>
+              </a:lnSpc>
+              <a:spcAft>
+                <a:spcPts val="800"/>
+              </a:spcAft>
+            </a:pPr>
+            <a:r>
+              <a:rPr lang="en-AU" sz="1100" kern="100" dirty="0" smtClean="0">
+                <a:effectLst/>
+                <a:latin typeface="Aptos"/>
+                <a:ea typeface="Aptos"/>
+                <a:cs typeface="Times New Roman" panose="02020603050405020304" pitchFamily="18" charset="0"/>
+              </a:rPr>
+              <a:t>*</a:t>
+            </a:r>
+            <a:r>
+              <a:rPr lang="ru-RU" sz="1100" kern="100" dirty="0" smtClean="0">
+                <a:effectLst/>
+                <a:latin typeface="Aptos"/>
+                <a:ea typeface="Aptos"/>
+                <a:cs typeface="Times New Roman" panose="02020603050405020304" pitchFamily="18" charset="0"/>
+              </a:rPr>
+              <a:t>HTML и CSS </a:t>
+            </a:r>
+            <a:r>
+              <a:rPr lang="ru-RU" sz="1100" kern="100" dirty="0" err="1" smtClean="0">
+                <a:effectLst/>
+                <a:latin typeface="Aptos"/>
+                <a:ea typeface="Aptos"/>
+                <a:cs typeface="Times New Roman" panose="02020603050405020304" pitchFamily="18" charset="0"/>
+              </a:rPr>
+              <a:t>са</a:t>
+            </a:r>
+            <a:r>
+              <a:rPr lang="ru-RU" sz="1100" kern="100" dirty="0" smtClean="0">
+                <a:effectLst/>
+                <a:latin typeface="Aptos"/>
+                <a:ea typeface="Aptos"/>
+                <a:cs typeface="Times New Roman" panose="02020603050405020304" pitchFamily="18" charset="0"/>
+              </a:rPr>
+              <a:t> основни технологии за създаване на уеб сайтове, като HTML определя структурата на съдържанието, а CSS се използва за стилизиране и оформление на тази структура</a:t>
+            </a:r>
+            <a:r>
+              <a:rPr lang="en-AU" sz="1100" kern="100" dirty="0" smtClean="0">
+                <a:effectLst/>
+                <a:latin typeface="Aptos"/>
+                <a:ea typeface="Aptos"/>
+                <a:cs typeface="Times New Roman" panose="02020603050405020304" pitchFamily="18" charset="0"/>
+              </a:rPr>
+              <a:t>.</a:t>
             </a:r>
             <a:endParaRPr lang="bg-BG" sz="1100" kern="100" dirty="0">
               <a:effectLst/>
@@ -1102,7 +1367,7 @@
           <a:p>
             <a:fld id="{B10DF358-3D44-4ABE-AE94-6C87BE2FD2E3}" type="slidenum">
               <a:rPr lang="bg-BG" smtClean="0"/>
-              <a:t>6</a:t>
+              <a:t>5</a:t>
             </a:fld>
             <a:endParaRPr lang="bg-BG"/>
           </a:p>
@@ -1111,7 +1376,7 @@
     </p:spTree>
     <p:extLst>
       <p:ext uri="{BB962C8B-B14F-4D97-AF65-F5344CB8AC3E}">
-        <p14:creationId xmlns:p14="http://schemas.microsoft.com/office/powerpoint/2010/main" val="82636576"/>
+        <p14:creationId xmlns:p14="http://schemas.microsoft.com/office/powerpoint/2010/main" val="36090721"/>
       </p:ext>
     </p:extLst>
   </p:cSld>
@@ -1188,102 +1453,15 @@
                 <a:ea typeface="Aptos"/>
                 <a:cs typeface="Times New Roman" panose="02020603050405020304" pitchFamily="18" charset="0"/>
               </a:rPr>
-              <a:t>Клиентската част на приложението е изградена с помощта на модерна JavaScript библиотека Vue.js.</a:t>
-            </a:r>
-            <a:endParaRPr lang="bg-BG" sz="1100" kern="100" dirty="0" smtClean="0">
+              <a:t>След проучване на възможните подходи, реших да реализирам така наречения "прокси" слой в backend-а. Това означава, че вместо frontend-ът да се опитва директно да комуникира с външния API, той изпраща заявките си към локалния сървър (Django), който от своя страна препраща тези заявки към външния REST API, получава отговора и го връща обратно към клиента. По този начин всички заявки към външния сървър се изпълняват от backend-а, където CORS ограниченията не важат, а frontend-ът комуникира само с локалния сървър, което е напълно разрешено от браузъра.</a:t>
+            </a:r>
+            <a:endParaRPr lang="bg-BG" sz="1100" kern="100" dirty="0">
               <a:effectLst/>
               <a:latin typeface="Aptos"/>
               <a:ea typeface="Aptos"/>
               <a:cs typeface="Times New Roman" panose="02020603050405020304" pitchFamily="18" charset="0"/>
             </a:endParaRPr>
           </a:p>
-          <a:p>
-            <a:pPr>
-              <a:lnSpc>
-                <a:spcPct val="107000"/>
-              </a:lnSpc>
-              <a:spcAft>
-                <a:spcPts val="800"/>
-              </a:spcAft>
-            </a:pPr>
-            <a:r>
-              <a:rPr lang="bg-BG" sz="1200" kern="100" dirty="0" smtClean="0">
-                <a:solidFill>
-                  <a:srgbClr val="000000"/>
-                </a:solidFill>
-                <a:effectLst/>
-                <a:latin typeface="Times New Roman" panose="02020603050405020304" pitchFamily="18" charset="0"/>
-                <a:ea typeface="Aptos"/>
-                <a:cs typeface="Times New Roman" panose="02020603050405020304" pitchFamily="18" charset="0"/>
-              </a:rPr>
-              <a:t> Избрах Vue.js. защото:</a:t>
-            </a:r>
-            <a:endParaRPr lang="bg-BG" sz="1100" kern="100" dirty="0" smtClean="0">
-              <a:effectLst/>
-              <a:latin typeface="Aptos"/>
-              <a:ea typeface="Aptos"/>
-              <a:cs typeface="Times New Roman" panose="02020603050405020304" pitchFamily="18" charset="0"/>
-            </a:endParaRPr>
-          </a:p>
-          <a:p>
-            <a:pPr>
-              <a:lnSpc>
-                <a:spcPct val="107000"/>
-              </a:lnSpc>
-              <a:spcAft>
-                <a:spcPts val="800"/>
-              </a:spcAft>
-            </a:pPr>
-            <a:r>
-              <a:rPr lang="bg-BG" sz="1200" kern="100" dirty="0" smtClean="0">
-                <a:solidFill>
-                  <a:srgbClr val="000000"/>
-                </a:solidFill>
-                <a:effectLst/>
-                <a:latin typeface="Times New Roman" panose="02020603050405020304" pitchFamily="18" charset="0"/>
-                <a:ea typeface="Aptos"/>
-                <a:cs typeface="Times New Roman" panose="02020603050405020304" pitchFamily="18" charset="0"/>
-              </a:rPr>
-              <a:t>Има добра документация и е лесна за интеграция в съществуващи проекти.</a:t>
-            </a:r>
-            <a:endParaRPr lang="bg-BG" sz="1100" kern="100" dirty="0" smtClean="0">
-              <a:effectLst/>
-              <a:latin typeface="Aptos"/>
-              <a:ea typeface="Aptos"/>
-              <a:cs typeface="Times New Roman" panose="02020603050405020304" pitchFamily="18" charset="0"/>
-            </a:endParaRPr>
-          </a:p>
-          <a:p>
-            <a:pPr>
-              <a:lnSpc>
-                <a:spcPct val="107000"/>
-              </a:lnSpc>
-              <a:spcAft>
-                <a:spcPts val="800"/>
-              </a:spcAft>
-            </a:pPr>
-            <a:r>
-              <a:rPr lang="bg-BG" sz="1200" kern="100" dirty="0" smtClean="0">
-                <a:solidFill>
-                  <a:srgbClr val="000000"/>
-                </a:solidFill>
-                <a:effectLst/>
-                <a:latin typeface="Times New Roman" panose="02020603050405020304" pitchFamily="18" charset="0"/>
-                <a:ea typeface="Aptos"/>
-                <a:cs typeface="Times New Roman" panose="02020603050405020304" pitchFamily="18" charset="0"/>
-              </a:rPr>
-              <a:t>Предлага двупосочна свързаност на данните, което улеснява управлението на взаимодействията с потребителския интерфейс.</a:t>
-            </a:r>
-            <a:endParaRPr lang="bg-BG" sz="1100" kern="100" dirty="0" smtClean="0">
-              <a:effectLst/>
-              <a:latin typeface="Aptos"/>
-              <a:ea typeface="Aptos"/>
-              <a:cs typeface="Times New Roman" panose="02020603050405020304" pitchFamily="18" charset="0"/>
-            </a:endParaRPr>
-          </a:p>
-          <a:p>
-            <a:endParaRPr lang="bg-BG" dirty="0"/>
-          </a:p>
         </p:txBody>
       </p:sp>
       <p:sp>
@@ -1303,7 +1481,7 @@
           <a:p>
             <a:fld id="{B10DF358-3D44-4ABE-AE94-6C87BE2FD2E3}" type="slidenum">
               <a:rPr lang="bg-BG" smtClean="0"/>
-              <a:t>7</a:t>
+              <a:t>6</a:t>
             </a:fld>
             <a:endParaRPr lang="bg-BG"/>
           </a:p>
@@ -1312,7 +1490,7 @@
     </p:spTree>
     <p:extLst>
       <p:ext uri="{BB962C8B-B14F-4D97-AF65-F5344CB8AC3E}">
-        <p14:creationId xmlns:p14="http://schemas.microsoft.com/office/powerpoint/2010/main" val="4155153879"/>
+        <p14:creationId xmlns:p14="http://schemas.microsoft.com/office/powerpoint/2010/main" val="82636576"/>
       </p:ext>
     </p:extLst>
   </p:cSld>
@@ -1371,17 +1549,118 @@
           <a:bodyPr/>
           <a:lstStyle/>
           <a:p>
-            <a:r>
-              <a:rPr lang="bg-BG" sz="1200" dirty="0" smtClean="0">
+            <a:pPr>
+              <a:lnSpc>
+                <a:spcPct val="107000"/>
+              </a:lnSpc>
+              <a:spcAft>
+                <a:spcPts val="800"/>
+              </a:spcAft>
+            </a:pPr>
+            <a:r>
+              <a:rPr lang="bg-BG" sz="1200" kern="100" dirty="0" smtClean="0">
                 <a:solidFill>
                   <a:srgbClr val="000000"/>
                 </a:solidFill>
                 <a:effectLst/>
                 <a:latin typeface="Times New Roman" panose="02020603050405020304" pitchFamily="18" charset="0"/>
                 <a:ea typeface="Aptos"/>
+                <a:cs typeface="Times New Roman" panose="02020603050405020304" pitchFamily="18" charset="0"/>
               </a:rPr>
-              <a:t>Разработването на фронтенд приложение с JavaScript, заедно с технологии като JSON и AJAX, показа как можем да извлечем данни по асинхронен начин и да актуализираме потребителския интерфейс без необходимост от презареждане на страницата. Този подход увеличава динамиката и интерактивността на приложенията.</a:t>
-            </a:r>
+              <a:t>Клиентската част на приложението е изградена с помощта на модерна JavaScript библиотека Vue.js.</a:t>
+            </a:r>
+            <a:endParaRPr lang="bg-BG" sz="1100" kern="100" dirty="0" smtClean="0">
+              <a:effectLst/>
+              <a:latin typeface="Aptos"/>
+              <a:ea typeface="Aptos"/>
+              <a:cs typeface="Times New Roman" panose="02020603050405020304" pitchFamily="18" charset="0"/>
+            </a:endParaRPr>
+          </a:p>
+          <a:p>
+            <a:pPr>
+              <a:lnSpc>
+                <a:spcPct val="107000"/>
+              </a:lnSpc>
+              <a:spcAft>
+                <a:spcPts val="800"/>
+              </a:spcAft>
+            </a:pPr>
+            <a:r>
+              <a:rPr lang="bg-BG" sz="1200" kern="100" dirty="0" smtClean="0">
+                <a:solidFill>
+                  <a:srgbClr val="000000"/>
+                </a:solidFill>
+                <a:effectLst/>
+                <a:latin typeface="Times New Roman" panose="02020603050405020304" pitchFamily="18" charset="0"/>
+                <a:ea typeface="Aptos"/>
+                <a:cs typeface="Times New Roman" panose="02020603050405020304" pitchFamily="18" charset="0"/>
+              </a:rPr>
+              <a:t> Избрах Vue.js. защото:</a:t>
+            </a:r>
+            <a:endParaRPr lang="bg-BG" sz="1100" kern="100" dirty="0" smtClean="0">
+              <a:effectLst/>
+              <a:latin typeface="Aptos"/>
+              <a:ea typeface="Aptos"/>
+              <a:cs typeface="Times New Roman" panose="02020603050405020304" pitchFamily="18" charset="0"/>
+            </a:endParaRPr>
+          </a:p>
+          <a:p>
+            <a:pPr>
+              <a:lnSpc>
+                <a:spcPct val="107000"/>
+              </a:lnSpc>
+              <a:spcAft>
+                <a:spcPts val="800"/>
+              </a:spcAft>
+            </a:pPr>
+            <a:r>
+              <a:rPr lang="bg-BG" sz="1200" kern="100" dirty="0" smtClean="0">
+                <a:solidFill>
+                  <a:srgbClr val="000000"/>
+                </a:solidFill>
+                <a:effectLst/>
+                <a:latin typeface="Times New Roman" panose="02020603050405020304" pitchFamily="18" charset="0"/>
+                <a:ea typeface="Aptos"/>
+                <a:cs typeface="Times New Roman" panose="02020603050405020304" pitchFamily="18" charset="0"/>
+              </a:rPr>
+              <a:t>Има добра документация и е лесна за интеграция в съществуващи проекти.</a:t>
+            </a:r>
+            <a:endParaRPr lang="bg-BG" sz="1100" kern="100" dirty="0" smtClean="0">
+              <a:effectLst/>
+              <a:latin typeface="Aptos"/>
+              <a:ea typeface="Aptos"/>
+              <a:cs typeface="Times New Roman" panose="02020603050405020304" pitchFamily="18" charset="0"/>
+            </a:endParaRPr>
+          </a:p>
+          <a:p>
+            <a:pPr>
+              <a:lnSpc>
+                <a:spcPct val="107000"/>
+              </a:lnSpc>
+              <a:spcAft>
+                <a:spcPts val="800"/>
+              </a:spcAft>
+            </a:pPr>
+            <a:r>
+              <a:rPr lang="bg-BG" sz="1200" kern="100" dirty="0" smtClean="0">
+                <a:solidFill>
+                  <a:srgbClr val="000000"/>
+                </a:solidFill>
+                <a:effectLst/>
+                <a:latin typeface="Times New Roman" panose="02020603050405020304" pitchFamily="18" charset="0"/>
+                <a:ea typeface="Aptos"/>
+                <a:cs typeface="Times New Roman" panose="02020603050405020304" pitchFamily="18" charset="0"/>
+              </a:rPr>
+              <a:t>Предлага двупосочна свързаност на данните, което улеснява управлението на взаимодействията с потребителския интерфейс.</a:t>
+            </a:r>
+            <a:endParaRPr lang="bg-BG" sz="1100" kern="100" dirty="0" smtClean="0">
+              <a:effectLst/>
+              <a:latin typeface="Aptos"/>
+              <a:ea typeface="Aptos"/>
+              <a:cs typeface="Times New Roman" panose="02020603050405020304" pitchFamily="18" charset="0"/>
+            </a:endParaRPr>
+          </a:p>
+          <a:p>
             <a:endParaRPr lang="bg-BG" dirty="0"/>
           </a:p>
         </p:txBody>
@@ -1403,7 +1682,7 @@
           <a:p>
             <a:fld id="{B10DF358-3D44-4ABE-AE94-6C87BE2FD2E3}" type="slidenum">
               <a:rPr lang="bg-BG" smtClean="0"/>
-              <a:t>8</a:t>
+              <a:t>7</a:t>
             </a:fld>
             <a:endParaRPr lang="bg-BG"/>
           </a:p>
@@ -1412,7 +1691,7 @@
     </p:spTree>
     <p:extLst>
       <p:ext uri="{BB962C8B-B14F-4D97-AF65-F5344CB8AC3E}">
-        <p14:creationId xmlns:p14="http://schemas.microsoft.com/office/powerpoint/2010/main" val="3444128930"/>
+        <p14:creationId xmlns:p14="http://schemas.microsoft.com/office/powerpoint/2010/main" val="4155153879"/>
       </p:ext>
     </p:extLst>
   </p:cSld>
@@ -1471,6 +1750,52 @@
           <a:bodyPr/>
           <a:lstStyle/>
           <a:p>
+            <a:r>
+              <a:rPr lang="bg-BG" sz="1200" dirty="0" smtClean="0">
+                <a:solidFill>
+                  <a:srgbClr val="000000"/>
+                </a:solidFill>
+                <a:effectLst/>
+                <a:latin typeface="Times New Roman" panose="02020603050405020304" pitchFamily="18" charset="0"/>
+                <a:ea typeface="Aptos"/>
+              </a:rPr>
+              <a:t>Разработването на фронтенд приложение с </a:t>
+            </a:r>
+            <a:r>
+              <a:rPr lang="bg-BG" sz="1200" dirty="0" smtClean="0">
+                <a:solidFill>
+                  <a:srgbClr val="000000"/>
+                </a:solidFill>
+                <a:effectLst/>
+                <a:latin typeface="Times New Roman" panose="02020603050405020304" pitchFamily="18" charset="0"/>
+                <a:ea typeface="Aptos"/>
+              </a:rPr>
+              <a:t>JavaScript(език за програмиране), </a:t>
+            </a:r>
+            <a:r>
+              <a:rPr lang="bg-BG" sz="1200" dirty="0" smtClean="0">
+                <a:solidFill>
+                  <a:srgbClr val="000000"/>
+                </a:solidFill>
+                <a:effectLst/>
+                <a:latin typeface="Times New Roman" panose="02020603050405020304" pitchFamily="18" charset="0"/>
+                <a:ea typeface="Aptos"/>
+              </a:rPr>
+              <a:t>заедно с технологии като JSON и AJAX, показа как можем да извлечем данни по асинхронен начин и да актуализираме потребителския интерфейс без необходимост от презареждане на страницата. Този подход увеличава динамиката и интерактивността на приложенията</a:t>
+            </a:r>
+            <a:r>
+              <a:rPr lang="bg-BG" sz="1200" dirty="0" smtClean="0">
+                <a:solidFill>
+                  <a:srgbClr val="000000"/>
+                </a:solidFill>
+                <a:effectLst/>
+                <a:latin typeface="Times New Roman" panose="02020603050405020304" pitchFamily="18" charset="0"/>
+                <a:ea typeface="Aptos"/>
+              </a:rPr>
+              <a:t>.</a:t>
+            </a:r>
+          </a:p>
+          <a:p>
             <a:pPr>
               <a:lnSpc>
                 <a:spcPct val="107000"/>
@@ -1479,6 +1804,18 @@
                 <a:spcPts val="800"/>
               </a:spcAft>
             </a:pPr>
+            <a:r>
+              <a:rPr lang="en-AU" sz="1200" kern="100" dirty="0" smtClean="0">
+                <a:solidFill>
+                  <a:srgbClr val="000000"/>
+                </a:solidFill>
+                <a:effectLst/>
+                <a:latin typeface="Times New Roman" panose="02020603050405020304" pitchFamily="18" charset="0"/>
+                <a:ea typeface="Aptos"/>
+                <a:cs typeface="Times New Roman" panose="02020603050405020304" pitchFamily="18" charset="0"/>
+              </a:rPr>
+              <a:t>*</a:t>
+            </a:r>
             <a:r>
               <a:rPr lang="bg-BG" sz="1200" kern="100" dirty="0" smtClean="0">
                 <a:solidFill>
@@ -1489,9 +1826,33 @@
                 <a:ea typeface="Aptos"/>
                 <a:cs typeface="Times New Roman" panose="02020603050405020304" pitchFamily="18" charset="0"/>
               </a:rPr>
-              <a:t>В резултат на всички тези стъпки успях да реализирам уеб приложение, което динамично извлича и визуализира данни от външния REST API на ПГЕЕ – гр. Банско. Приложението работи бързо и надеждно, като предоставя на потребителите актуална информация за дневното и седмичното разписание, представена в модерен и анимиран уеб интерфейс. Чрез използването на прокси слой в backend-а успешно преодолях ограниченията, наложени от CORS политиката на браузъра, а интеграцията на Vue.js и Axios направи възможно създаването на динамичен и лесен за поддръжка frontend.</a:t>
-            </a:r>
-            <a:endParaRPr lang="bg-BG" sz="1100" kern="100" dirty="0" smtClean="0">
+              <a:t>Използването на JSO</a:t>
+            </a:r>
+            <a:r>
+              <a:rPr lang="en-AU" sz="1200" kern="100" dirty="0" smtClean="0">
+                <a:solidFill>
+                  <a:srgbClr val="000000"/>
+                </a:solidFill>
+                <a:effectLst/>
+                <a:latin typeface="Times New Roman" panose="02020603050405020304" pitchFamily="18" charset="0"/>
+                <a:ea typeface="Aptos"/>
+                <a:cs typeface="Times New Roman" panose="02020603050405020304" pitchFamily="18" charset="0"/>
+              </a:rPr>
+              <a:t>N</a:t>
+            </a:r>
+            <a:r>
+              <a:rPr lang="bg-BG" sz="1200" kern="100" dirty="0" smtClean="0">
+                <a:solidFill>
+                  <a:srgbClr val="000000"/>
+                </a:solidFill>
+                <a:effectLst/>
+                <a:latin typeface="Times New Roman" panose="02020603050405020304" pitchFamily="18" charset="0"/>
+                <a:ea typeface="Aptos"/>
+                <a:cs typeface="Times New Roman" panose="02020603050405020304" pitchFamily="18" charset="0"/>
+              </a:rPr>
+              <a:t>(Java Script Object Notation)и AJAX(Asynchronous JavaScript and XML) е от съществени значения за разработката на RESTful приложения, предлагайки гъвкаво и интерактивно взаимодействие между клиент и сървър. JSON служи като идеален формат за предаване на данни, а AJAX позволява асинхронно извличане и обработка на информация, придавайки динамичност на уеб приложенията.</a:t>
+            </a:r>
+            <a:endParaRPr lang="bg-BG" sz="1200" kern="100" dirty="0" smtClean="0">
               <a:effectLst/>
               <a:latin typeface="Aptos"/>
               <a:ea typeface="Aptos"/>
@@ -1520,7 +1881,7 @@
           <a:p>
             <a:fld id="{B10DF358-3D44-4ABE-AE94-6C87BE2FD2E3}" type="slidenum">
               <a:rPr lang="bg-BG" smtClean="0"/>
-              <a:t>9</a:t>
+              <a:t>8</a:t>
             </a:fld>
             <a:endParaRPr lang="bg-BG"/>
           </a:p>
@@ -1529,7 +1890,7 @@
     </p:spTree>
     <p:extLst>
       <p:ext uri="{BB962C8B-B14F-4D97-AF65-F5344CB8AC3E}">
-        <p14:creationId xmlns:p14="http://schemas.microsoft.com/office/powerpoint/2010/main" val="650789012"/>
+        <p14:creationId xmlns:p14="http://schemas.microsoft.com/office/powerpoint/2010/main" val="3444128930"/>
       </p:ext>
     </p:extLst>
   </p:cSld>
@@ -1588,17 +1949,35 @@
           <a:bodyPr/>
           <a:lstStyle/>
           <a:p>
-            <a:r>
-              <a:rPr lang="ru-RU" dirty="0" smtClean="0"/>
-              <a:t>Благодаря за вниманието!</a:t>
-            </a:r>
-          </a:p>
-          <a:p>
-            <a:r>
-              <a:rPr lang="ru-RU" dirty="0" smtClean="0"/>
-              <a:t>Ако имате въпроси съм готов да отговоря.</a:t>
-            </a:r>
-            <a:endParaRPr lang="ru-RU" dirty="0"/>
+            <a:pPr>
+              <a:lnSpc>
+                <a:spcPct val="107000"/>
+              </a:lnSpc>
+              <a:spcAft>
+                <a:spcPts val="800"/>
+              </a:spcAft>
+            </a:pPr>
+            <a:r>
+              <a:rPr lang="bg-BG" sz="1200" kern="100" dirty="0" smtClean="0">
+                <a:solidFill>
+                  <a:srgbClr val="000000"/>
+                </a:solidFill>
+                <a:effectLst/>
+                <a:latin typeface="Times New Roman" panose="02020603050405020304" pitchFamily="18" charset="0"/>
+                <a:ea typeface="Aptos"/>
+                <a:cs typeface="Times New Roman" panose="02020603050405020304" pitchFamily="18" charset="0"/>
+              </a:rPr>
+              <a:t>В резултат на всички тези стъпки успях да реализирам уеб приложение, което динамично извлича и визуализира данни от външния REST API на ПГЕЕ – гр. Банско. Приложението работи бързо и надеждно, като предоставя на потребителите актуална информация за дневното и седмичното разписание, представена в модерен и анимиран уеб интерфейс. Чрез използването на прокси слой в backend-а успешно преодолях ограниченията, наложени от CORS политиката на браузъра, а интеграцията на Vue.js и Axios направи възможно създаването на динамичен и лесен за поддръжка frontend.</a:t>
+            </a:r>
+            <a:endParaRPr lang="bg-BG" sz="1100" kern="100" dirty="0" smtClean="0">
+              <a:effectLst/>
+              <a:latin typeface="Aptos"/>
+              <a:ea typeface="Aptos"/>
+              <a:cs typeface="Times New Roman" panose="02020603050405020304" pitchFamily="18" charset="0"/>
+            </a:endParaRPr>
+          </a:p>
+          <a:p>
+            <a:endParaRPr lang="bg-BG" dirty="0"/>
           </a:p>
         </p:txBody>
       </p:sp>
@@ -1619,7 +1998,7 @@
           <a:p>
             <a:fld id="{B10DF358-3D44-4ABE-AE94-6C87BE2FD2E3}" type="slidenum">
               <a:rPr lang="bg-BG" smtClean="0"/>
-              <a:t>10</a:t>
+              <a:t>9</a:t>
             </a:fld>
             <a:endParaRPr lang="bg-BG"/>
           </a:p>
@@ -1628,7 +2007,7 @@
     </p:spTree>
     <p:extLst>
       <p:ext uri="{BB962C8B-B14F-4D97-AF65-F5344CB8AC3E}">
-        <p14:creationId xmlns:p14="http://schemas.microsoft.com/office/powerpoint/2010/main" val="944953533"/>
+        <p14:creationId xmlns:p14="http://schemas.microsoft.com/office/powerpoint/2010/main" val="650789012"/>
       </p:ext>
     </p:extLst>
   </p:cSld>
@@ -1835,7 +2214,7 @@
             <a:fld id="{1D8BD707-D9CF-40AE-B4C6-C98DA3205C09}" type="datetimeFigureOut">
               <a:rPr lang="en-US" smtClean="0"/>
               <a:pPr/>
-              <a:t>5/13/2025</a:t>
+              <a:t>5/14/2025</a:t>
             </a:fld>
             <a:endParaRPr lang="en-US"/>
           </a:p>
@@ -2058,7 +2437,7 @@
             <a:fld id="{1D8BD707-D9CF-40AE-B4C6-C98DA3205C09}" type="datetimeFigureOut">
               <a:rPr lang="en-US" smtClean="0"/>
               <a:pPr/>
-              <a:t>5/13/2025</a:t>
+              <a:t>5/14/2025</a:t>
             </a:fld>
             <a:endParaRPr lang="en-US"/>
           </a:p>
@@ -2240,7 +2619,7 @@
             <a:fld id="{1D8BD707-D9CF-40AE-B4C6-C98DA3205C09}" type="datetimeFigureOut">
               <a:rPr lang="en-US" smtClean="0"/>
               <a:pPr/>
-              <a:t>5/13/2025</a:t>
+              <a:t>5/14/2025</a:t>
             </a:fld>
             <a:endParaRPr lang="en-US"/>
           </a:p>
@@ -2412,7 +2791,7 @@
             <a:fld id="{1D8BD707-D9CF-40AE-B4C6-C98DA3205C09}" type="datetimeFigureOut">
               <a:rPr lang="en-US" smtClean="0"/>
               <a:pPr/>
-              <a:t>5/13/2025</a:t>
+              <a:t>5/14/2025</a:t>
             </a:fld>
             <a:endParaRPr lang="en-US"/>
           </a:p>
@@ -2665,7 +3044,7 @@
             <a:fld id="{1D8BD707-D9CF-40AE-B4C6-C98DA3205C09}" type="datetimeFigureOut">
               <a:rPr lang="en-US" smtClean="0"/>
               <a:pPr/>
-              <a:t>5/13/2025</a:t>
+              <a:t>5/14/2025</a:t>
             </a:fld>
             <a:endParaRPr lang="en-US"/>
           </a:p>
@@ -2990,7 +3369,7 @@
             <a:fld id="{1D8BD707-D9CF-40AE-B4C6-C98DA3205C09}" type="datetimeFigureOut">
               <a:rPr lang="en-US" smtClean="0"/>
               <a:pPr/>
-              <a:t>5/13/2025</a:t>
+              <a:t>5/14/2025</a:t>
             </a:fld>
             <a:endParaRPr lang="en-US"/>
           </a:p>
@@ -3416,7 +3795,7 @@
             <a:fld id="{1D8BD707-D9CF-40AE-B4C6-C98DA3205C09}" type="datetimeFigureOut">
               <a:rPr lang="en-US" smtClean="0"/>
               <a:pPr/>
-              <a:t>5/13/2025</a:t>
+              <a:t>5/14/2025</a:t>
             </a:fld>
             <a:endParaRPr lang="en-US"/>
           </a:p>
@@ -3536,7 +3915,7 @@
             <a:fld id="{1D8BD707-D9CF-40AE-B4C6-C98DA3205C09}" type="datetimeFigureOut">
               <a:rPr lang="en-US" smtClean="0"/>
               <a:pPr/>
-              <a:t>5/13/2025</a:t>
+              <a:t>5/14/2025</a:t>
             </a:fld>
             <a:endParaRPr lang="en-US"/>
           </a:p>
@@ -3633,7 +4012,7 @@
             <a:fld id="{1D8BD707-D9CF-40AE-B4C6-C98DA3205C09}" type="datetimeFigureOut">
               <a:rPr lang="en-US" smtClean="0"/>
               <a:pPr/>
-              <a:t>5/13/2025</a:t>
+              <a:t>5/14/2025</a:t>
             </a:fld>
             <a:endParaRPr lang="en-US"/>
           </a:p>
@@ -3925,7 +4304,7 @@
             <a:fld id="{1D8BD707-D9CF-40AE-B4C6-C98DA3205C09}" type="datetimeFigureOut">
               <a:rPr lang="en-US" smtClean="0"/>
               <a:pPr/>
-              <a:t>5/13/2025</a:t>
+              <a:t>5/14/2025</a:t>
             </a:fld>
             <a:endParaRPr lang="en-US"/>
           </a:p>
@@ -4199,7 +4578,7 @@
             <a:fld id="{1D8BD707-D9CF-40AE-B4C6-C98DA3205C09}" type="datetimeFigureOut">
               <a:rPr lang="en-US" smtClean="0"/>
               <a:pPr/>
-              <a:t>5/13/2025</a:t>
+              <a:t>5/14/2025</a:t>
             </a:fld>
             <a:endParaRPr lang="en-US"/>
           </a:p>
@@ -4455,7 +4834,7 @@
             <a:fld id="{1D8BD707-D9CF-40AE-B4C6-C98DA3205C09}" type="datetimeFigureOut">
               <a:rPr lang="en-US" smtClean="0"/>
               <a:pPr/>
-              <a:t>5/13/2025</a:t>
+              <a:t>5/14/2025</a:t>
             </a:fld>
             <a:endParaRPr lang="en-US"/>
           </a:p>
@@ -4976,23 +5355,7 @@
                   <a:schemeClr val="bg1"/>
                 </a:solidFill>
               </a:rPr>
-              <a:t>Използване </a:t>
-            </a:r>
-            <a:r>
-              <a:rPr lang="ru-RU" sz="3200" dirty="0">
-                <a:solidFill>
-                  <a:schemeClr val="bg1"/>
-                </a:solidFill>
-              </a:rPr>
-              <a:t>на REST API от страна на </a:t>
-            </a:r>
-            <a:r>
-              <a:rPr lang="ru-RU" sz="3200" dirty="0">
-                <a:solidFill>
-                  <a:schemeClr val="bg1"/>
-                </a:solidFill>
-              </a:rPr>
-              <a:t>клиента</a:t>
+              <a:t>Използване на REST API от страна на клиента</a:t>
             </a:r>
             <a:r>
               <a:rPr lang="en-AU" sz="3200" dirty="0">
@@ -5094,24 +5457,7 @@
                 <a:latin typeface="Times New Roman" panose="02020603050405020304" pitchFamily="18" charset="0"/>
                 <a:cs typeface="Times New Roman" panose="02020603050405020304" pitchFamily="18" charset="0"/>
               </a:rPr>
-              <a:t>ДЪРЖАВЕН </a:t>
-            </a:r>
-            <a:r>
-              <a:rPr lang="ru-RU" sz="1600" dirty="0">
-                <a:solidFill>
-                  <a:schemeClr val="bg1"/>
-                </a:solidFill>
-                <a:effectLst>
-                  <a:outerShdw blurRad="38100" dist="38100" dir="2700000" algn="tl">
-                    <a:srgbClr val="000000">
-                      <a:alpha val="43137"/>
-                    </a:srgbClr>
-                  </a:outerShdw>
-                </a:effectLst>
-                <a:latin typeface="Times New Roman" panose="02020603050405020304" pitchFamily="18" charset="0"/>
-                <a:cs typeface="Times New Roman" panose="02020603050405020304" pitchFamily="18" charset="0"/>
-              </a:rPr>
-              <a:t>ИЗПИТ ЗА ПРИДОБИВАНЕ НА ТРЕТА СТЕПЕН НА ПРОФЕСИОНАЛНА КВАЛИФИКАЦИЯ – ЧАСТ ПО ТЕОРИЯ НА ПРОФЕСИЯТА</a:t>
+              <a:t>ДЪРЖАВЕН ИЗПИТ ЗА ПРИДОБИВАНЕ НА ТРЕТА СТЕПЕН НА ПРОФЕСИОНАЛНА КВАЛИФИКАЦИЯ – ЧАСТ ПО ТЕОРИЯ НА ПРОФЕСИЯТА</a:t>
             </a:r>
           </a:p>
           <a:p>
@@ -5416,7 +5762,7 @@
           <p:nvPr/>
         </p:nvPicPr>
         <p:blipFill>
-          <a:blip r:embed="rId2"/>
+          <a:blip r:embed="rId3"/>
           <a:stretch>
             <a:fillRect/>
           </a:stretch>
@@ -5486,6 +5832,55 @@
           </a:prstGeom>
         </p:spPr>
       </p:pic>
+      <p:sp>
+        <p:nvSpPr>
+          <p:cNvPr id="5" name="Текстово поле 4"/>
+          <p:cNvSpPr txBox="1"/>
+          <p:nvPr/>
+        </p:nvSpPr>
+        <p:spPr>
+          <a:xfrm>
+            <a:off x="8534400" y="6019800"/>
+            <a:ext cx="2971800" cy="523220"/>
+          </a:xfrm>
+          <a:prstGeom prst="rect">
+            <a:avLst/>
+          </a:prstGeom>
+          <a:noFill/>
+        </p:spPr>
+        <p:txBody>
+          <a:bodyPr wrap="square" rtlCol="0">
+            <a:spAutoFit/>
+          </a:bodyPr>
+          <a:lstStyle/>
+          <a:p>
+            <a:r>
+              <a:rPr lang="en-US" sz="2800" dirty="0">
+                <a:solidFill>
+                  <a:schemeClr val="bg1"/>
+                </a:solidFill>
+              </a:rPr>
+              <a:t>backend</a:t>
+            </a:r>
+            <a:r>
+              <a:rPr lang="en-US" sz="2000" dirty="0">
+                <a:solidFill>
+                  <a:schemeClr val="bg1"/>
+                </a:solidFill>
+              </a:rPr>
+              <a:t> </a:t>
+            </a:r>
+            <a:r>
+              <a:rPr lang="bg-BG" sz="2800" dirty="0">
+                <a:solidFill>
+                  <a:schemeClr val="bg1"/>
+                </a:solidFill>
+              </a:rPr>
+              <a:t>частта</a:t>
+            </a:r>
+          </a:p>
+        </p:txBody>
+      </p:sp>
     </p:spTree>
     <p:extLst>
       <p:ext uri="{BB962C8B-B14F-4D97-AF65-F5344CB8AC3E}">
@@ -5525,13 +5920,11 @@
       </p:grpSpPr>
       <p:pic>
         <p:nvPicPr>
-          <p:cNvPr id="4" name="Контейнер за съдържание 3"/>
+          <p:cNvPr id="5" name="Картина 4"/>
           <p:cNvPicPr>
-            <a:picLocks noGrp="1" noChangeAspect="1"/>
+            <a:picLocks noChangeAspect="1"/>
           </p:cNvPicPr>
-          <p:nvPr>
-            <p:ph idx="1"/>
-          </p:nvPr>
+          <p:nvPr/>
         </p:nvPicPr>
         <p:blipFill>
           <a:blip r:embed="rId3"/>
@@ -5541,8 +5934,8 @@
         </p:blipFill>
         <p:spPr>
           <a:xfrm>
-            <a:off x="1600200" y="762000"/>
-            <a:ext cx="8928000" cy="5022000"/>
+            <a:off x="1828800" y="838200"/>
+            <a:ext cx="8431369" cy="4676775"/>
           </a:xfrm>
           <a:prstGeom prst="rect">
             <a:avLst/>
@@ -5777,22 +6170,54 @@
           </p:cNvPicPr>
           <p:nvPr/>
         </p:nvPicPr>
-        <p:blipFill>
+        <p:blipFill rotWithShape="1">
           <a:blip r:embed="rId3"/>
-          <a:stretch>
-            <a:fillRect/>
-          </a:stretch>
+          <a:srcRect r="2189" b="4494"/>
+          <a:stretch/>
         </p:blipFill>
         <p:spPr>
           <a:xfrm>
-            <a:off x="1633341" y="917231"/>
-            <a:ext cx="8925318" cy="5023539"/>
+            <a:off x="762000" y="304800"/>
+            <a:ext cx="10515600" cy="5779179"/>
           </a:xfrm>
           <a:prstGeom prst="rect">
             <a:avLst/>
           </a:prstGeom>
         </p:spPr>
       </p:pic>
+      <p:sp>
+        <p:nvSpPr>
+          <p:cNvPr id="7" name="Текстово поле 6"/>
+          <p:cNvSpPr txBox="1"/>
+          <p:nvPr/>
+        </p:nvSpPr>
+        <p:spPr>
+          <a:xfrm>
+            <a:off x="8458200" y="6083979"/>
+            <a:ext cx="3276600" cy="523220"/>
+          </a:xfrm>
+          <a:prstGeom prst="rect">
+            <a:avLst/>
+          </a:prstGeom>
+          <a:noFill/>
+        </p:spPr>
+        <p:txBody>
+          <a:bodyPr wrap="square" rtlCol="0">
+            <a:spAutoFit/>
+          </a:bodyPr>
+          <a:lstStyle/>
+          <a:p>
+            <a:r>
+              <a:rPr lang="en-US" sz="2800" dirty="0"/>
+              <a:t>frontend </a:t>
+            </a:r>
+            <a:r>
+              <a:rPr lang="bg-BG" sz="2800" dirty="0"/>
+              <a:t>частта</a:t>
+            </a:r>
+          </a:p>
+        </p:txBody>
+      </p:sp>
     </p:spTree>
     <p:extLst>
       <p:ext uri="{BB962C8B-B14F-4D97-AF65-F5344CB8AC3E}">

--- a/dr/Защита- дипломен проект.pptx
+++ b/dr/Защита- дипломен проект.pptx
@@ -761,16 +761,7 @@
                 <a:ea typeface="Aptos"/>
                 <a:cs typeface="Times New Roman" panose="02020603050405020304" pitchFamily="18" charset="0"/>
               </a:rPr>
-              <a:t>Динамичните уеб приложения са изключително важни в днешния свят, тъй като позволяват бързо и в реално време обмен на информация с потребителите. Въвеждането на нови технологии, които дават възможност на клиентите да взаимодействат с данни по лесен и гъвкав начин, е основен етап в развитието на </a:t>
-            </a:r>
-            <a:r>
-              <a:rPr lang="bg-BG" sz="1200" kern="100" dirty="0" smtClean="0">
-                <a:effectLst/>
-                <a:latin typeface="Times New Roman" panose="02020603050405020304" pitchFamily="18" charset="0"/>
-                <a:ea typeface="Aptos"/>
-                <a:cs typeface="Times New Roman" panose="02020603050405020304" pitchFamily="18" charset="0"/>
-              </a:rPr>
-              <a:t>софтуерните</a:t>
+              <a:t>Динамичните уеб приложения са изключително важни в днешния свят, тъй като позволяват бързо и в реално време обмен на информация с потребителите. Въвеждането на нови технологии, които дават възможност на клиентите да взаимодействат с данни по лесен и гъвкав начин, е основен етап в развитието на софтуерните</a:t>
             </a:r>
             <a:r>
               <a:rPr lang="bg-BG" sz="1200" kern="100" baseline="0" dirty="0" smtClean="0">
@@ -788,16 +779,7 @@
                 <a:ea typeface="Aptos"/>
                 <a:cs typeface="Times New Roman" panose="02020603050405020304" pitchFamily="18" charset="0"/>
               </a:rPr>
-              <a:t>. </a:t>
-            </a:r>
-            <a:r>
-              <a:rPr lang="bg-BG" sz="1200" kern="100" dirty="0" smtClean="0">
-                <a:effectLst/>
-                <a:latin typeface="Times New Roman" panose="02020603050405020304" pitchFamily="18" charset="0"/>
-                <a:ea typeface="Aptos"/>
-                <a:cs typeface="Times New Roman" panose="02020603050405020304" pitchFamily="18" charset="0"/>
-              </a:rPr>
-              <a:t>Този дипломен проект се съсредоточава върху използването на REST API от страна на клиента, което е ключов аспект от тези иновации.</a:t>
+              <a:t>. Този дипломен проект се съсредоточава върху използването на REST API от страна на клиента, което е ключов аспект от тези иновации.</a:t>
             </a:r>
             <a:endParaRPr lang="bg-BG" sz="1100" kern="100" dirty="0">
               <a:effectLst/>
@@ -1263,19 +1245,7 @@
                 <a:ea typeface="Aptos"/>
                 <a:cs typeface="Times New Roman" panose="02020603050405020304" pitchFamily="18" charset="0"/>
               </a:rPr>
-              <a:t>ъв файла info_main.js реализирах основната логика на Vue компонента. Там дефинирах всички необходими данни и методи, които управляват състоянието на приложението и обработват получените от backend-а данни. Използвах Axios за изпращане на заявки към локалния сървър, като по този начин осигурих асинхронно извличане на информацията за разписанието</a:t>
-            </a:r>
-            <a:r>
-              <a:rPr lang="bg-BG" sz="1200" kern="100" dirty="0" smtClean="0">
-                <a:solidFill>
-                  <a:srgbClr val="000000"/>
-                </a:solidFill>
-                <a:effectLst/>
-                <a:latin typeface="Times New Roman" panose="02020603050405020304" pitchFamily="18" charset="0"/>
-                <a:ea typeface="Aptos"/>
-                <a:cs typeface="Times New Roman" panose="02020603050405020304" pitchFamily="18" charset="0"/>
-              </a:rPr>
-              <a:t>.</a:t>
+              <a:t>ъв файла info_main.js реализирах основната логика на Vue компонента. Там дефинирах всички необходими данни и методи, които управляват състоянието на приложението и обработват получените от backend-а данни. Използвах Axios за изпращане на заявки към локалния сървър, като по този начин осигурих асинхронно извличане на информацията за разписанието.</a:t>
             </a:r>
             <a:endParaRPr lang="en-AU" sz="1200" kern="100" dirty="0" smtClean="0">
               <a:solidFill>
@@ -1759,40 +1729,7 @@
                 <a:latin typeface="Times New Roman" panose="02020603050405020304" pitchFamily="18" charset="0"/>
                 <a:ea typeface="Aptos"/>
               </a:rPr>
-              <a:t>Разработването на фронтенд приложение с </a:t>
-            </a:r>
-            <a:r>
-              <a:rPr lang="bg-BG" sz="1200" dirty="0" smtClean="0">
-                <a:solidFill>
-                  <a:srgbClr val="000000"/>
-                </a:solidFill>
-                <a:effectLst/>
-                <a:latin typeface="Times New Roman" panose="02020603050405020304" pitchFamily="18" charset="0"/>
-                <a:ea typeface="Aptos"/>
-              </a:rPr>
-              <a:t>JavaScript(език за програмиране), </a:t>
-            </a:r>
-            <a:r>
-              <a:rPr lang="bg-BG" sz="1200" dirty="0" smtClean="0">
-                <a:solidFill>
-                  <a:srgbClr val="000000"/>
-                </a:solidFill>
-                <a:effectLst/>
-                <a:latin typeface="Times New Roman" panose="02020603050405020304" pitchFamily="18" charset="0"/>
-                <a:ea typeface="Aptos"/>
-              </a:rPr>
-              <a:t>заедно с технологии като JSON и AJAX, показа как можем да извлечем данни по асинхронен начин и да актуализираме потребителския интерфейс без необходимост от презареждане на страницата. Този подход увеличава динамиката и интерактивността на приложенията</a:t>
-            </a:r>
-            <a:r>
-              <a:rPr lang="bg-BG" sz="1200" dirty="0" smtClean="0">
-                <a:solidFill>
-                  <a:srgbClr val="000000"/>
-                </a:solidFill>
-                <a:effectLst/>
-                <a:latin typeface="Times New Roman" panose="02020603050405020304" pitchFamily="18" charset="0"/>
-                <a:ea typeface="Aptos"/>
-              </a:rPr>
-              <a:t>.</a:t>
+              <a:t>Разработването на фронтенд приложение с JavaScript(език за програмиране), заедно с технологии като JSON и AJAX, показа как можем да извлечем данни по асинхронен начин и да актуализираме потребителския интерфейс без необходимост от презареждане на страницата. Този подход увеличава динамиката и интерактивността на приложенията.</a:t>
             </a:r>
           </a:p>
           <a:p>

--- a/dr/Защита- дипломен проект.pptx
+++ b/dr/Защита- дипломен проект.pptx
@@ -217,7 +217,7 @@
           <a:p>
             <a:fld id="{51B6C609-93FD-47BB-A870-51E213CD9463}" type="datetimeFigureOut">
               <a:rPr lang="bg-BG" smtClean="0"/>
-              <a:t>14.5.2025 г.</a:t>
+              <a:t>19.5.2025 г.</a:t>
             </a:fld>
             <a:endParaRPr lang="bg-BG"/>
           </a:p>
@@ -761,16 +761,7 @@
                 <a:ea typeface="Aptos"/>
                 <a:cs typeface="Times New Roman" panose="02020603050405020304" pitchFamily="18" charset="0"/>
               </a:rPr>
-              <a:t>Динамичните уеб приложения са изключително важни в днешния свят, тъй като позволяват бързо и в реално време обмен на информация с потребителите. Въвеждането на нови технологии, които дават възможност на клиентите да взаимодействат с данни по лесен и гъвкав начин, е основен етап в развитието на софтуерните</a:t>
-            </a:r>
-            <a:r>
-              <a:rPr lang="bg-BG" sz="1200" kern="100" baseline="0" dirty="0" smtClean="0">
-                <a:effectLst/>
-                <a:latin typeface="Times New Roman" panose="02020603050405020304" pitchFamily="18" charset="0"/>
-                <a:ea typeface="Aptos"/>
-                <a:cs typeface="Times New Roman" panose="02020603050405020304" pitchFamily="18" charset="0"/>
-              </a:rPr>
-              <a:t> технологии</a:t>
+              <a:t>Динамичните уеб приложения са изключително важни в днешния свят, тъй като позволяват бързо и в реално време обмен на информация с потребителите. </a:t>
             </a:r>
             <a:r>
               <a:rPr lang="bg-BG" sz="1200" kern="100" dirty="0" smtClean="0">
@@ -779,7 +770,16 @@
                 <a:ea typeface="Aptos"/>
                 <a:cs typeface="Times New Roman" panose="02020603050405020304" pitchFamily="18" charset="0"/>
               </a:rPr>
-              <a:t>. Този дипломен проект се съсредоточава върху използването на REST API от страна на клиента, което е ключов аспект от тези иновации.</a:t>
+              <a:t>Този </a:t>
+            </a:r>
+            <a:r>
+              <a:rPr lang="bg-BG" sz="1200" kern="100" dirty="0" smtClean="0">
+                <a:effectLst/>
+                <a:latin typeface="Times New Roman" panose="02020603050405020304" pitchFamily="18" charset="0"/>
+                <a:ea typeface="Aptos"/>
+                <a:cs typeface="Times New Roman" panose="02020603050405020304" pitchFamily="18" charset="0"/>
+              </a:rPr>
+              <a:t>дипломен проект се съсредоточава върху използването на REST API от страна на клиента, което е ключов аспект от тези иновации.</a:t>
             </a:r>
             <a:endParaRPr lang="bg-BG" sz="1100" kern="100" dirty="0">
               <a:effectLst/>
@@ -1282,25 +1282,7 @@
                 <a:ea typeface="Aptos"/>
                 <a:cs typeface="Times New Roman" panose="02020603050405020304" pitchFamily="18" charset="0"/>
               </a:rPr>
-              <a:t>HTML и CSS </a:t>
-            </a:r>
-            <a:r>
-              <a:rPr lang="ru-RU" sz="1100" kern="100" dirty="0" err="1" smtClean="0">
-                <a:effectLst/>
-                <a:latin typeface="Aptos"/>
-                <a:ea typeface="Aptos"/>
-                <a:cs typeface="Times New Roman" panose="02020603050405020304" pitchFamily="18" charset="0"/>
-              </a:rPr>
-              <a:t>са</a:t>
-            </a:r>
-            <a:r>
-              <a:rPr lang="ru-RU" sz="1100" kern="100" dirty="0" smtClean="0">
-                <a:effectLst/>
-                <a:latin typeface="Aptos"/>
-                <a:ea typeface="Aptos"/>
-                <a:cs typeface="Times New Roman" panose="02020603050405020304" pitchFamily="18" charset="0"/>
-              </a:rPr>
-              <a:t> основни технологии за създаване на уеб сайтове, като HTML определя структурата на съдържанието, а CSS се използва за стилизиране и оформление на тази структура</a:t>
+              <a:t>HTML и CSS са основни технологии за създаване на уеб сайтове, като HTML определя структурата на съдържанието, а CSS се използва за стилизиране и оформление на тази структура</a:t>
             </a:r>
             <a:r>
               <a:rPr lang="en-AU" sz="1100" kern="100" dirty="0" smtClean="0">
@@ -2151,7 +2133,7 @@
             <a:fld id="{1D8BD707-D9CF-40AE-B4C6-C98DA3205C09}" type="datetimeFigureOut">
               <a:rPr lang="en-US" smtClean="0"/>
               <a:pPr/>
-              <a:t>5/14/2025</a:t>
+              <a:t>5/19/2025</a:t>
             </a:fld>
             <a:endParaRPr lang="en-US"/>
           </a:p>
@@ -2374,7 +2356,7 @@
             <a:fld id="{1D8BD707-D9CF-40AE-B4C6-C98DA3205C09}" type="datetimeFigureOut">
               <a:rPr lang="en-US" smtClean="0"/>
               <a:pPr/>
-              <a:t>5/14/2025</a:t>
+              <a:t>5/19/2025</a:t>
             </a:fld>
             <a:endParaRPr lang="en-US"/>
           </a:p>
@@ -2556,7 +2538,7 @@
             <a:fld id="{1D8BD707-D9CF-40AE-B4C6-C98DA3205C09}" type="datetimeFigureOut">
               <a:rPr lang="en-US" smtClean="0"/>
               <a:pPr/>
-              <a:t>5/14/2025</a:t>
+              <a:t>5/19/2025</a:t>
             </a:fld>
             <a:endParaRPr lang="en-US"/>
           </a:p>
@@ -2728,7 +2710,7 @@
             <a:fld id="{1D8BD707-D9CF-40AE-B4C6-C98DA3205C09}" type="datetimeFigureOut">
               <a:rPr lang="en-US" smtClean="0"/>
               <a:pPr/>
-              <a:t>5/14/2025</a:t>
+              <a:t>5/19/2025</a:t>
             </a:fld>
             <a:endParaRPr lang="en-US"/>
           </a:p>
@@ -2981,7 +2963,7 @@
             <a:fld id="{1D8BD707-D9CF-40AE-B4C6-C98DA3205C09}" type="datetimeFigureOut">
               <a:rPr lang="en-US" smtClean="0"/>
               <a:pPr/>
-              <a:t>5/14/2025</a:t>
+              <a:t>5/19/2025</a:t>
             </a:fld>
             <a:endParaRPr lang="en-US"/>
           </a:p>
@@ -3306,7 +3288,7 @@
             <a:fld id="{1D8BD707-D9CF-40AE-B4C6-C98DA3205C09}" type="datetimeFigureOut">
               <a:rPr lang="en-US" smtClean="0"/>
               <a:pPr/>
-              <a:t>5/14/2025</a:t>
+              <a:t>5/19/2025</a:t>
             </a:fld>
             <a:endParaRPr lang="en-US"/>
           </a:p>
@@ -3732,7 +3714,7 @@
             <a:fld id="{1D8BD707-D9CF-40AE-B4C6-C98DA3205C09}" type="datetimeFigureOut">
               <a:rPr lang="en-US" smtClean="0"/>
               <a:pPr/>
-              <a:t>5/14/2025</a:t>
+              <a:t>5/19/2025</a:t>
             </a:fld>
             <a:endParaRPr lang="en-US"/>
           </a:p>
@@ -3852,7 +3834,7 @@
             <a:fld id="{1D8BD707-D9CF-40AE-B4C6-C98DA3205C09}" type="datetimeFigureOut">
               <a:rPr lang="en-US" smtClean="0"/>
               <a:pPr/>
-              <a:t>5/14/2025</a:t>
+              <a:t>5/19/2025</a:t>
             </a:fld>
             <a:endParaRPr lang="en-US"/>
           </a:p>
@@ -3949,7 +3931,7 @@
             <a:fld id="{1D8BD707-D9CF-40AE-B4C6-C98DA3205C09}" type="datetimeFigureOut">
               <a:rPr lang="en-US" smtClean="0"/>
               <a:pPr/>
-              <a:t>5/14/2025</a:t>
+              <a:t>5/19/2025</a:t>
             </a:fld>
             <a:endParaRPr lang="en-US"/>
           </a:p>
@@ -4241,7 +4223,7 @@
             <a:fld id="{1D8BD707-D9CF-40AE-B4C6-C98DA3205C09}" type="datetimeFigureOut">
               <a:rPr lang="en-US" smtClean="0"/>
               <a:pPr/>
-              <a:t>5/14/2025</a:t>
+              <a:t>5/19/2025</a:t>
             </a:fld>
             <a:endParaRPr lang="en-US"/>
           </a:p>
@@ -4515,7 +4497,7 @@
             <a:fld id="{1D8BD707-D9CF-40AE-B4C6-C98DA3205C09}" type="datetimeFigureOut">
               <a:rPr lang="en-US" smtClean="0"/>
               <a:pPr/>
-              <a:t>5/14/2025</a:t>
+              <a:t>5/19/2025</a:t>
             </a:fld>
             <a:endParaRPr lang="en-US"/>
           </a:p>
@@ -4771,7 +4753,7 @@
             <a:fld id="{1D8BD707-D9CF-40AE-B4C6-C98DA3205C09}" type="datetimeFigureOut">
               <a:rPr lang="en-US" smtClean="0"/>
               <a:pPr/>
-              <a:t>5/14/2025</a:t>
+              <a:t>5/19/2025</a:t>
             </a:fld>
             <a:endParaRPr lang="en-US"/>
           </a:p>
@@ -5940,6 +5922,60 @@
           </a:prstGeom>
         </p:spPr>
       </p:pic>
+      <p:sp>
+        <p:nvSpPr>
+          <p:cNvPr id="3" name="Текстово поле 2"/>
+          <p:cNvSpPr txBox="1"/>
+          <p:nvPr/>
+        </p:nvSpPr>
+        <p:spPr>
+          <a:xfrm>
+            <a:off x="4419600" y="5715000"/>
+            <a:ext cx="3657600" cy="461665"/>
+          </a:xfrm>
+          <a:prstGeom prst="rect">
+            <a:avLst/>
+          </a:prstGeom>
+          <a:noFill/>
+        </p:spPr>
+        <p:txBody>
+          <a:bodyPr wrap="square" rtlCol="0">
+            <a:spAutoFit/>
+          </a:bodyPr>
+          <a:lstStyle/>
+          <a:p>
+            <a:r>
+              <a:rPr lang="bg-BG" sz="2400" dirty="0">
+                <a:solidFill>
+                  <a:schemeClr val="accent1"/>
+                </a:solidFill>
+              </a:rPr>
+              <a:t>"прокси" слой в </a:t>
+            </a:r>
+            <a:r>
+              <a:rPr lang="en-US" sz="2400" dirty="0" smtClean="0">
+                <a:solidFill>
+                  <a:schemeClr val="accent1"/>
+                </a:solidFill>
+              </a:rPr>
+              <a:t>backend</a:t>
+            </a:r>
+            <a:r>
+              <a:rPr lang="bg-BG" sz="2400" dirty="0" smtClean="0">
+                <a:solidFill>
+                  <a:schemeClr val="accent1"/>
+                </a:solidFill>
+              </a:rPr>
+              <a:t>а</a:t>
+            </a:r>
+            <a:endParaRPr lang="bg-BG" sz="2400" dirty="0">
+              <a:solidFill>
+                <a:schemeClr val="accent1"/>
+              </a:solidFill>
+            </a:endParaRPr>
+          </a:p>
+        </p:txBody>
+      </p:sp>
     </p:spTree>
     <p:extLst>
       <p:ext uri="{BB962C8B-B14F-4D97-AF65-F5344CB8AC3E}">
@@ -6001,6 +6037,52 @@
           </a:prstGeom>
         </p:spPr>
       </p:pic>
+      <p:sp>
+        <p:nvSpPr>
+          <p:cNvPr id="2" name="Текстово поле 1"/>
+          <p:cNvSpPr txBox="1"/>
+          <p:nvPr/>
+        </p:nvSpPr>
+        <p:spPr>
+          <a:xfrm>
+            <a:off x="3048001" y="5257800"/>
+            <a:ext cx="7620000" cy="400110"/>
+          </a:xfrm>
+          <a:prstGeom prst="rect">
+            <a:avLst/>
+          </a:prstGeom>
+          <a:noFill/>
+        </p:spPr>
+        <p:txBody>
+          <a:bodyPr wrap="square" rtlCol="0">
+            <a:spAutoFit/>
+          </a:bodyPr>
+          <a:lstStyle/>
+          <a:p>
+            <a:r>
+              <a:rPr lang="ru-RU" sz="2000" dirty="0">
+                <a:solidFill>
+                  <a:schemeClr val="accent1"/>
+                </a:solidFill>
+              </a:rPr>
+              <a:t>Клиентската част на приложението е изградена с </a:t>
+            </a:r>
+            <a:r>
+              <a:rPr lang="ru-RU" sz="2000" dirty="0" smtClean="0">
+                <a:solidFill>
+                  <a:schemeClr val="accent1"/>
+                </a:solidFill>
+              </a:rPr>
+              <a:t>Vue.js</a:t>
+            </a:r>
+            <a:endParaRPr lang="bg-BG" sz="2000" dirty="0">
+              <a:solidFill>
+                <a:schemeClr val="accent1"/>
+              </a:solidFill>
+            </a:endParaRPr>
+          </a:p>
+        </p:txBody>
+      </p:sp>
     </p:spTree>
     <p:extLst>
       <p:ext uri="{BB962C8B-B14F-4D97-AF65-F5344CB8AC3E}">

--- a/dr/Защита- дипломен проект.pptx
+++ b/dr/Защита- дипломен проект.pptx
@@ -217,7 +217,7 @@
           <a:p>
             <a:fld id="{51B6C609-93FD-47BB-A870-51E213CD9463}" type="datetimeFigureOut">
               <a:rPr lang="bg-BG" smtClean="0"/>
-              <a:t>19.5.2025 г.</a:t>
+              <a:t>21.5.2025 г.</a:t>
             </a:fld>
             <a:endParaRPr lang="bg-BG"/>
           </a:p>
@@ -761,25 +761,7 @@
                 <a:ea typeface="Aptos"/>
                 <a:cs typeface="Times New Roman" panose="02020603050405020304" pitchFamily="18" charset="0"/>
               </a:rPr>
-              <a:t>Динамичните уеб приложения са изключително важни в днешния свят, тъй като позволяват бързо и в реално време обмен на информация с потребителите. </a:t>
-            </a:r>
-            <a:r>
-              <a:rPr lang="bg-BG" sz="1200" kern="100" dirty="0" smtClean="0">
-                <a:effectLst/>
-                <a:latin typeface="Times New Roman" panose="02020603050405020304" pitchFamily="18" charset="0"/>
-                <a:ea typeface="Aptos"/>
-                <a:cs typeface="Times New Roman" panose="02020603050405020304" pitchFamily="18" charset="0"/>
-              </a:rPr>
-              <a:t>Този </a:t>
-            </a:r>
-            <a:r>
-              <a:rPr lang="bg-BG" sz="1200" kern="100" dirty="0" smtClean="0">
-                <a:effectLst/>
-                <a:latin typeface="Times New Roman" panose="02020603050405020304" pitchFamily="18" charset="0"/>
-                <a:ea typeface="Aptos"/>
-                <a:cs typeface="Times New Roman" panose="02020603050405020304" pitchFamily="18" charset="0"/>
-              </a:rPr>
-              <a:t>дипломен проект се съсредоточава върху използването на REST API от страна на клиента, което е ключов аспект от тези иновации.</a:t>
+              <a:t>Динамичните уеб приложения са изключително важни в днешния свят, тъй като позволяват бързо и в реално време обмен на информация с потребителите. Този дипломен проект се съсредоточава върху използването на REST API от страна на клиента, което е ключов аспект от тези иновации.</a:t>
             </a:r>
             <a:endParaRPr lang="bg-BG" sz="1100" kern="100" dirty="0">
               <a:effectLst/>
@@ -2133,7 +2115,7 @@
             <a:fld id="{1D8BD707-D9CF-40AE-B4C6-C98DA3205C09}" type="datetimeFigureOut">
               <a:rPr lang="en-US" smtClean="0"/>
               <a:pPr/>
-              <a:t>5/19/2025</a:t>
+              <a:t>5/21/2025</a:t>
             </a:fld>
             <a:endParaRPr lang="en-US"/>
           </a:p>
@@ -2356,7 +2338,7 @@
             <a:fld id="{1D8BD707-D9CF-40AE-B4C6-C98DA3205C09}" type="datetimeFigureOut">
               <a:rPr lang="en-US" smtClean="0"/>
               <a:pPr/>
-              <a:t>5/19/2025</a:t>
+              <a:t>5/21/2025</a:t>
             </a:fld>
             <a:endParaRPr lang="en-US"/>
           </a:p>
@@ -2538,7 +2520,7 @@
             <a:fld id="{1D8BD707-D9CF-40AE-B4C6-C98DA3205C09}" type="datetimeFigureOut">
               <a:rPr lang="en-US" smtClean="0"/>
               <a:pPr/>
-              <a:t>5/19/2025</a:t>
+              <a:t>5/21/2025</a:t>
             </a:fld>
             <a:endParaRPr lang="en-US"/>
           </a:p>
@@ -2710,7 +2692,7 @@
             <a:fld id="{1D8BD707-D9CF-40AE-B4C6-C98DA3205C09}" type="datetimeFigureOut">
               <a:rPr lang="en-US" smtClean="0"/>
               <a:pPr/>
-              <a:t>5/19/2025</a:t>
+              <a:t>5/21/2025</a:t>
             </a:fld>
             <a:endParaRPr lang="en-US"/>
           </a:p>
@@ -2963,7 +2945,7 @@
             <a:fld id="{1D8BD707-D9CF-40AE-B4C6-C98DA3205C09}" type="datetimeFigureOut">
               <a:rPr lang="en-US" smtClean="0"/>
               <a:pPr/>
-              <a:t>5/19/2025</a:t>
+              <a:t>5/21/2025</a:t>
             </a:fld>
             <a:endParaRPr lang="en-US"/>
           </a:p>
@@ -3288,7 +3270,7 @@
             <a:fld id="{1D8BD707-D9CF-40AE-B4C6-C98DA3205C09}" type="datetimeFigureOut">
               <a:rPr lang="en-US" smtClean="0"/>
               <a:pPr/>
-              <a:t>5/19/2025</a:t>
+              <a:t>5/21/2025</a:t>
             </a:fld>
             <a:endParaRPr lang="en-US"/>
           </a:p>
@@ -3714,7 +3696,7 @@
             <a:fld id="{1D8BD707-D9CF-40AE-B4C6-C98DA3205C09}" type="datetimeFigureOut">
               <a:rPr lang="en-US" smtClean="0"/>
               <a:pPr/>
-              <a:t>5/19/2025</a:t>
+              <a:t>5/21/2025</a:t>
             </a:fld>
             <a:endParaRPr lang="en-US"/>
           </a:p>
@@ -3834,7 +3816,7 @@
             <a:fld id="{1D8BD707-D9CF-40AE-B4C6-C98DA3205C09}" type="datetimeFigureOut">
               <a:rPr lang="en-US" smtClean="0"/>
               <a:pPr/>
-              <a:t>5/19/2025</a:t>
+              <a:t>5/21/2025</a:t>
             </a:fld>
             <a:endParaRPr lang="en-US"/>
           </a:p>
@@ -3931,7 +3913,7 @@
             <a:fld id="{1D8BD707-D9CF-40AE-B4C6-C98DA3205C09}" type="datetimeFigureOut">
               <a:rPr lang="en-US" smtClean="0"/>
               <a:pPr/>
-              <a:t>5/19/2025</a:t>
+              <a:t>5/21/2025</a:t>
             </a:fld>
             <a:endParaRPr lang="en-US"/>
           </a:p>
@@ -4223,7 +4205,7 @@
             <a:fld id="{1D8BD707-D9CF-40AE-B4C6-C98DA3205C09}" type="datetimeFigureOut">
               <a:rPr lang="en-US" smtClean="0"/>
               <a:pPr/>
-              <a:t>5/19/2025</a:t>
+              <a:t>5/21/2025</a:t>
             </a:fld>
             <a:endParaRPr lang="en-US"/>
           </a:p>
@@ -4497,7 +4479,7 @@
             <a:fld id="{1D8BD707-D9CF-40AE-B4C6-C98DA3205C09}" type="datetimeFigureOut">
               <a:rPr lang="en-US" smtClean="0"/>
               <a:pPr/>
-              <a:t>5/19/2025</a:t>
+              <a:t>5/21/2025</a:t>
             </a:fld>
             <a:endParaRPr lang="en-US"/>
           </a:p>
@@ -4753,7 +4735,7 @@
             <a:fld id="{1D8BD707-D9CF-40AE-B4C6-C98DA3205C09}" type="datetimeFigureOut">
               <a:rPr lang="en-US" smtClean="0"/>
               <a:pPr/>
-              <a:t>5/19/2025</a:t>
+              <a:t>5/21/2025</a:t>
             </a:fld>
             <a:endParaRPr lang="en-US"/>
           </a:p>
@@ -5230,6 +5212,13 @@
             <a:off x="2895601" y="2743201"/>
             <a:ext cx="6154713" cy="1066801"/>
           </a:xfrm>
+          <a:effectLst>
+            <a:outerShdw blurRad="50800" dist="38100" dir="2700000" algn="tl" rotWithShape="0">
+              <a:prstClr val="black">
+                <a:alpha val="40000"/>
+              </a:prstClr>
+            </a:outerShdw>
+          </a:effectLst>
         </p:spPr>
         <p:txBody>
           <a:bodyPr>
@@ -5521,6 +5510,13 @@
             <a:off x="2438400" y="2057400"/>
             <a:ext cx="7406640" cy="1356360"/>
           </a:xfrm>
+          <a:effectLst>
+            <a:outerShdw blurRad="50800" dist="38100" dir="2700000" algn="tl" rotWithShape="0">
+              <a:prstClr val="black">
+                <a:alpha val="40000"/>
+              </a:prstClr>
+            </a:outerShdw>
+          </a:effectLst>
         </p:spPr>
         <p:txBody>
           <a:bodyPr/>
@@ -5645,30 +5641,39 @@
         </p:nvSpPr>
         <p:spPr>
           <a:xfrm>
-            <a:off x="3086100" y="5105400"/>
-            <a:ext cx="6019800" cy="838200"/>
+            <a:off x="2285999" y="5105400"/>
+            <a:ext cx="7620000" cy="838200"/>
           </a:xfrm>
+          <a:effectLst>
+            <a:outerShdw blurRad="50800" dist="38100" dir="2700000" algn="tl" rotWithShape="0">
+              <a:prstClr val="black">
+                <a:alpha val="40000"/>
+              </a:prstClr>
+            </a:outerShdw>
+          </a:effectLst>
         </p:spPr>
         <p:txBody>
-          <a:bodyPr/>
-          <a:lstStyle/>
-          <a:p>
-            <a:pPr marL="45720" indent="0">
+          <a:bodyPr>
+            <a:noAutofit/>
+          </a:bodyPr>
+          <a:lstStyle/>
+          <a:p>
+            <a:pPr marL="45720" indent="0" algn="ctr">
               <a:buNone/>
             </a:pPr>
             <a:r>
-              <a:rPr lang="bg-BG" dirty="0"/>
+              <a:rPr lang="bg-BG" sz="2800" b="1" dirty="0"/>
               <a:t>В</a:t>
             </a:r>
             <a:r>
-              <a:rPr lang="ru-RU" dirty="0" smtClean="0"/>
+              <a:rPr lang="ru-RU" sz="2800" b="1" dirty="0" smtClean="0"/>
               <a:t>ръзката </a:t>
             </a:r>
             <a:r>
-              <a:rPr lang="ru-RU" dirty="0"/>
+              <a:rPr lang="ru-RU" sz="2800" b="1" dirty="0"/>
               <a:t>между клиента и външния REST API. </a:t>
             </a:r>
-            <a:endParaRPr lang="bg-BG" dirty="0"/>
+            <a:endParaRPr lang="bg-BG" sz="2800" b="1" dirty="0"/>
           </a:p>
         </p:txBody>
       </p:sp>
@@ -5759,7 +5764,7 @@
         </p:nvSpPr>
         <p:spPr>
           <a:xfrm>
-            <a:off x="8534400" y="6019800"/>
+            <a:off x="9081655" y="5715000"/>
             <a:ext cx="2971800" cy="523220"/>
           </a:xfrm>
           <a:prstGeom prst="rect">
@@ -5779,15 +5784,7 @@
                   <a:schemeClr val="bg1"/>
                 </a:solidFill>
               </a:rPr>
-              <a:t>backend</a:t>
-            </a:r>
-            <a:r>
-              <a:rPr lang="en-US" sz="2000" dirty="0">
-                <a:solidFill>
-                  <a:schemeClr val="bg1"/>
-                </a:solidFill>
-              </a:rPr>
-              <a:t> </a:t>
+              <a:t>backend </a:t>
             </a:r>
             <a:r>
               <a:rPr lang="bg-BG" sz="2800" dirty="0">
@@ -5930,13 +5927,20 @@
         </p:nvSpPr>
         <p:spPr>
           <a:xfrm>
-            <a:off x="4419600" y="5715000"/>
-            <a:ext cx="3657600" cy="461665"/>
+            <a:off x="3810000" y="5715000"/>
+            <a:ext cx="4572000" cy="523220"/>
           </a:xfrm>
           <a:prstGeom prst="rect">
             <a:avLst/>
           </a:prstGeom>
           <a:noFill/>
+          <a:effectLst>
+            <a:outerShdw blurRad="50800" dist="38100" dir="2700000" algn="tl" rotWithShape="0">
+              <a:prstClr val="black">
+                <a:alpha val="40000"/>
+              </a:prstClr>
+            </a:outerShdw>
+          </a:effectLst>
         </p:spPr>
         <p:txBody>
           <a:bodyPr wrap="square" rtlCol="0">
@@ -5944,8 +5948,9 @@
           </a:bodyPr>
           <a:lstStyle/>
           <a:p>
-            <a:r>
-              <a:rPr lang="bg-BG" sz="2400" dirty="0">
+            <a:pPr algn="ctr"/>
+            <a:r>
+              <a:rPr lang="bg-BG" sz="2800" dirty="0">
                 <a:solidFill>
                   <a:schemeClr val="accent1"/>
                 </a:solidFill>
@@ -5953,7 +5958,7 @@
               <a:t>"прокси" слой в </a:t>
             </a:r>
             <a:r>
-              <a:rPr lang="en-US" sz="2400" dirty="0" smtClean="0">
+              <a:rPr lang="en-US" sz="2800" dirty="0" smtClean="0">
                 <a:solidFill>
                   <a:schemeClr val="accent1"/>
                 </a:solidFill>
@@ -5961,14 +5966,14 @@
               <a:t>backend</a:t>
             </a:r>
             <a:r>
-              <a:rPr lang="bg-BG" sz="2400" dirty="0" smtClean="0">
+              <a:rPr lang="bg-BG" sz="2800" dirty="0" smtClean="0">
                 <a:solidFill>
                   <a:schemeClr val="accent1"/>
                 </a:solidFill>
               </a:rPr>
-              <a:t>а</a:t>
-            </a:r>
-            <a:endParaRPr lang="bg-BG" sz="2400" dirty="0">
+              <a:t>-а</a:t>
+            </a:r>
+            <a:endParaRPr lang="bg-BG" sz="2800" dirty="0">
               <a:solidFill>
                 <a:schemeClr val="accent1"/>
               </a:solidFill>
@@ -6029,8 +6034,8 @@
         </p:blipFill>
         <p:spPr>
           <a:xfrm>
-            <a:off x="3048001" y="2209801"/>
-            <a:ext cx="5380797" cy="2028825"/>
+            <a:off x="1909968" y="1371600"/>
+            <a:ext cx="8372063" cy="3156679"/>
           </a:xfrm>
           <a:prstGeom prst="rect">
             <a:avLst/>
@@ -6045,13 +6050,20 @@
         </p:nvSpPr>
         <p:spPr>
           <a:xfrm>
-            <a:off x="3048001" y="5257800"/>
-            <a:ext cx="7620000" cy="400110"/>
+            <a:off x="1714499" y="5257800"/>
+            <a:ext cx="8763001" cy="523220"/>
           </a:xfrm>
           <a:prstGeom prst="rect">
             <a:avLst/>
           </a:prstGeom>
           <a:noFill/>
+          <a:effectLst>
+            <a:outerShdw blurRad="50800" dist="38100" dir="2700000" algn="tl" rotWithShape="0">
+              <a:prstClr val="black">
+                <a:alpha val="40000"/>
+              </a:prstClr>
+            </a:outerShdw>
+          </a:effectLst>
         </p:spPr>
         <p:txBody>
           <a:bodyPr wrap="square" rtlCol="0">
@@ -6060,7 +6072,7 @@
           <a:lstStyle/>
           <a:p>
             <a:r>
-              <a:rPr lang="ru-RU" sz="2000" dirty="0">
+              <a:rPr lang="ru-RU" sz="2800" dirty="0">
                 <a:solidFill>
                   <a:schemeClr val="accent1"/>
                 </a:solidFill>
@@ -6068,14 +6080,14 @@
               <a:t>Клиентската част на приложението е изградена с </a:t>
             </a:r>
             <a:r>
-              <a:rPr lang="ru-RU" sz="2000" dirty="0" smtClean="0">
+              <a:rPr lang="ru-RU" sz="2800" dirty="0" smtClean="0">
                 <a:solidFill>
                   <a:schemeClr val="accent1"/>
                 </a:solidFill>
               </a:rPr>
               <a:t>Vue.js</a:t>
             </a:r>
-            <a:endParaRPr lang="bg-BG" sz="2000" dirty="0">
+            <a:endParaRPr lang="bg-BG" sz="2800" dirty="0">
               <a:solidFill>
                 <a:schemeClr val="accent1"/>
               </a:solidFill>
@@ -6136,8 +6148,8 @@
         </p:blipFill>
         <p:spPr>
           <a:xfrm>
-            <a:off x="2438401" y="1295400"/>
-            <a:ext cx="7391399" cy="3695700"/>
+            <a:off x="1752601" y="990600"/>
+            <a:ext cx="8686799" cy="4343400"/>
           </a:xfrm>
           <a:prstGeom prst="rect">
             <a:avLst/>
